--- a/presentacion.pptx
+++ b/presentacion.pptx
@@ -11,6 +11,7 @@
     <p:sldId id="259" r:id="rId5"/>
     <p:sldId id="261" r:id="rId6"/>
     <p:sldId id="262" r:id="rId7"/>
+    <p:sldId id="263" r:id="rId8"/>
   </p:sldIdLst>
   <p:sldSz cx="12192000" cy="6858000"/>
   <p:notesSz cx="6858000" cy="9144000"/>
@@ -109,6 +110,11 @@
       </a:defRPr>
     </a:lvl9pPr>
   </p:defaultTextStyle>
+  <p:extLst>
+    <p:ext uri="{EFAFB233-063F-42B5-8137-9DF3F51BA10A}">
+      <p15:sldGuideLst xmlns:p15="http://schemas.microsoft.com/office/powerpoint/2012/main"/>
+    </p:ext>
+  </p:extLst>
 </p:presentation>
 </file>
 
@@ -6297,77 +6303,6 @@
           </a:extLst>
         </p:spPr>
       </p:pic>
-      <p:sp>
-        <p:nvSpPr>
-          <p:cNvPr id="5" name="CuadroTexto 4">
-            <a:extLst>
-              <a:ext uri="{FF2B5EF4-FFF2-40B4-BE49-F238E27FC236}">
-                <a16:creationId xmlns:a16="http://schemas.microsoft.com/office/drawing/2014/main" id="{69A34317-2A93-4682-89B7-62EB2128D93E}"/>
-              </a:ext>
-            </a:extLst>
-          </p:cNvPr>
-          <p:cNvSpPr txBox="1"/>
-          <p:nvPr/>
-        </p:nvSpPr>
-        <p:spPr>
-          <a:xfrm>
-            <a:off x="2543175" y="1562100"/>
-            <a:ext cx="5486400" cy="1754326"/>
-          </a:xfrm>
-          <a:prstGeom prst="rect">
-            <a:avLst/>
-          </a:prstGeom>
-          <a:noFill/>
-        </p:spPr>
-        <p:txBody>
-          <a:bodyPr wrap="square" rtlCol="0">
-            <a:spAutoFit/>
-          </a:bodyPr>
-          <a:lstStyle/>
-          <a:p>
-            <a:r>
-              <a:rPr lang="es-ES" dirty="0"/>
-              <a:t>Funcionalidades</a:t>
-            </a:r>
-          </a:p>
-          <a:p>
-            <a:endParaRPr lang="es-ES" dirty="0"/>
-          </a:p>
-          <a:p>
-            <a:pPr marL="342900" indent="-342900">
-              <a:buAutoNum type="arabicPeriod"/>
-            </a:pPr>
-            <a:r>
-              <a:rPr lang="es-ES" dirty="0"/>
-              <a:t>Sincro</a:t>
-            </a:r>
-          </a:p>
-          <a:p>
-            <a:pPr marL="342900" indent="-342900">
-              <a:buAutoNum type="arabicPeriod"/>
-            </a:pPr>
-            <a:r>
-              <a:rPr lang="es-ES" dirty="0"/>
-              <a:t>… </a:t>
-            </a:r>
-          </a:p>
-          <a:p>
-            <a:pPr marL="342900" indent="-342900">
-              <a:buAutoNum type="arabicPeriod"/>
-            </a:pPr>
-            <a:endParaRPr lang="es-ES" dirty="0"/>
-          </a:p>
-          <a:p>
-            <a:pPr marL="342900" indent="-342900">
-              <a:buAutoNum type="arabicPeriod"/>
-            </a:pPr>
-            <a:r>
-              <a:rPr lang="es-ES" dirty="0"/>
-              <a:t>Esas cosas me refiero</a:t>
-            </a:r>
-          </a:p>
-        </p:txBody>
-      </p:sp>
       <p:pic>
         <p:nvPicPr>
           <p:cNvPr id="14" name="Imagen 13" descr="Generador de Códigos QR Codes">
@@ -6415,6 +6350,368 @@
           </a:effectLst>
         </p:spPr>
       </p:pic>
+      <p:sp>
+        <p:nvSpPr>
+          <p:cNvPr id="2" name="Rectángulo 1">
+            <a:extLst>
+              <a:ext uri="{FF2B5EF4-FFF2-40B4-BE49-F238E27FC236}">
+                <a16:creationId xmlns:a16="http://schemas.microsoft.com/office/drawing/2014/main" id="{9B74A5B7-AC70-4E16-A467-8B5484A7C7C5}"/>
+              </a:ext>
+            </a:extLst>
+          </p:cNvPr>
+          <p:cNvSpPr/>
+          <p:nvPr/>
+        </p:nvSpPr>
+        <p:spPr>
+          <a:xfrm>
+            <a:off x="1158251" y="3787794"/>
+            <a:ext cx="3169910" cy="584775"/>
+          </a:xfrm>
+          <a:prstGeom prst="rect">
+            <a:avLst/>
+          </a:prstGeom>
+          <a:noFill/>
+        </p:spPr>
+        <p:txBody>
+          <a:bodyPr wrap="square" lIns="91440" tIns="45720" rIns="91440" bIns="45720">
+            <a:spAutoFit/>
+            <a:scene3d>
+              <a:camera prst="orthographicFront"/>
+              <a:lightRig rig="soft" dir="t">
+                <a:rot lat="0" lon="0" rev="15600000"/>
+              </a:lightRig>
+            </a:scene3d>
+            <a:sp3d extrusionH="57150" prstMaterial="softEdge">
+              <a:bevelT w="25400" h="38100"/>
+            </a:sp3d>
+          </a:bodyPr>
+          <a:lstStyle/>
+          <a:p>
+            <a:pPr algn="ctr"/>
+            <a:r>
+              <a:rPr lang="es-ES" sz="3200" b="1" dirty="0">
+                <a:ln/>
+                <a:solidFill>
+                  <a:schemeClr val="accent4"/>
+                </a:solidFill>
+              </a:rPr>
+              <a:t>Sincronización</a:t>
+            </a:r>
+          </a:p>
+        </p:txBody>
+      </p:sp>
+      <p:sp>
+        <p:nvSpPr>
+          <p:cNvPr id="7" name="Rectángulo 6">
+            <a:extLst>
+              <a:ext uri="{FF2B5EF4-FFF2-40B4-BE49-F238E27FC236}">
+                <a16:creationId xmlns:a16="http://schemas.microsoft.com/office/drawing/2014/main" id="{99526CD5-70F5-4AB1-9DC1-92BC18CE70CE}"/>
+              </a:ext>
+            </a:extLst>
+          </p:cNvPr>
+          <p:cNvSpPr/>
+          <p:nvPr/>
+        </p:nvSpPr>
+        <p:spPr>
+          <a:xfrm>
+            <a:off x="697721" y="1771565"/>
+            <a:ext cx="3086502" cy="584775"/>
+          </a:xfrm>
+          <a:prstGeom prst="rect">
+            <a:avLst/>
+          </a:prstGeom>
+          <a:noFill/>
+        </p:spPr>
+        <p:txBody>
+          <a:bodyPr wrap="square" lIns="91440" tIns="45720" rIns="91440" bIns="45720">
+            <a:spAutoFit/>
+            <a:scene3d>
+              <a:camera prst="orthographicFront"/>
+              <a:lightRig rig="soft" dir="t">
+                <a:rot lat="0" lon="0" rev="15600000"/>
+              </a:lightRig>
+            </a:scene3d>
+            <a:sp3d extrusionH="57150" prstMaterial="softEdge">
+              <a:bevelT w="25400" h="38100"/>
+            </a:sp3d>
+          </a:bodyPr>
+          <a:lstStyle/>
+          <a:p>
+            <a:pPr algn="ctr"/>
+            <a:r>
+              <a:rPr lang="es-ES" sz="3200" b="1" dirty="0">
+                <a:ln/>
+                <a:solidFill>
+                  <a:schemeClr val="accent4"/>
+                </a:solidFill>
+              </a:rPr>
+              <a:t>Autenticación</a:t>
+            </a:r>
+          </a:p>
+        </p:txBody>
+      </p:sp>
+      <p:sp>
+        <p:nvSpPr>
+          <p:cNvPr id="8" name="Rectángulo 7">
+            <a:extLst>
+              <a:ext uri="{FF2B5EF4-FFF2-40B4-BE49-F238E27FC236}">
+                <a16:creationId xmlns:a16="http://schemas.microsoft.com/office/drawing/2014/main" id="{2CDA58AD-4A5F-43CA-9083-7F036AC34C57}"/>
+              </a:ext>
+            </a:extLst>
+          </p:cNvPr>
+          <p:cNvSpPr/>
+          <p:nvPr/>
+        </p:nvSpPr>
+        <p:spPr>
+          <a:xfrm>
+            <a:off x="7543477" y="1479178"/>
+            <a:ext cx="2225364" cy="584775"/>
+          </a:xfrm>
+          <a:prstGeom prst="rect">
+            <a:avLst/>
+          </a:prstGeom>
+          <a:noFill/>
+        </p:spPr>
+        <p:txBody>
+          <a:bodyPr wrap="square" lIns="91440" tIns="45720" rIns="91440" bIns="45720">
+            <a:spAutoFit/>
+            <a:scene3d>
+              <a:camera prst="orthographicFront"/>
+              <a:lightRig rig="soft" dir="t">
+                <a:rot lat="0" lon="0" rev="15600000"/>
+              </a:lightRig>
+            </a:scene3d>
+            <a:sp3d extrusionH="57150" prstMaterial="softEdge">
+              <a:bevelT w="25400" h="38100"/>
+            </a:sp3d>
+          </a:bodyPr>
+          <a:lstStyle/>
+          <a:p>
+            <a:pPr algn="ctr"/>
+            <a:r>
+              <a:rPr lang="es-ES" sz="3200" b="1" dirty="0" err="1">
+                <a:ln/>
+                <a:solidFill>
+                  <a:schemeClr val="accent4"/>
+                </a:solidFill>
+              </a:rPr>
+              <a:t>Firebase</a:t>
+            </a:r>
+            <a:endParaRPr lang="es-ES" sz="3200" b="1" dirty="0">
+              <a:ln/>
+              <a:solidFill>
+                <a:schemeClr val="accent4"/>
+              </a:solidFill>
+            </a:endParaRPr>
+          </a:p>
+        </p:txBody>
+      </p:sp>
+      <p:sp>
+        <p:nvSpPr>
+          <p:cNvPr id="9" name="Rectángulo 8">
+            <a:extLst>
+              <a:ext uri="{FF2B5EF4-FFF2-40B4-BE49-F238E27FC236}">
+                <a16:creationId xmlns:a16="http://schemas.microsoft.com/office/drawing/2014/main" id="{A71DF4EE-3A2F-4C7F-B3AF-F59EDCD06D7F}"/>
+              </a:ext>
+            </a:extLst>
+          </p:cNvPr>
+          <p:cNvSpPr/>
+          <p:nvPr/>
+        </p:nvSpPr>
+        <p:spPr>
+          <a:xfrm>
+            <a:off x="5530981" y="2775645"/>
+            <a:ext cx="1464180" cy="584775"/>
+          </a:xfrm>
+          <a:prstGeom prst="rect">
+            <a:avLst/>
+          </a:prstGeom>
+          <a:noFill/>
+        </p:spPr>
+        <p:txBody>
+          <a:bodyPr wrap="square" lIns="91440" tIns="45720" rIns="91440" bIns="45720">
+            <a:spAutoFit/>
+            <a:scene3d>
+              <a:camera prst="orthographicFront"/>
+              <a:lightRig rig="soft" dir="t">
+                <a:rot lat="0" lon="0" rev="15600000"/>
+              </a:lightRig>
+            </a:scene3d>
+            <a:sp3d extrusionH="57150" prstMaterial="softEdge">
+              <a:bevelT w="25400" h="38100"/>
+            </a:sp3d>
+          </a:bodyPr>
+          <a:lstStyle/>
+          <a:p>
+            <a:pPr algn="ctr"/>
+            <a:r>
+              <a:rPr lang="es-ES" sz="3200" b="1" dirty="0" err="1">
+                <a:ln/>
+                <a:solidFill>
+                  <a:schemeClr val="accent4"/>
+                </a:solidFill>
+              </a:rPr>
+              <a:t>Vuex</a:t>
+            </a:r>
+            <a:endParaRPr lang="es-ES" sz="3200" b="1" dirty="0">
+              <a:ln/>
+              <a:solidFill>
+                <a:schemeClr val="accent4"/>
+              </a:solidFill>
+            </a:endParaRPr>
+          </a:p>
+        </p:txBody>
+      </p:sp>
+      <p:sp>
+        <p:nvSpPr>
+          <p:cNvPr id="10" name="Rectángulo 9">
+            <a:extLst>
+              <a:ext uri="{FF2B5EF4-FFF2-40B4-BE49-F238E27FC236}">
+                <a16:creationId xmlns:a16="http://schemas.microsoft.com/office/drawing/2014/main" id="{10506C1D-A8B8-4E19-88F1-DDAE2AA1BF40}"/>
+              </a:ext>
+            </a:extLst>
+          </p:cNvPr>
+          <p:cNvSpPr/>
+          <p:nvPr/>
+        </p:nvSpPr>
+        <p:spPr>
+          <a:xfrm>
+            <a:off x="6826381" y="4501659"/>
+            <a:ext cx="2043300" cy="584775"/>
+          </a:xfrm>
+          <a:prstGeom prst="rect">
+            <a:avLst/>
+          </a:prstGeom>
+          <a:noFill/>
+        </p:spPr>
+        <p:txBody>
+          <a:bodyPr wrap="square" lIns="91440" tIns="45720" rIns="91440" bIns="45720">
+            <a:spAutoFit/>
+            <a:scene3d>
+              <a:camera prst="orthographicFront"/>
+              <a:lightRig rig="soft" dir="t">
+                <a:rot lat="0" lon="0" rev="15600000"/>
+              </a:lightRig>
+            </a:scene3d>
+            <a:sp3d extrusionH="57150" prstMaterial="softEdge">
+              <a:bevelT w="25400" h="38100"/>
+            </a:sp3d>
+          </a:bodyPr>
+          <a:lstStyle/>
+          <a:p>
+            <a:pPr algn="ctr"/>
+            <a:r>
+              <a:rPr lang="es-ES" sz="3200" b="1" dirty="0">
+                <a:ln/>
+                <a:solidFill>
+                  <a:schemeClr val="accent4"/>
+                </a:solidFill>
+              </a:rPr>
+              <a:t>Alquiler</a:t>
+            </a:r>
+          </a:p>
+        </p:txBody>
+      </p:sp>
+      <p:sp>
+        <p:nvSpPr>
+          <p:cNvPr id="15" name="Rectángulo 14">
+            <a:extLst>
+              <a:ext uri="{FF2B5EF4-FFF2-40B4-BE49-F238E27FC236}">
+                <a16:creationId xmlns:a16="http://schemas.microsoft.com/office/drawing/2014/main" id="{44BF521C-2AD2-4C87-8C6B-1228BFA35539}"/>
+              </a:ext>
+            </a:extLst>
+          </p:cNvPr>
+          <p:cNvSpPr/>
+          <p:nvPr/>
+        </p:nvSpPr>
+        <p:spPr>
+          <a:xfrm>
+            <a:off x="3535691" y="5293243"/>
+            <a:ext cx="3169910" cy="584775"/>
+          </a:xfrm>
+          <a:prstGeom prst="rect">
+            <a:avLst/>
+          </a:prstGeom>
+          <a:noFill/>
+        </p:spPr>
+        <p:txBody>
+          <a:bodyPr wrap="square" lIns="91440" tIns="45720" rIns="91440" bIns="45720">
+            <a:spAutoFit/>
+            <a:scene3d>
+              <a:camera prst="orthographicFront"/>
+              <a:lightRig rig="soft" dir="t">
+                <a:rot lat="0" lon="0" rev="15600000"/>
+              </a:lightRig>
+            </a:scene3d>
+            <a:sp3d extrusionH="57150" prstMaterial="softEdge">
+              <a:bevelT w="25400" h="38100"/>
+            </a:sp3d>
+          </a:bodyPr>
+          <a:lstStyle/>
+          <a:p>
+            <a:pPr algn="ctr"/>
+            <a:r>
+              <a:rPr lang="es-ES" sz="3200" b="1" dirty="0">
+                <a:ln/>
+                <a:solidFill>
+                  <a:schemeClr val="accent4"/>
+                </a:solidFill>
+              </a:rPr>
+              <a:t>Hosting</a:t>
+            </a:r>
+          </a:p>
+        </p:txBody>
+      </p:sp>
+      <p:sp>
+        <p:nvSpPr>
+          <p:cNvPr id="16" name="Rectángulo 15">
+            <a:extLst>
+              <a:ext uri="{FF2B5EF4-FFF2-40B4-BE49-F238E27FC236}">
+                <a16:creationId xmlns:a16="http://schemas.microsoft.com/office/drawing/2014/main" id="{7F5E9459-F0D8-4270-B5A6-572198EE6169}"/>
+              </a:ext>
+            </a:extLst>
+          </p:cNvPr>
+          <p:cNvSpPr/>
+          <p:nvPr/>
+        </p:nvSpPr>
+        <p:spPr>
+          <a:xfrm>
+            <a:off x="8084831" y="3205192"/>
+            <a:ext cx="3169910" cy="584775"/>
+          </a:xfrm>
+          <a:prstGeom prst="rect">
+            <a:avLst/>
+          </a:prstGeom>
+          <a:noFill/>
+        </p:spPr>
+        <p:txBody>
+          <a:bodyPr wrap="square" lIns="91440" tIns="45720" rIns="91440" bIns="45720">
+            <a:spAutoFit/>
+            <a:scene3d>
+              <a:camera prst="orthographicFront"/>
+              <a:lightRig rig="soft" dir="t">
+                <a:rot lat="0" lon="0" rev="15600000"/>
+              </a:lightRig>
+            </a:scene3d>
+            <a:sp3d extrusionH="57150" prstMaterial="softEdge">
+              <a:bevelT w="25400" h="38100"/>
+            </a:sp3d>
+          </a:bodyPr>
+          <a:lstStyle/>
+          <a:p>
+            <a:pPr algn="ctr"/>
+            <a:r>
+              <a:rPr lang="es-ES" sz="3200" b="1" dirty="0">
+                <a:ln/>
+                <a:solidFill>
+                  <a:schemeClr val="accent4"/>
+                </a:solidFill>
+              </a:rPr>
+              <a:t>PWA</a:t>
+            </a:r>
+          </a:p>
+        </p:txBody>
+      </p:sp>
     </p:spTree>
     <p:extLst>
       <p:ext uri="{BB962C8B-B14F-4D97-AF65-F5344CB8AC3E}">
@@ -6544,10 +6841,10 @@
       </p:pic>
       <p:pic>
         <p:nvPicPr>
-          <p:cNvPr id="6" name="Imagen 5">
+          <p:cNvPr id="7" name="Imagen 6" descr="Generador de Códigos QR Codes">
             <a:extLst>
               <a:ext uri="{FF2B5EF4-FFF2-40B4-BE49-F238E27FC236}">
-                <a16:creationId xmlns:a16="http://schemas.microsoft.com/office/drawing/2014/main" id="{A5FD3582-D0E8-4618-864A-97B77D3A4242}"/>
+                <a16:creationId xmlns:a16="http://schemas.microsoft.com/office/drawing/2014/main" id="{63B24BC8-07BF-4430-A7BD-C7ABA406BD50}"/>
               </a:ext>
             </a:extLst>
           </p:cNvPr>
@@ -6569,45 +6866,6 @@
         </p:blipFill>
         <p:spPr bwMode="auto">
           <a:xfrm>
-            <a:off x="3395980" y="1692910"/>
-            <a:ext cx="5400040" cy="3472180"/>
-          </a:xfrm>
-          <a:prstGeom prst="rect">
-            <a:avLst/>
-          </a:prstGeom>
-          <a:noFill/>
-          <a:ln>
-            <a:noFill/>
-          </a:ln>
-        </p:spPr>
-      </p:pic>
-      <p:pic>
-        <p:nvPicPr>
-          <p:cNvPr id="7" name="Imagen 6" descr="Generador de Códigos QR Codes">
-            <a:extLst>
-              <a:ext uri="{FF2B5EF4-FFF2-40B4-BE49-F238E27FC236}">
-                <a16:creationId xmlns:a16="http://schemas.microsoft.com/office/drawing/2014/main" id="{63B24BC8-07BF-4430-A7BD-C7ABA406BD50}"/>
-              </a:ext>
-            </a:extLst>
-          </p:cNvPr>
-          <p:cNvPicPr/>
-          <p:nvPr/>
-        </p:nvPicPr>
-        <p:blipFill>
-          <a:blip r:embed="rId4">
-            <a:extLst>
-              <a:ext uri="{28A0092B-C50C-407E-A947-70E740481C1C}">
-                <a14:useLocalDpi xmlns:a14="http://schemas.microsoft.com/office/drawing/2010/main" val="0"/>
-              </a:ext>
-            </a:extLst>
-          </a:blip>
-          <a:srcRect/>
-          <a:stretch>
-            <a:fillRect/>
-          </a:stretch>
-        </p:blipFill>
-        <p:spPr bwMode="auto">
-          <a:xfrm>
             <a:off x="10410825" y="5086434"/>
             <a:ext cx="1507235" cy="1507235"/>
           </a:xfrm>
@@ -6626,6 +6884,36 @@
               <a:srgbClr val="000000"/>
             </a:innerShdw>
           </a:effectLst>
+        </p:spPr>
+      </p:pic>
+      <p:pic>
+        <p:nvPicPr>
+          <p:cNvPr id="4" name="Imagen 3">
+            <a:extLst>
+              <a:ext uri="{FF2B5EF4-FFF2-40B4-BE49-F238E27FC236}">
+                <a16:creationId xmlns:a16="http://schemas.microsoft.com/office/drawing/2014/main" id="{0D7AAB58-13EE-4EBB-A98D-1A2BCDF5EE13}"/>
+              </a:ext>
+            </a:extLst>
+          </p:cNvPr>
+          <p:cNvPicPr>
+            <a:picLocks noChangeAspect="1"/>
+          </p:cNvPicPr>
+          <p:nvPr/>
+        </p:nvPicPr>
+        <p:blipFill>
+          <a:blip r:embed="rId4"/>
+          <a:stretch>
+            <a:fillRect/>
+          </a:stretch>
+        </p:blipFill>
+        <p:spPr>
+          <a:xfrm>
+            <a:off x="2545081" y="1608361"/>
+            <a:ext cx="6626822" cy="4198080"/>
+          </a:xfrm>
+          <a:prstGeom prst="rect">
+            <a:avLst/>
+          </a:prstGeom>
         </p:spPr>
       </p:pic>
     </p:spTree>
@@ -7069,16 +7357,36 @@
         </p:blipFill>
         <p:spPr bwMode="auto">
           <a:xfrm>
-            <a:off x="2857499" y="1414437"/>
+            <a:off x="2324099" y="1414437"/>
             <a:ext cx="7748881" cy="4029126"/>
           </a:xfrm>
-          <a:prstGeom prst="rect">
-            <a:avLst/>
+          <a:prstGeom prst="roundRect">
+            <a:avLst>
+              <a:gd name="adj" fmla="val 11750"/>
+            </a:avLst>
           </a:prstGeom>
-          <a:noFill/>
           <a:ln>
             <a:noFill/>
           </a:ln>
+          <a:effectLst>
+            <a:outerShdw blurRad="152400" dist="12000" dir="900000" sy="98000" kx="110000" ky="200000" algn="tl" rotWithShape="0">
+              <a:srgbClr val="000000">
+                <a:alpha val="30000"/>
+              </a:srgbClr>
+            </a:outerShdw>
+          </a:effectLst>
+          <a:scene3d>
+            <a:camera prst="perspectiveRelaxed">
+              <a:rot lat="19800000" lon="1200000" rev="20820000"/>
+            </a:camera>
+            <a:lightRig rig="threePt" dir="t"/>
+          </a:scene3d>
+          <a:sp3d contourW="6350" prstMaterial="matte">
+            <a:bevelT w="101600" h="101600"/>
+            <a:contourClr>
+              <a:srgbClr val="969696"/>
+            </a:contourClr>
+          </a:sp3d>
           <a:extLst>
             <a:ext uri="{53640926-AAD7-44D8-BBD7-CCE9431645EC}">
               <a14:shadowObscured xmlns:a14="http://schemas.microsoft.com/office/drawing/2010/main"/>
@@ -7378,6 +7686,1074 @@
     <p:extLst>
       <p:ext uri="{BB962C8B-B14F-4D97-AF65-F5344CB8AC3E}">
         <p14:creationId xmlns:p14="http://schemas.microsoft.com/office/powerpoint/2010/main" val="3245294163"/>
+      </p:ext>
+    </p:extLst>
+  </p:cSld>
+  <p:clrMapOvr>
+    <a:masterClrMapping/>
+  </p:clrMapOvr>
+</p:sld>
+</file>
+
+<file path=ppt/slides/slide7.xml><?xml version="1.0" encoding="utf-8"?>
+<p:sld xmlns:a="http://schemas.openxmlformats.org/drawingml/2006/main" xmlns:r="http://schemas.openxmlformats.org/officeDocument/2006/relationships" xmlns:p="http://schemas.openxmlformats.org/presentationml/2006/main" show="0">
+  <p:cSld>
+    <p:spTree>
+      <p:nvGrpSpPr>
+        <p:cNvPr id="1" name=""/>
+        <p:cNvGrpSpPr/>
+        <p:nvPr/>
+      </p:nvGrpSpPr>
+      <p:grpSpPr>
+        <a:xfrm>
+          <a:off x="0" y="0"/>
+          <a:ext cx="0" cy="0"/>
+          <a:chOff x="0" y="0"/>
+          <a:chExt cx="0" cy="0"/>
+        </a:xfrm>
+      </p:grpSpPr>
+      <p:sp>
+        <p:nvSpPr>
+          <p:cNvPr id="4" name="Rectángulo: esquinas redondeadas 3">
+            <a:extLst>
+              <a:ext uri="{FF2B5EF4-FFF2-40B4-BE49-F238E27FC236}">
+                <a16:creationId xmlns:a16="http://schemas.microsoft.com/office/drawing/2014/main" id="{A811C1A9-B9FC-44A1-8DB3-5AB34C307736}"/>
+              </a:ext>
+            </a:extLst>
+          </p:cNvPr>
+          <p:cNvSpPr/>
+          <p:nvPr/>
+        </p:nvSpPr>
+        <p:spPr>
+          <a:xfrm>
+            <a:off x="4250315" y="354106"/>
+            <a:ext cx="2958353" cy="1748118"/>
+          </a:xfrm>
+          <a:prstGeom prst="roundRect">
+            <a:avLst/>
+          </a:prstGeom>
+          <a:gradFill flip="none" rotWithShape="1">
+            <a:gsLst>
+              <a:gs pos="0">
+                <a:srgbClr val="00B0F0">
+                  <a:shade val="30000"/>
+                  <a:satMod val="115000"/>
+                </a:srgbClr>
+              </a:gs>
+              <a:gs pos="50000">
+                <a:srgbClr val="00B0F0">
+                  <a:shade val="67500"/>
+                  <a:satMod val="115000"/>
+                </a:srgbClr>
+              </a:gs>
+              <a:gs pos="100000">
+                <a:srgbClr val="00B0F0">
+                  <a:shade val="100000"/>
+                  <a:satMod val="115000"/>
+                </a:srgbClr>
+              </a:gs>
+            </a:gsLst>
+            <a:path path="circle">
+              <a:fillToRect l="50000" t="50000" r="50000" b="50000"/>
+            </a:path>
+            <a:tileRect/>
+          </a:gradFill>
+          <a:ln>
+            <a:solidFill>
+              <a:srgbClr val="002060"/>
+            </a:solidFill>
+          </a:ln>
+        </p:spPr>
+        <p:style>
+          <a:lnRef idx="2">
+            <a:schemeClr val="accent1">
+              <a:shade val="50000"/>
+            </a:schemeClr>
+          </a:lnRef>
+          <a:fillRef idx="1">
+            <a:schemeClr val="accent1"/>
+          </a:fillRef>
+          <a:effectRef idx="0">
+            <a:schemeClr val="accent1"/>
+          </a:effectRef>
+          <a:fontRef idx="minor">
+            <a:schemeClr val="lt1"/>
+          </a:fontRef>
+        </p:style>
+        <p:txBody>
+          <a:bodyPr rtlCol="0" anchor="ctr"/>
+          <a:lstStyle/>
+          <a:p>
+            <a:pPr algn="ctr"/>
+            <a:r>
+              <a:rPr lang="es-ES" sz="2800" dirty="0"/>
+              <a:t>Nueva película</a:t>
+            </a:r>
+          </a:p>
+        </p:txBody>
+      </p:sp>
+      <p:sp>
+        <p:nvSpPr>
+          <p:cNvPr id="5" name="Rectángulo: esquinas redondeadas 4">
+            <a:extLst>
+              <a:ext uri="{FF2B5EF4-FFF2-40B4-BE49-F238E27FC236}">
+                <a16:creationId xmlns:a16="http://schemas.microsoft.com/office/drawing/2014/main" id="{FA3B742F-A0F5-4F5A-AD97-5DA85446F0D0}"/>
+              </a:ext>
+            </a:extLst>
+          </p:cNvPr>
+          <p:cNvSpPr/>
+          <p:nvPr/>
+        </p:nvSpPr>
+        <p:spPr>
+          <a:xfrm>
+            <a:off x="780526" y="2661099"/>
+            <a:ext cx="2958353" cy="1748118"/>
+          </a:xfrm>
+          <a:prstGeom prst="roundRect">
+            <a:avLst/>
+          </a:prstGeom>
+          <a:gradFill flip="none" rotWithShape="1">
+            <a:gsLst>
+              <a:gs pos="0">
+                <a:srgbClr val="00B0F0">
+                  <a:shade val="30000"/>
+                  <a:satMod val="115000"/>
+                </a:srgbClr>
+              </a:gs>
+              <a:gs pos="50000">
+                <a:srgbClr val="00B0F0">
+                  <a:shade val="67500"/>
+                  <a:satMod val="115000"/>
+                </a:srgbClr>
+              </a:gs>
+              <a:gs pos="100000">
+                <a:srgbClr val="00B0F0">
+                  <a:shade val="100000"/>
+                  <a:satMod val="115000"/>
+                </a:srgbClr>
+              </a:gs>
+            </a:gsLst>
+            <a:path path="circle">
+              <a:fillToRect l="50000" t="50000" r="50000" b="50000"/>
+            </a:path>
+            <a:tileRect/>
+          </a:gradFill>
+          <a:ln>
+            <a:solidFill>
+              <a:srgbClr val="002060"/>
+            </a:solidFill>
+          </a:ln>
+        </p:spPr>
+        <p:style>
+          <a:lnRef idx="2">
+            <a:schemeClr val="accent1">
+              <a:shade val="50000"/>
+            </a:schemeClr>
+          </a:lnRef>
+          <a:fillRef idx="1">
+            <a:schemeClr val="accent1"/>
+          </a:fillRef>
+          <a:effectRef idx="0">
+            <a:schemeClr val="accent1"/>
+          </a:effectRef>
+          <a:fontRef idx="minor">
+            <a:schemeClr val="lt1"/>
+          </a:fontRef>
+        </p:style>
+        <p:txBody>
+          <a:bodyPr rtlCol="0" anchor="ctr"/>
+          <a:lstStyle/>
+          <a:p>
+            <a:pPr algn="ctr"/>
+            <a:r>
+              <a:rPr lang="es-ES" sz="2800" dirty="0" err="1"/>
+              <a:t>Index</a:t>
+            </a:r>
+            <a:endParaRPr lang="es-ES" sz="2800" dirty="0"/>
+          </a:p>
+        </p:txBody>
+      </p:sp>
+      <p:sp>
+        <p:nvSpPr>
+          <p:cNvPr id="6" name="Rectángulo: esquinas redondeadas 5">
+            <a:extLst>
+              <a:ext uri="{FF2B5EF4-FFF2-40B4-BE49-F238E27FC236}">
+                <a16:creationId xmlns:a16="http://schemas.microsoft.com/office/drawing/2014/main" id="{3C9F6777-7E1F-4AA2-B0EF-B511E2C069B6}"/>
+              </a:ext>
+            </a:extLst>
+          </p:cNvPr>
+          <p:cNvSpPr/>
+          <p:nvPr/>
+        </p:nvSpPr>
+        <p:spPr>
+          <a:xfrm>
+            <a:off x="7664524" y="2661099"/>
+            <a:ext cx="2958353" cy="1748118"/>
+          </a:xfrm>
+          <a:prstGeom prst="roundRect">
+            <a:avLst/>
+          </a:prstGeom>
+          <a:gradFill flip="none" rotWithShape="1">
+            <a:gsLst>
+              <a:gs pos="0">
+                <a:srgbClr val="00B0F0">
+                  <a:shade val="30000"/>
+                  <a:satMod val="115000"/>
+                </a:srgbClr>
+              </a:gs>
+              <a:gs pos="50000">
+                <a:srgbClr val="00B0F0">
+                  <a:shade val="67500"/>
+                  <a:satMod val="115000"/>
+                </a:srgbClr>
+              </a:gs>
+              <a:gs pos="100000">
+                <a:srgbClr val="00B0F0">
+                  <a:shade val="100000"/>
+                  <a:satMod val="115000"/>
+                </a:srgbClr>
+              </a:gs>
+            </a:gsLst>
+            <a:path path="circle">
+              <a:fillToRect l="50000" t="50000" r="50000" b="50000"/>
+            </a:path>
+            <a:tileRect/>
+          </a:gradFill>
+          <a:ln>
+            <a:solidFill>
+              <a:srgbClr val="002060"/>
+            </a:solidFill>
+          </a:ln>
+        </p:spPr>
+        <p:style>
+          <a:lnRef idx="2">
+            <a:schemeClr val="accent1">
+              <a:shade val="50000"/>
+            </a:schemeClr>
+          </a:lnRef>
+          <a:fillRef idx="1">
+            <a:schemeClr val="accent1"/>
+          </a:fillRef>
+          <a:effectRef idx="0">
+            <a:schemeClr val="accent1"/>
+          </a:effectRef>
+          <a:fontRef idx="minor">
+            <a:schemeClr val="lt1"/>
+          </a:fontRef>
+        </p:style>
+        <p:txBody>
+          <a:bodyPr rtlCol="0" anchor="ctr"/>
+          <a:lstStyle/>
+          <a:p>
+            <a:pPr algn="ctr"/>
+            <a:r>
+              <a:rPr lang="es-ES" sz="2800" dirty="0"/>
+              <a:t>Videoclub</a:t>
+            </a:r>
+          </a:p>
+        </p:txBody>
+      </p:sp>
+      <p:sp>
+        <p:nvSpPr>
+          <p:cNvPr id="7" name="Rectángulo: esquinas redondeadas 6">
+            <a:extLst>
+              <a:ext uri="{FF2B5EF4-FFF2-40B4-BE49-F238E27FC236}">
+                <a16:creationId xmlns:a16="http://schemas.microsoft.com/office/drawing/2014/main" id="{EA31F3F4-0ED2-499A-BC32-C8D2CCB11D73}"/>
+              </a:ext>
+            </a:extLst>
+          </p:cNvPr>
+          <p:cNvSpPr/>
+          <p:nvPr/>
+        </p:nvSpPr>
+        <p:spPr>
+          <a:xfrm>
+            <a:off x="4250316" y="4836458"/>
+            <a:ext cx="2958353" cy="1748118"/>
+          </a:xfrm>
+          <a:prstGeom prst="roundRect">
+            <a:avLst/>
+          </a:prstGeom>
+          <a:gradFill flip="none" rotWithShape="1">
+            <a:gsLst>
+              <a:gs pos="0">
+                <a:srgbClr val="00B0F0">
+                  <a:shade val="30000"/>
+                  <a:satMod val="115000"/>
+                </a:srgbClr>
+              </a:gs>
+              <a:gs pos="50000">
+                <a:srgbClr val="00B0F0">
+                  <a:shade val="67500"/>
+                  <a:satMod val="115000"/>
+                </a:srgbClr>
+              </a:gs>
+              <a:gs pos="100000">
+                <a:srgbClr val="00B0F0">
+                  <a:shade val="100000"/>
+                  <a:satMod val="115000"/>
+                </a:srgbClr>
+              </a:gs>
+            </a:gsLst>
+            <a:path path="circle">
+              <a:fillToRect l="50000" t="50000" r="50000" b="50000"/>
+            </a:path>
+            <a:tileRect/>
+          </a:gradFill>
+          <a:ln>
+            <a:solidFill>
+              <a:srgbClr val="002060"/>
+            </a:solidFill>
+          </a:ln>
+        </p:spPr>
+        <p:style>
+          <a:lnRef idx="2">
+            <a:schemeClr val="accent1">
+              <a:shade val="50000"/>
+            </a:schemeClr>
+          </a:lnRef>
+          <a:fillRef idx="1">
+            <a:schemeClr val="accent1"/>
+          </a:fillRef>
+          <a:effectRef idx="0">
+            <a:schemeClr val="accent1"/>
+          </a:effectRef>
+          <a:fontRef idx="minor">
+            <a:schemeClr val="lt1"/>
+          </a:fontRef>
+        </p:style>
+        <p:txBody>
+          <a:bodyPr rtlCol="0" anchor="ctr"/>
+          <a:lstStyle/>
+          <a:p>
+            <a:pPr algn="ctr"/>
+            <a:r>
+              <a:rPr lang="es-ES" sz="2800" dirty="0"/>
+              <a:t>Perfil</a:t>
+            </a:r>
+          </a:p>
+        </p:txBody>
+      </p:sp>
+      <p:sp>
+        <p:nvSpPr>
+          <p:cNvPr id="8" name="Flecha: hacia arriba 7">
+            <a:extLst>
+              <a:ext uri="{FF2B5EF4-FFF2-40B4-BE49-F238E27FC236}">
+                <a16:creationId xmlns:a16="http://schemas.microsoft.com/office/drawing/2014/main" id="{6D0F0E6E-CE4D-4081-9B6B-97C7911CC391}"/>
+              </a:ext>
+            </a:extLst>
+          </p:cNvPr>
+          <p:cNvSpPr/>
+          <p:nvPr/>
+        </p:nvSpPr>
+        <p:spPr>
+          <a:xfrm>
+            <a:off x="4886064" y="2167442"/>
+            <a:ext cx="518160" cy="2603798"/>
+          </a:xfrm>
+          <a:prstGeom prst="upArrow">
+            <a:avLst/>
+          </a:prstGeom>
+          <a:gradFill flip="none" rotWithShape="1">
+            <a:gsLst>
+              <a:gs pos="0">
+                <a:srgbClr val="00B0F0">
+                  <a:shade val="30000"/>
+                  <a:satMod val="115000"/>
+                </a:srgbClr>
+              </a:gs>
+              <a:gs pos="50000">
+                <a:srgbClr val="00B0F0">
+                  <a:shade val="67500"/>
+                  <a:satMod val="115000"/>
+                </a:srgbClr>
+              </a:gs>
+              <a:gs pos="100000">
+                <a:srgbClr val="00B0F0">
+                  <a:shade val="100000"/>
+                  <a:satMod val="115000"/>
+                </a:srgbClr>
+              </a:gs>
+            </a:gsLst>
+            <a:path path="circle">
+              <a:fillToRect l="50000" t="50000" r="50000" b="50000"/>
+            </a:path>
+            <a:tileRect/>
+          </a:gradFill>
+          <a:ln>
+            <a:solidFill>
+              <a:srgbClr val="002060"/>
+            </a:solidFill>
+          </a:ln>
+        </p:spPr>
+        <p:style>
+          <a:lnRef idx="2">
+            <a:schemeClr val="accent1">
+              <a:shade val="50000"/>
+            </a:schemeClr>
+          </a:lnRef>
+          <a:fillRef idx="1">
+            <a:schemeClr val="accent1"/>
+          </a:fillRef>
+          <a:effectRef idx="0">
+            <a:schemeClr val="accent1"/>
+          </a:effectRef>
+          <a:fontRef idx="minor">
+            <a:schemeClr val="lt1"/>
+          </a:fontRef>
+        </p:style>
+        <p:txBody>
+          <a:bodyPr rtlCol="0" anchor="ctr"/>
+          <a:lstStyle/>
+          <a:p>
+            <a:pPr algn="ctr"/>
+            <a:endParaRPr lang="es-ES"/>
+          </a:p>
+        </p:txBody>
+      </p:sp>
+      <p:sp>
+        <p:nvSpPr>
+          <p:cNvPr id="9" name="Flecha: hacia arriba 8">
+            <a:extLst>
+              <a:ext uri="{FF2B5EF4-FFF2-40B4-BE49-F238E27FC236}">
+                <a16:creationId xmlns:a16="http://schemas.microsoft.com/office/drawing/2014/main" id="{78A70EBC-AF51-458D-B421-CA13F3826211}"/>
+              </a:ext>
+            </a:extLst>
+          </p:cNvPr>
+          <p:cNvSpPr/>
+          <p:nvPr/>
+        </p:nvSpPr>
+        <p:spPr>
+          <a:xfrm flipV="1">
+            <a:off x="5840504" y="2167442"/>
+            <a:ext cx="518160" cy="2603798"/>
+          </a:xfrm>
+          <a:prstGeom prst="upArrow">
+            <a:avLst/>
+          </a:prstGeom>
+          <a:solidFill>
+            <a:schemeClr val="tx1"/>
+          </a:solidFill>
+          <a:ln>
+            <a:solidFill>
+              <a:srgbClr val="002060"/>
+            </a:solidFill>
+          </a:ln>
+        </p:spPr>
+        <p:style>
+          <a:lnRef idx="2">
+            <a:schemeClr val="accent1">
+              <a:shade val="50000"/>
+            </a:schemeClr>
+          </a:lnRef>
+          <a:fillRef idx="1">
+            <a:schemeClr val="accent1"/>
+          </a:fillRef>
+          <a:effectRef idx="0">
+            <a:schemeClr val="accent1"/>
+          </a:effectRef>
+          <a:fontRef idx="minor">
+            <a:schemeClr val="lt1"/>
+          </a:fontRef>
+        </p:style>
+        <p:txBody>
+          <a:bodyPr rtlCol="0" anchor="ctr"/>
+          <a:lstStyle/>
+          <a:p>
+            <a:pPr algn="ctr"/>
+            <a:endParaRPr lang="es-ES"/>
+          </a:p>
+        </p:txBody>
+      </p:sp>
+      <p:sp>
+        <p:nvSpPr>
+          <p:cNvPr id="10" name="Flecha: hacia arriba 9">
+            <a:extLst>
+              <a:ext uri="{FF2B5EF4-FFF2-40B4-BE49-F238E27FC236}">
+                <a16:creationId xmlns:a16="http://schemas.microsoft.com/office/drawing/2014/main" id="{B54A255D-FAA2-4EEF-B8EB-CBF763569A08}"/>
+              </a:ext>
+            </a:extLst>
+          </p:cNvPr>
+          <p:cNvSpPr/>
+          <p:nvPr/>
+        </p:nvSpPr>
+        <p:spPr>
+          <a:xfrm rot="13949545" flipV="1">
+            <a:off x="8033129" y="4123438"/>
+            <a:ext cx="440058" cy="2268093"/>
+          </a:xfrm>
+          <a:prstGeom prst="upArrow">
+            <a:avLst/>
+          </a:prstGeom>
+          <a:solidFill>
+            <a:schemeClr val="tx1"/>
+          </a:solidFill>
+          <a:ln>
+            <a:solidFill>
+              <a:srgbClr val="002060"/>
+            </a:solidFill>
+          </a:ln>
+        </p:spPr>
+        <p:style>
+          <a:lnRef idx="2">
+            <a:schemeClr val="accent1">
+              <a:shade val="50000"/>
+            </a:schemeClr>
+          </a:lnRef>
+          <a:fillRef idx="1">
+            <a:schemeClr val="accent1"/>
+          </a:fillRef>
+          <a:effectRef idx="0">
+            <a:schemeClr val="accent1"/>
+          </a:effectRef>
+          <a:fontRef idx="minor">
+            <a:schemeClr val="lt1"/>
+          </a:fontRef>
+        </p:style>
+        <p:txBody>
+          <a:bodyPr rtlCol="0" anchor="ctr"/>
+          <a:lstStyle/>
+          <a:p>
+            <a:pPr algn="ctr"/>
+            <a:endParaRPr lang="es-ES"/>
+          </a:p>
+        </p:txBody>
+      </p:sp>
+      <p:sp>
+        <p:nvSpPr>
+          <p:cNvPr id="11" name="Flecha: hacia arriba 10">
+            <a:extLst>
+              <a:ext uri="{FF2B5EF4-FFF2-40B4-BE49-F238E27FC236}">
+                <a16:creationId xmlns:a16="http://schemas.microsoft.com/office/drawing/2014/main" id="{F1DEDD57-C535-431A-A63A-5D98D1599A15}"/>
+              </a:ext>
+            </a:extLst>
+          </p:cNvPr>
+          <p:cNvSpPr/>
+          <p:nvPr/>
+        </p:nvSpPr>
+        <p:spPr>
+          <a:xfrm rot="3223889" flipV="1">
+            <a:off x="8563261" y="4276325"/>
+            <a:ext cx="440058" cy="2268093"/>
+          </a:xfrm>
+          <a:prstGeom prst="upArrow">
+            <a:avLst/>
+          </a:prstGeom>
+          <a:gradFill flip="none" rotWithShape="1">
+            <a:gsLst>
+              <a:gs pos="0">
+                <a:srgbClr val="00B0F0">
+                  <a:shade val="30000"/>
+                  <a:satMod val="115000"/>
+                </a:srgbClr>
+              </a:gs>
+              <a:gs pos="50000">
+                <a:srgbClr val="00B0F0">
+                  <a:shade val="67500"/>
+                  <a:satMod val="115000"/>
+                </a:srgbClr>
+              </a:gs>
+              <a:gs pos="100000">
+                <a:srgbClr val="00B0F0">
+                  <a:shade val="100000"/>
+                  <a:satMod val="115000"/>
+                </a:srgbClr>
+              </a:gs>
+            </a:gsLst>
+            <a:path path="circle">
+              <a:fillToRect l="50000" t="50000" r="50000" b="50000"/>
+            </a:path>
+            <a:tileRect/>
+          </a:gradFill>
+          <a:ln>
+            <a:solidFill>
+              <a:srgbClr val="002060"/>
+            </a:solidFill>
+          </a:ln>
+        </p:spPr>
+        <p:style>
+          <a:lnRef idx="2">
+            <a:schemeClr val="accent1">
+              <a:shade val="50000"/>
+            </a:schemeClr>
+          </a:lnRef>
+          <a:fillRef idx="1">
+            <a:schemeClr val="accent1"/>
+          </a:fillRef>
+          <a:effectRef idx="0">
+            <a:schemeClr val="accent1"/>
+          </a:effectRef>
+          <a:fontRef idx="minor">
+            <a:schemeClr val="lt1"/>
+          </a:fontRef>
+        </p:style>
+        <p:txBody>
+          <a:bodyPr rtlCol="0" anchor="ctr"/>
+          <a:lstStyle/>
+          <a:p>
+            <a:pPr algn="ctr"/>
+            <a:endParaRPr lang="es-ES"/>
+          </a:p>
+        </p:txBody>
+      </p:sp>
+      <p:sp>
+        <p:nvSpPr>
+          <p:cNvPr id="12" name="Flecha: hacia arriba 11">
+            <a:extLst>
+              <a:ext uri="{FF2B5EF4-FFF2-40B4-BE49-F238E27FC236}">
+                <a16:creationId xmlns:a16="http://schemas.microsoft.com/office/drawing/2014/main" id="{5FB78881-A87F-47BE-A996-88A06BECA008}"/>
+              </a:ext>
+            </a:extLst>
+          </p:cNvPr>
+          <p:cNvSpPr/>
+          <p:nvPr/>
+        </p:nvSpPr>
+        <p:spPr>
+          <a:xfrm rot="3223889" flipV="1">
+            <a:off x="2392195" y="472110"/>
+            <a:ext cx="440058" cy="2268093"/>
+          </a:xfrm>
+          <a:prstGeom prst="upArrow">
+            <a:avLst/>
+          </a:prstGeom>
+          <a:solidFill>
+            <a:schemeClr val="tx1"/>
+          </a:solidFill>
+          <a:ln>
+            <a:solidFill>
+              <a:srgbClr val="002060"/>
+            </a:solidFill>
+          </a:ln>
+        </p:spPr>
+        <p:style>
+          <a:lnRef idx="2">
+            <a:schemeClr val="accent1">
+              <a:shade val="50000"/>
+            </a:schemeClr>
+          </a:lnRef>
+          <a:fillRef idx="1">
+            <a:schemeClr val="accent1"/>
+          </a:fillRef>
+          <a:effectRef idx="0">
+            <a:schemeClr val="accent1"/>
+          </a:effectRef>
+          <a:fontRef idx="minor">
+            <a:schemeClr val="lt1"/>
+          </a:fontRef>
+        </p:style>
+        <p:txBody>
+          <a:bodyPr rtlCol="0" anchor="ctr"/>
+          <a:lstStyle/>
+          <a:p>
+            <a:pPr algn="ctr"/>
+            <a:endParaRPr lang="es-ES"/>
+          </a:p>
+        </p:txBody>
+      </p:sp>
+      <p:sp>
+        <p:nvSpPr>
+          <p:cNvPr id="13" name="Flecha: hacia arriba 12">
+            <a:extLst>
+              <a:ext uri="{FF2B5EF4-FFF2-40B4-BE49-F238E27FC236}">
+                <a16:creationId xmlns:a16="http://schemas.microsoft.com/office/drawing/2014/main" id="{4F1AFF8B-1497-4A01-8A4A-6C9FC7764767}"/>
+              </a:ext>
+            </a:extLst>
+          </p:cNvPr>
+          <p:cNvSpPr/>
+          <p:nvPr/>
+        </p:nvSpPr>
+        <p:spPr>
+          <a:xfrm rot="14063405" flipV="1">
+            <a:off x="2922327" y="624997"/>
+            <a:ext cx="440058" cy="2268093"/>
+          </a:xfrm>
+          <a:prstGeom prst="upArrow">
+            <a:avLst/>
+          </a:prstGeom>
+          <a:solidFill>
+            <a:schemeClr val="tx1"/>
+          </a:solidFill>
+          <a:ln>
+            <a:solidFill>
+              <a:srgbClr val="002060"/>
+            </a:solidFill>
+          </a:ln>
+        </p:spPr>
+        <p:style>
+          <a:lnRef idx="2">
+            <a:schemeClr val="accent1">
+              <a:shade val="50000"/>
+            </a:schemeClr>
+          </a:lnRef>
+          <a:fillRef idx="1">
+            <a:schemeClr val="accent1"/>
+          </a:fillRef>
+          <a:effectRef idx="0">
+            <a:schemeClr val="accent1"/>
+          </a:effectRef>
+          <a:fontRef idx="minor">
+            <a:schemeClr val="lt1"/>
+          </a:fontRef>
+        </p:style>
+        <p:txBody>
+          <a:bodyPr rtlCol="0" anchor="ctr"/>
+          <a:lstStyle/>
+          <a:p>
+            <a:pPr algn="ctr"/>
+            <a:endParaRPr lang="es-ES"/>
+          </a:p>
+        </p:txBody>
+      </p:sp>
+      <p:sp>
+        <p:nvSpPr>
+          <p:cNvPr id="14" name="Flecha: hacia arriba 13">
+            <a:extLst>
+              <a:ext uri="{FF2B5EF4-FFF2-40B4-BE49-F238E27FC236}">
+                <a16:creationId xmlns:a16="http://schemas.microsoft.com/office/drawing/2014/main" id="{F1AC2F41-91D2-4F2E-B9D0-8AE492AD93AD}"/>
+              </a:ext>
+            </a:extLst>
+          </p:cNvPr>
+          <p:cNvSpPr/>
+          <p:nvPr/>
+        </p:nvSpPr>
+        <p:spPr>
+          <a:xfrm rot="7712470" flipV="1">
+            <a:off x="8019636" y="658232"/>
+            <a:ext cx="440058" cy="2268093"/>
+          </a:xfrm>
+          <a:prstGeom prst="upArrow">
+            <a:avLst/>
+          </a:prstGeom>
+          <a:solidFill>
+            <a:schemeClr val="tx1"/>
+          </a:solidFill>
+          <a:ln>
+            <a:solidFill>
+              <a:srgbClr val="002060"/>
+            </a:solidFill>
+          </a:ln>
+        </p:spPr>
+        <p:style>
+          <a:lnRef idx="2">
+            <a:schemeClr val="accent1">
+              <a:shade val="50000"/>
+            </a:schemeClr>
+          </a:lnRef>
+          <a:fillRef idx="1">
+            <a:schemeClr val="accent1"/>
+          </a:fillRef>
+          <a:effectRef idx="0">
+            <a:schemeClr val="accent1"/>
+          </a:effectRef>
+          <a:fontRef idx="minor">
+            <a:schemeClr val="lt1"/>
+          </a:fontRef>
+        </p:style>
+        <p:txBody>
+          <a:bodyPr rtlCol="0" anchor="ctr"/>
+          <a:lstStyle/>
+          <a:p>
+            <a:pPr algn="ctr"/>
+            <a:endParaRPr lang="es-ES"/>
+          </a:p>
+        </p:txBody>
+      </p:sp>
+      <p:sp>
+        <p:nvSpPr>
+          <p:cNvPr id="15" name="Flecha: hacia arriba 14">
+            <a:extLst>
+              <a:ext uri="{FF2B5EF4-FFF2-40B4-BE49-F238E27FC236}">
+                <a16:creationId xmlns:a16="http://schemas.microsoft.com/office/drawing/2014/main" id="{B19E9EB8-AD0D-43D7-9A8A-BD11B47E78D0}"/>
+              </a:ext>
+            </a:extLst>
+          </p:cNvPr>
+          <p:cNvSpPr/>
+          <p:nvPr/>
+        </p:nvSpPr>
+        <p:spPr>
+          <a:xfrm rot="18489522" flipV="1">
+            <a:off x="8629368" y="552779"/>
+            <a:ext cx="440058" cy="2268093"/>
+          </a:xfrm>
+          <a:prstGeom prst="upArrow">
+            <a:avLst/>
+          </a:prstGeom>
+          <a:solidFill>
+            <a:schemeClr val="tx1"/>
+          </a:solidFill>
+          <a:ln>
+            <a:solidFill>
+              <a:srgbClr val="002060"/>
+            </a:solidFill>
+          </a:ln>
+        </p:spPr>
+        <p:style>
+          <a:lnRef idx="2">
+            <a:schemeClr val="accent1">
+              <a:shade val="50000"/>
+            </a:schemeClr>
+          </a:lnRef>
+          <a:fillRef idx="1">
+            <a:schemeClr val="accent1"/>
+          </a:fillRef>
+          <a:effectRef idx="0">
+            <a:schemeClr val="accent1"/>
+          </a:effectRef>
+          <a:fontRef idx="minor">
+            <a:schemeClr val="lt1"/>
+          </a:fontRef>
+        </p:style>
+        <p:txBody>
+          <a:bodyPr rtlCol="0" anchor="ctr"/>
+          <a:lstStyle/>
+          <a:p>
+            <a:pPr algn="ctr"/>
+            <a:endParaRPr lang="es-ES"/>
+          </a:p>
+        </p:txBody>
+      </p:sp>
+      <p:sp>
+        <p:nvSpPr>
+          <p:cNvPr id="16" name="Flecha: hacia arriba 15">
+            <a:extLst>
+              <a:ext uri="{FF2B5EF4-FFF2-40B4-BE49-F238E27FC236}">
+                <a16:creationId xmlns:a16="http://schemas.microsoft.com/office/drawing/2014/main" id="{BC589376-D06C-4F75-8A5C-EC76F0F55B96}"/>
+              </a:ext>
+            </a:extLst>
+          </p:cNvPr>
+          <p:cNvSpPr/>
+          <p:nvPr/>
+        </p:nvSpPr>
+        <p:spPr>
+          <a:xfrm rot="18410537" flipV="1">
+            <a:off x="2298764" y="4087617"/>
+            <a:ext cx="440058" cy="2268093"/>
+          </a:xfrm>
+          <a:prstGeom prst="upArrow">
+            <a:avLst/>
+          </a:prstGeom>
+          <a:gradFill flip="none" rotWithShape="1">
+            <a:gsLst>
+              <a:gs pos="0">
+                <a:srgbClr val="00B0F0">
+                  <a:shade val="30000"/>
+                  <a:satMod val="115000"/>
+                </a:srgbClr>
+              </a:gs>
+              <a:gs pos="50000">
+                <a:srgbClr val="00B0F0">
+                  <a:shade val="67500"/>
+                  <a:satMod val="115000"/>
+                </a:srgbClr>
+              </a:gs>
+              <a:gs pos="100000">
+                <a:srgbClr val="00B0F0">
+                  <a:shade val="100000"/>
+                  <a:satMod val="115000"/>
+                </a:srgbClr>
+              </a:gs>
+            </a:gsLst>
+            <a:path path="circle">
+              <a:fillToRect l="50000" t="50000" r="50000" b="50000"/>
+            </a:path>
+            <a:tileRect/>
+          </a:gradFill>
+          <a:ln>
+            <a:solidFill>
+              <a:srgbClr val="002060"/>
+            </a:solidFill>
+          </a:ln>
+        </p:spPr>
+        <p:style>
+          <a:lnRef idx="2">
+            <a:schemeClr val="accent1">
+              <a:shade val="50000"/>
+            </a:schemeClr>
+          </a:lnRef>
+          <a:fillRef idx="1">
+            <a:schemeClr val="accent1"/>
+          </a:fillRef>
+          <a:effectRef idx="0">
+            <a:schemeClr val="accent1"/>
+          </a:effectRef>
+          <a:fontRef idx="minor">
+            <a:schemeClr val="lt1"/>
+          </a:fontRef>
+        </p:style>
+        <p:txBody>
+          <a:bodyPr rtlCol="0" anchor="ctr"/>
+          <a:lstStyle/>
+          <a:p>
+            <a:pPr algn="ctr"/>
+            <a:endParaRPr lang="es-ES"/>
+          </a:p>
+        </p:txBody>
+      </p:sp>
+      <p:sp>
+        <p:nvSpPr>
+          <p:cNvPr id="17" name="Flecha: hacia arriba 16">
+            <a:extLst>
+              <a:ext uri="{FF2B5EF4-FFF2-40B4-BE49-F238E27FC236}">
+                <a16:creationId xmlns:a16="http://schemas.microsoft.com/office/drawing/2014/main" id="{23A44923-8F86-4C10-A432-5B3CBC75F962}"/>
+              </a:ext>
+            </a:extLst>
+          </p:cNvPr>
+          <p:cNvSpPr/>
+          <p:nvPr/>
+        </p:nvSpPr>
+        <p:spPr>
+          <a:xfrm rot="7561118" flipV="1">
+            <a:off x="3012649" y="4054611"/>
+            <a:ext cx="440058" cy="2268093"/>
+          </a:xfrm>
+          <a:prstGeom prst="upArrow">
+            <a:avLst/>
+          </a:prstGeom>
+          <a:solidFill>
+            <a:schemeClr val="tx1"/>
+          </a:solidFill>
+          <a:ln>
+            <a:solidFill>
+              <a:srgbClr val="002060"/>
+            </a:solidFill>
+          </a:ln>
+        </p:spPr>
+        <p:style>
+          <a:lnRef idx="2">
+            <a:schemeClr val="accent1">
+              <a:shade val="50000"/>
+            </a:schemeClr>
+          </a:lnRef>
+          <a:fillRef idx="1">
+            <a:schemeClr val="accent1"/>
+          </a:fillRef>
+          <a:effectRef idx="0">
+            <a:schemeClr val="accent1"/>
+          </a:effectRef>
+          <a:fontRef idx="minor">
+            <a:schemeClr val="lt1"/>
+          </a:fontRef>
+        </p:style>
+        <p:txBody>
+          <a:bodyPr rtlCol="0" anchor="ctr"/>
+          <a:lstStyle/>
+          <a:p>
+            <a:pPr algn="ctr"/>
+            <a:endParaRPr lang="es-ES"/>
+          </a:p>
+        </p:txBody>
+      </p:sp>
+      <p:sp>
+        <p:nvSpPr>
+          <p:cNvPr id="18" name="Flecha: hacia arriba 17">
+            <a:extLst>
+              <a:ext uri="{FF2B5EF4-FFF2-40B4-BE49-F238E27FC236}">
+                <a16:creationId xmlns:a16="http://schemas.microsoft.com/office/drawing/2014/main" id="{BB65E073-0C5F-4EC6-814A-4A1E36C13C05}"/>
+              </a:ext>
+            </a:extLst>
+          </p:cNvPr>
+          <p:cNvSpPr/>
+          <p:nvPr/>
+        </p:nvSpPr>
+        <p:spPr>
+          <a:xfrm rot="5400000" flipV="1">
+            <a:off x="5450652" y="1441039"/>
+            <a:ext cx="518160" cy="3485255"/>
+          </a:xfrm>
+          <a:prstGeom prst="upArrow">
+            <a:avLst/>
+          </a:prstGeom>
+          <a:solidFill>
+            <a:schemeClr val="tx1"/>
+          </a:solidFill>
+          <a:ln>
+            <a:solidFill>
+              <a:srgbClr val="002060"/>
+            </a:solidFill>
+          </a:ln>
+        </p:spPr>
+        <p:style>
+          <a:lnRef idx="2">
+            <a:schemeClr val="accent1">
+              <a:shade val="50000"/>
+            </a:schemeClr>
+          </a:lnRef>
+          <a:fillRef idx="1">
+            <a:schemeClr val="accent1"/>
+          </a:fillRef>
+          <a:effectRef idx="0">
+            <a:schemeClr val="accent1"/>
+          </a:effectRef>
+          <a:fontRef idx="minor">
+            <a:schemeClr val="lt1"/>
+          </a:fontRef>
+        </p:style>
+        <p:txBody>
+          <a:bodyPr rtlCol="0" anchor="ctr"/>
+          <a:lstStyle/>
+          <a:p>
+            <a:pPr algn="ctr"/>
+            <a:endParaRPr lang="es-ES"/>
+          </a:p>
+        </p:txBody>
+      </p:sp>
+      <p:sp>
+        <p:nvSpPr>
+          <p:cNvPr id="19" name="Flecha: hacia arriba 18">
+            <a:extLst>
+              <a:ext uri="{FF2B5EF4-FFF2-40B4-BE49-F238E27FC236}">
+                <a16:creationId xmlns:a16="http://schemas.microsoft.com/office/drawing/2014/main" id="{50004F72-B254-4013-9BFC-495127E17F58}"/>
+              </a:ext>
+            </a:extLst>
+          </p:cNvPr>
+          <p:cNvSpPr/>
+          <p:nvPr/>
+        </p:nvSpPr>
+        <p:spPr>
+          <a:xfrm rot="16200000" flipH="1" flipV="1">
+            <a:off x="5444458" y="2075072"/>
+            <a:ext cx="518160" cy="3485255"/>
+          </a:xfrm>
+          <a:prstGeom prst="upArrow">
+            <a:avLst/>
+          </a:prstGeom>
+          <a:solidFill>
+            <a:schemeClr val="tx1"/>
+          </a:solidFill>
+          <a:ln>
+            <a:solidFill>
+              <a:srgbClr val="002060"/>
+            </a:solidFill>
+          </a:ln>
+        </p:spPr>
+        <p:style>
+          <a:lnRef idx="2">
+            <a:schemeClr val="accent1">
+              <a:shade val="50000"/>
+            </a:schemeClr>
+          </a:lnRef>
+          <a:fillRef idx="1">
+            <a:schemeClr val="accent1"/>
+          </a:fillRef>
+          <a:effectRef idx="0">
+            <a:schemeClr val="accent1"/>
+          </a:effectRef>
+          <a:fontRef idx="minor">
+            <a:schemeClr val="lt1"/>
+          </a:fontRef>
+        </p:style>
+        <p:txBody>
+          <a:bodyPr rtlCol="0" anchor="ctr"/>
+          <a:lstStyle/>
+          <a:p>
+            <a:pPr algn="ctr"/>
+            <a:endParaRPr lang="es-ES"/>
+          </a:p>
+        </p:txBody>
+      </p:sp>
+    </p:spTree>
+    <p:extLst>
+      <p:ext uri="{BB962C8B-B14F-4D97-AF65-F5344CB8AC3E}">
+        <p14:creationId xmlns:p14="http://schemas.microsoft.com/office/powerpoint/2010/main" val="3490375719"/>
       </p:ext>
     </p:extLst>
   </p:cSld>

--- a/presentacion.pptx
+++ b/presentacion.pptx
@@ -840,7 +840,7 @@
           <a:p>
             <a:fld id="{4E2D384F-5606-4936-B1F5-2B9768DC05C0}" type="datetimeFigureOut">
               <a:rPr lang="es-ES" smtClean="0"/>
-              <a:t>12/05/2021</a:t>
+              <a:t>13/05/2021</a:t>
             </a:fld>
             <a:endParaRPr lang="es-ES"/>
           </a:p>
@@ -1091,7 +1091,7 @@
           <a:p>
             <a:fld id="{4E2D384F-5606-4936-B1F5-2B9768DC05C0}" type="datetimeFigureOut">
               <a:rPr lang="es-ES" smtClean="0"/>
-              <a:t>12/05/2021</a:t>
+              <a:t>13/05/2021</a:t>
             </a:fld>
             <a:endParaRPr lang="es-ES"/>
           </a:p>
@@ -1405,7 +1405,7 @@
           <a:p>
             <a:fld id="{4E2D384F-5606-4936-B1F5-2B9768DC05C0}" type="datetimeFigureOut">
               <a:rPr lang="es-ES" smtClean="0"/>
-              <a:t>12/05/2021</a:t>
+              <a:t>13/05/2021</a:t>
             </a:fld>
             <a:endParaRPr lang="es-ES"/>
           </a:p>
@@ -1746,7 +1746,7 @@
           <a:p>
             <a:fld id="{4E2D384F-5606-4936-B1F5-2B9768DC05C0}" type="datetimeFigureOut">
               <a:rPr lang="es-ES" smtClean="0"/>
-              <a:t>12/05/2021</a:t>
+              <a:t>13/05/2021</a:t>
             </a:fld>
             <a:endParaRPr lang="es-ES"/>
           </a:p>
@@ -2060,7 +2060,7 @@
           <a:p>
             <a:fld id="{4E2D384F-5606-4936-B1F5-2B9768DC05C0}" type="datetimeFigureOut">
               <a:rPr lang="es-ES" smtClean="0"/>
-              <a:t>12/05/2021</a:t>
+              <a:t>13/05/2021</a:t>
             </a:fld>
             <a:endParaRPr lang="es-ES"/>
           </a:p>
@@ -2453,7 +2453,7 @@
           <a:p>
             <a:fld id="{4E2D384F-5606-4936-B1F5-2B9768DC05C0}" type="datetimeFigureOut">
               <a:rPr lang="es-ES" smtClean="0"/>
-              <a:t>12/05/2021</a:t>
+              <a:t>13/05/2021</a:t>
             </a:fld>
             <a:endParaRPr lang="es-ES"/>
           </a:p>
@@ -2623,7 +2623,7 @@
           <a:p>
             <a:fld id="{4E2D384F-5606-4936-B1F5-2B9768DC05C0}" type="datetimeFigureOut">
               <a:rPr lang="es-ES" smtClean="0"/>
-              <a:t>12/05/2021</a:t>
+              <a:t>13/05/2021</a:t>
             </a:fld>
             <a:endParaRPr lang="es-ES"/>
           </a:p>
@@ -2803,7 +2803,7 @@
           <a:p>
             <a:fld id="{4E2D384F-5606-4936-B1F5-2B9768DC05C0}" type="datetimeFigureOut">
               <a:rPr lang="es-ES" smtClean="0"/>
-              <a:t>12/05/2021</a:t>
+              <a:t>13/05/2021</a:t>
             </a:fld>
             <a:endParaRPr lang="es-ES"/>
           </a:p>
@@ -2979,7 +2979,7 @@
           <a:p>
             <a:fld id="{4E2D384F-5606-4936-B1F5-2B9768DC05C0}" type="datetimeFigureOut">
               <a:rPr lang="es-ES" smtClean="0"/>
-              <a:t>12/05/2021</a:t>
+              <a:t>13/05/2021</a:t>
             </a:fld>
             <a:endParaRPr lang="es-ES"/>
           </a:p>
@@ -3226,7 +3226,7 @@
           <a:p>
             <a:fld id="{4E2D384F-5606-4936-B1F5-2B9768DC05C0}" type="datetimeFigureOut">
               <a:rPr lang="es-ES" smtClean="0"/>
-              <a:t>12/05/2021</a:t>
+              <a:t>13/05/2021</a:t>
             </a:fld>
             <a:endParaRPr lang="es-ES"/>
           </a:p>
@@ -3458,7 +3458,7 @@
           <a:p>
             <a:fld id="{4E2D384F-5606-4936-B1F5-2B9768DC05C0}" type="datetimeFigureOut">
               <a:rPr lang="es-ES" smtClean="0"/>
-              <a:t>12/05/2021</a:t>
+              <a:t>13/05/2021</a:t>
             </a:fld>
             <a:endParaRPr lang="es-ES"/>
           </a:p>
@@ -3832,7 +3832,7 @@
           <a:p>
             <a:fld id="{4E2D384F-5606-4936-B1F5-2B9768DC05C0}" type="datetimeFigureOut">
               <a:rPr lang="es-ES" smtClean="0"/>
-              <a:t>12/05/2021</a:t>
+              <a:t>13/05/2021</a:t>
             </a:fld>
             <a:endParaRPr lang="es-ES"/>
           </a:p>
@@ -3955,7 +3955,7 @@
           <a:p>
             <a:fld id="{4E2D384F-5606-4936-B1F5-2B9768DC05C0}" type="datetimeFigureOut">
               <a:rPr lang="es-ES" smtClean="0"/>
-              <a:t>12/05/2021</a:t>
+              <a:t>13/05/2021</a:t>
             </a:fld>
             <a:endParaRPr lang="es-ES"/>
           </a:p>
@@ -4050,7 +4050,7 @@
           <a:p>
             <a:fld id="{4E2D384F-5606-4936-B1F5-2B9768DC05C0}" type="datetimeFigureOut">
               <a:rPr lang="es-ES" smtClean="0"/>
-              <a:t>12/05/2021</a:t>
+              <a:t>13/05/2021</a:t>
             </a:fld>
             <a:endParaRPr lang="es-ES"/>
           </a:p>
@@ -4305,7 +4305,7 @@
           <a:p>
             <a:fld id="{4E2D384F-5606-4936-B1F5-2B9768DC05C0}" type="datetimeFigureOut">
               <a:rPr lang="es-ES" smtClean="0"/>
-              <a:t>12/05/2021</a:t>
+              <a:t>13/05/2021</a:t>
             </a:fld>
             <a:endParaRPr lang="es-ES"/>
           </a:p>
@@ -4568,7 +4568,7 @@
           <a:p>
             <a:fld id="{4E2D384F-5606-4936-B1F5-2B9768DC05C0}" type="datetimeFigureOut">
               <a:rPr lang="es-ES" smtClean="0"/>
-              <a:t>12/05/2021</a:t>
+              <a:t>13/05/2021</a:t>
             </a:fld>
             <a:endParaRPr lang="es-ES"/>
           </a:p>
@@ -5311,7 +5311,7 @@
           <a:p>
             <a:fld id="{4E2D384F-5606-4936-B1F5-2B9768DC05C0}" type="datetimeFigureOut">
               <a:rPr lang="es-ES" smtClean="0"/>
-              <a:t>12/05/2021</a:t>
+              <a:t>13/05/2021</a:t>
             </a:fld>
             <a:endParaRPr lang="es-ES"/>
           </a:p>
@@ -5840,7 +5840,7 @@
           <p:cNvPr id="1026" name="Imagen 9">
             <a:extLst>
               <a:ext uri="{FF2B5EF4-FFF2-40B4-BE49-F238E27FC236}">
-                <a16:creationId xmlns:a16="http://schemas.microsoft.com/office/drawing/2014/main" id="{2159000D-FAC4-4B2B-B21C-0340334C771D}"/>
+                <a16:creationId xmlns:a16="http://schemas.microsoft.com/office/drawing/2014/main" xmlns="" id="{2159000D-FAC4-4B2B-B21C-0340334C771D}"/>
               </a:ext>
             </a:extLst>
           </p:cNvPr>
@@ -5887,7 +5887,7 @@
           <p:cNvPr id="1025" name="Imagen 8">
             <a:extLst>
               <a:ext uri="{FF2B5EF4-FFF2-40B4-BE49-F238E27FC236}">
-                <a16:creationId xmlns:a16="http://schemas.microsoft.com/office/drawing/2014/main" id="{31C8644B-46FA-492C-97C1-6C680C0DB708}"/>
+                <a16:creationId xmlns:a16="http://schemas.microsoft.com/office/drawing/2014/main" xmlns="" id="{31C8644B-46FA-492C-97C1-6C680C0DB708}"/>
               </a:ext>
             </a:extLst>
           </p:cNvPr>
@@ -5897,7 +5897,7 @@
           <p:nvPr/>
         </p:nvPicPr>
         <p:blipFill>
-          <a:blip r:embed="rId3">
+          <a:blip r:embed="rId3" cstate="print">
             <a:extLst>
               <a:ext uri="{28A0092B-C50C-407E-A947-70E740481C1C}">
                 <a14:useLocalDpi xmlns:a14="http://schemas.microsoft.com/office/drawing/2010/main" val="0"/>
@@ -5934,7 +5934,7 @@
           <p:cNvPr id="5" name="Rectangle 3">
             <a:extLst>
               <a:ext uri="{FF2B5EF4-FFF2-40B4-BE49-F238E27FC236}">
-                <a16:creationId xmlns:a16="http://schemas.microsoft.com/office/drawing/2014/main" id="{A8119AAD-E8C0-4A0F-A308-92E1AC6793C0}"/>
+                <a16:creationId xmlns:a16="http://schemas.microsoft.com/office/drawing/2014/main" xmlns="" id="{A8119AAD-E8C0-4A0F-A308-92E1AC6793C0}"/>
               </a:ext>
             </a:extLst>
           </p:cNvPr>
@@ -6003,7 +6003,7 @@
           <p:cNvPr id="6" name="Rectangle 4">
             <a:extLst>
               <a:ext uri="{FF2B5EF4-FFF2-40B4-BE49-F238E27FC236}">
-                <a16:creationId xmlns:a16="http://schemas.microsoft.com/office/drawing/2014/main" id="{FDE39B04-E7A0-488E-8C5F-CA2D534BB2D5}"/>
+                <a16:creationId xmlns:a16="http://schemas.microsoft.com/office/drawing/2014/main" xmlns="" id="{FDE39B04-E7A0-488E-8C5F-CA2D534BB2D5}"/>
               </a:ext>
             </a:extLst>
           </p:cNvPr>
@@ -6072,7 +6072,7 @@
           <p:cNvPr id="7" name="CuadroTexto 6">
             <a:extLst>
               <a:ext uri="{FF2B5EF4-FFF2-40B4-BE49-F238E27FC236}">
-                <a16:creationId xmlns:a16="http://schemas.microsoft.com/office/drawing/2014/main" id="{22DABF5E-BB87-41D2-ACD8-3030C1D0FFBD}"/>
+                <a16:creationId xmlns:a16="http://schemas.microsoft.com/office/drawing/2014/main" xmlns="" id="{22DABF5E-BB87-41D2-ACD8-3030C1D0FFBD}"/>
               </a:ext>
             </a:extLst>
           </p:cNvPr>
@@ -6126,7 +6126,7 @@
           <p:cNvPr id="10" name="Imagen 9" descr="Generador de Códigos QR Codes">
             <a:extLst>
               <a:ext uri="{FF2B5EF4-FFF2-40B4-BE49-F238E27FC236}">
-                <a16:creationId xmlns:a16="http://schemas.microsoft.com/office/drawing/2014/main" id="{B861A301-6993-4B1D-9A98-765B0C0C5BED}"/>
+                <a16:creationId xmlns:a16="http://schemas.microsoft.com/office/drawing/2014/main" xmlns="" id="{B861A301-6993-4B1D-9A98-765B0C0C5BED}"/>
               </a:ext>
             </a:extLst>
           </p:cNvPr>
@@ -6211,7 +6211,7 @@
           <p:cNvPr id="3" name="Rectángulo 2">
             <a:extLst>
               <a:ext uri="{FF2B5EF4-FFF2-40B4-BE49-F238E27FC236}">
-                <a16:creationId xmlns:a16="http://schemas.microsoft.com/office/drawing/2014/main" id="{6E0D290E-7260-41A4-9A28-1630ACB49F55}"/>
+                <a16:creationId xmlns:a16="http://schemas.microsoft.com/office/drawing/2014/main" xmlns="" id="{6E0D290E-7260-41A4-9A28-1630ACB49F55}"/>
               </a:ext>
             </a:extLst>
           </p:cNvPr>
@@ -6261,7 +6261,7 @@
           <p:cNvPr id="13" name="Imagen 8">
             <a:extLst>
               <a:ext uri="{FF2B5EF4-FFF2-40B4-BE49-F238E27FC236}">
-                <a16:creationId xmlns:a16="http://schemas.microsoft.com/office/drawing/2014/main" id="{E473CC3A-4561-4316-88C3-F003D2D6D8E6}"/>
+                <a16:creationId xmlns:a16="http://schemas.microsoft.com/office/drawing/2014/main" xmlns="" id="{E473CC3A-4561-4316-88C3-F003D2D6D8E6}"/>
               </a:ext>
             </a:extLst>
           </p:cNvPr>
@@ -6271,7 +6271,7 @@
           <p:nvPr/>
         </p:nvPicPr>
         <p:blipFill>
-          <a:blip r:embed="rId2">
+          <a:blip r:embed="rId2" cstate="print">
             <a:extLst>
               <a:ext uri="{28A0092B-C50C-407E-A947-70E740481C1C}">
                 <a14:useLocalDpi xmlns:a14="http://schemas.microsoft.com/office/drawing/2010/main" val="0"/>
@@ -6308,7 +6308,7 @@
           <p:cNvPr id="14" name="Imagen 13" descr="Generador de Códigos QR Codes">
             <a:extLst>
               <a:ext uri="{FF2B5EF4-FFF2-40B4-BE49-F238E27FC236}">
-                <a16:creationId xmlns:a16="http://schemas.microsoft.com/office/drawing/2014/main" id="{B0E450BC-3007-4267-99C8-2D1B5D394416}"/>
+                <a16:creationId xmlns:a16="http://schemas.microsoft.com/office/drawing/2014/main" xmlns="" id="{B0E450BC-3007-4267-99C8-2D1B5D394416}"/>
               </a:ext>
             </a:extLst>
           </p:cNvPr>
@@ -6355,7 +6355,7 @@
           <p:cNvPr id="2" name="Rectángulo 1">
             <a:extLst>
               <a:ext uri="{FF2B5EF4-FFF2-40B4-BE49-F238E27FC236}">
-                <a16:creationId xmlns:a16="http://schemas.microsoft.com/office/drawing/2014/main" id="{9B74A5B7-AC70-4E16-A467-8B5484A7C7C5}"/>
+                <a16:creationId xmlns:a16="http://schemas.microsoft.com/office/drawing/2014/main" xmlns="" id="{9B74A5B7-AC70-4E16-A467-8B5484A7C7C5}"/>
               </a:ext>
             </a:extLst>
           </p:cNvPr>
@@ -6405,7 +6405,7 @@
           <p:cNvPr id="7" name="Rectángulo 6">
             <a:extLst>
               <a:ext uri="{FF2B5EF4-FFF2-40B4-BE49-F238E27FC236}">
-                <a16:creationId xmlns:a16="http://schemas.microsoft.com/office/drawing/2014/main" id="{99526CD5-70F5-4AB1-9DC1-92BC18CE70CE}"/>
+                <a16:creationId xmlns:a16="http://schemas.microsoft.com/office/drawing/2014/main" xmlns="" id="{99526CD5-70F5-4AB1-9DC1-92BC18CE70CE}"/>
               </a:ext>
             </a:extLst>
           </p:cNvPr>
@@ -6455,7 +6455,7 @@
           <p:cNvPr id="8" name="Rectángulo 7">
             <a:extLst>
               <a:ext uri="{FF2B5EF4-FFF2-40B4-BE49-F238E27FC236}">
-                <a16:creationId xmlns:a16="http://schemas.microsoft.com/office/drawing/2014/main" id="{2CDA58AD-4A5F-43CA-9083-7F036AC34C57}"/>
+                <a16:creationId xmlns:a16="http://schemas.microsoft.com/office/drawing/2014/main" xmlns="" id="{2CDA58AD-4A5F-43CA-9083-7F036AC34C57}"/>
               </a:ext>
             </a:extLst>
           </p:cNvPr>
@@ -6511,7 +6511,7 @@
           <p:cNvPr id="9" name="Rectángulo 8">
             <a:extLst>
               <a:ext uri="{FF2B5EF4-FFF2-40B4-BE49-F238E27FC236}">
-                <a16:creationId xmlns:a16="http://schemas.microsoft.com/office/drawing/2014/main" id="{A71DF4EE-3A2F-4C7F-B3AF-F59EDCD06D7F}"/>
+                <a16:creationId xmlns:a16="http://schemas.microsoft.com/office/drawing/2014/main" xmlns="" id="{A71DF4EE-3A2F-4C7F-B3AF-F59EDCD06D7F}"/>
               </a:ext>
             </a:extLst>
           </p:cNvPr>
@@ -6567,7 +6567,7 @@
           <p:cNvPr id="10" name="Rectángulo 9">
             <a:extLst>
               <a:ext uri="{FF2B5EF4-FFF2-40B4-BE49-F238E27FC236}">
-                <a16:creationId xmlns:a16="http://schemas.microsoft.com/office/drawing/2014/main" id="{10506C1D-A8B8-4E19-88F1-DDAE2AA1BF40}"/>
+                <a16:creationId xmlns:a16="http://schemas.microsoft.com/office/drawing/2014/main" xmlns="" id="{10506C1D-A8B8-4E19-88F1-DDAE2AA1BF40}"/>
               </a:ext>
             </a:extLst>
           </p:cNvPr>
@@ -6617,7 +6617,7 @@
           <p:cNvPr id="15" name="Rectángulo 14">
             <a:extLst>
               <a:ext uri="{FF2B5EF4-FFF2-40B4-BE49-F238E27FC236}">
-                <a16:creationId xmlns:a16="http://schemas.microsoft.com/office/drawing/2014/main" id="{44BF521C-2AD2-4C87-8C6B-1228BFA35539}"/>
+                <a16:creationId xmlns:a16="http://schemas.microsoft.com/office/drawing/2014/main" xmlns="" id="{44BF521C-2AD2-4C87-8C6B-1228BFA35539}"/>
               </a:ext>
             </a:extLst>
           </p:cNvPr>
@@ -6667,7 +6667,7 @@
           <p:cNvPr id="16" name="Rectángulo 15">
             <a:extLst>
               <a:ext uri="{FF2B5EF4-FFF2-40B4-BE49-F238E27FC236}">
-                <a16:creationId xmlns:a16="http://schemas.microsoft.com/office/drawing/2014/main" id="{7F5E9459-F0D8-4270-B5A6-572198EE6169}"/>
+                <a16:creationId xmlns:a16="http://schemas.microsoft.com/office/drawing/2014/main" xmlns="" id="{7F5E9459-F0D8-4270-B5A6-572198EE6169}"/>
               </a:ext>
             </a:extLst>
           </p:cNvPr>
@@ -6747,7 +6747,7 @@
           <p:cNvPr id="3" name="Rectángulo 2">
             <a:extLst>
               <a:ext uri="{FF2B5EF4-FFF2-40B4-BE49-F238E27FC236}">
-                <a16:creationId xmlns:a16="http://schemas.microsoft.com/office/drawing/2014/main" id="{6E0D290E-7260-41A4-9A28-1630ACB49F55}"/>
+                <a16:creationId xmlns:a16="http://schemas.microsoft.com/office/drawing/2014/main" xmlns="" id="{6E0D290E-7260-41A4-9A28-1630ACB49F55}"/>
               </a:ext>
             </a:extLst>
           </p:cNvPr>
@@ -6797,7 +6797,7 @@
           <p:cNvPr id="5" name="Imagen 8">
             <a:extLst>
               <a:ext uri="{FF2B5EF4-FFF2-40B4-BE49-F238E27FC236}">
-                <a16:creationId xmlns:a16="http://schemas.microsoft.com/office/drawing/2014/main" id="{F2F17250-85C2-4EFB-980B-282F518900B2}"/>
+                <a16:creationId xmlns:a16="http://schemas.microsoft.com/office/drawing/2014/main" xmlns="" id="{F2F17250-85C2-4EFB-980B-282F518900B2}"/>
               </a:ext>
             </a:extLst>
           </p:cNvPr>
@@ -6807,7 +6807,7 @@
           <p:nvPr/>
         </p:nvPicPr>
         <p:blipFill>
-          <a:blip r:embed="rId2">
+          <a:blip r:embed="rId2" cstate="print">
             <a:extLst>
               <a:ext uri="{28A0092B-C50C-407E-A947-70E740481C1C}">
                 <a14:useLocalDpi xmlns:a14="http://schemas.microsoft.com/office/drawing/2010/main" val="0"/>
@@ -6844,7 +6844,7 @@
           <p:cNvPr id="7" name="Imagen 6" descr="Generador de Códigos QR Codes">
             <a:extLst>
               <a:ext uri="{FF2B5EF4-FFF2-40B4-BE49-F238E27FC236}">
-                <a16:creationId xmlns:a16="http://schemas.microsoft.com/office/drawing/2014/main" id="{63B24BC8-07BF-4430-A7BD-C7ABA406BD50}"/>
+                <a16:creationId xmlns:a16="http://schemas.microsoft.com/office/drawing/2014/main" xmlns="" id="{63B24BC8-07BF-4430-A7BD-C7ABA406BD50}"/>
               </a:ext>
             </a:extLst>
           </p:cNvPr>
@@ -6891,7 +6891,7 @@
           <p:cNvPr id="4" name="Imagen 3">
             <a:extLst>
               <a:ext uri="{FF2B5EF4-FFF2-40B4-BE49-F238E27FC236}">
-                <a16:creationId xmlns:a16="http://schemas.microsoft.com/office/drawing/2014/main" id="{0D7AAB58-13EE-4EBB-A98D-1A2BCDF5EE13}"/>
+                <a16:creationId xmlns:a16="http://schemas.microsoft.com/office/drawing/2014/main" xmlns="" id="{0D7AAB58-13EE-4EBB-A98D-1A2BCDF5EE13}"/>
               </a:ext>
             </a:extLst>
           </p:cNvPr>
@@ -6951,7 +6951,7 @@
           <p:cNvPr id="3" name="Rectángulo 2">
             <a:extLst>
               <a:ext uri="{FF2B5EF4-FFF2-40B4-BE49-F238E27FC236}">
-                <a16:creationId xmlns:a16="http://schemas.microsoft.com/office/drawing/2014/main" id="{6E0D290E-7260-41A4-9A28-1630ACB49F55}"/>
+                <a16:creationId xmlns:a16="http://schemas.microsoft.com/office/drawing/2014/main" xmlns="" id="{6E0D290E-7260-41A4-9A28-1630ACB49F55}"/>
               </a:ext>
             </a:extLst>
           </p:cNvPr>
@@ -7001,7 +7001,7 @@
           <p:cNvPr id="5" name="Imagen 8">
             <a:extLst>
               <a:ext uri="{FF2B5EF4-FFF2-40B4-BE49-F238E27FC236}">
-                <a16:creationId xmlns:a16="http://schemas.microsoft.com/office/drawing/2014/main" id="{C65F3711-BB63-4B2A-9796-BBF21FEDAE46}"/>
+                <a16:creationId xmlns:a16="http://schemas.microsoft.com/office/drawing/2014/main" xmlns="" id="{C65F3711-BB63-4B2A-9796-BBF21FEDAE46}"/>
               </a:ext>
             </a:extLst>
           </p:cNvPr>
@@ -7011,7 +7011,7 @@
           <p:nvPr/>
         </p:nvPicPr>
         <p:blipFill>
-          <a:blip r:embed="rId2">
+          <a:blip r:embed="rId2" cstate="print">
             <a:extLst>
               <a:ext uri="{28A0092B-C50C-407E-A947-70E740481C1C}">
                 <a14:useLocalDpi xmlns:a14="http://schemas.microsoft.com/office/drawing/2010/main" val="0"/>
@@ -7048,7 +7048,7 @@
           <p:cNvPr id="6" name="Imagen 5" descr="Generador de Códigos QR Codes">
             <a:extLst>
               <a:ext uri="{FF2B5EF4-FFF2-40B4-BE49-F238E27FC236}">
-                <a16:creationId xmlns:a16="http://schemas.microsoft.com/office/drawing/2014/main" id="{373FE207-4E53-41D9-82DE-C78A6E58AFFC}"/>
+                <a16:creationId xmlns:a16="http://schemas.microsoft.com/office/drawing/2014/main" xmlns="" id="{373FE207-4E53-41D9-82DE-C78A6E58AFFC}"/>
               </a:ext>
             </a:extLst>
           </p:cNvPr>
@@ -7087,7 +7087,7 @@
           <p:cNvPr id="7" name="CuadroTexto 6">
             <a:extLst>
               <a:ext uri="{FF2B5EF4-FFF2-40B4-BE49-F238E27FC236}">
-                <a16:creationId xmlns:a16="http://schemas.microsoft.com/office/drawing/2014/main" id="{ED935AC2-31A0-477F-AF0A-BF1CDA98A0E9}"/>
+                <a16:creationId xmlns:a16="http://schemas.microsoft.com/office/drawing/2014/main" xmlns="" id="{ED935AC2-31A0-477F-AF0A-BF1CDA98A0E9}"/>
               </a:ext>
             </a:extLst>
           </p:cNvPr>
@@ -7212,7 +7212,7 @@
           <p:cNvPr id="5" name="Imagen 8">
             <a:extLst>
               <a:ext uri="{FF2B5EF4-FFF2-40B4-BE49-F238E27FC236}">
-                <a16:creationId xmlns:a16="http://schemas.microsoft.com/office/drawing/2014/main" id="{F2F17250-85C2-4EFB-980B-282F518900B2}"/>
+                <a16:creationId xmlns:a16="http://schemas.microsoft.com/office/drawing/2014/main" xmlns="" id="{F2F17250-85C2-4EFB-980B-282F518900B2}"/>
               </a:ext>
             </a:extLst>
           </p:cNvPr>
@@ -7222,7 +7222,7 @@
           <p:nvPr/>
         </p:nvPicPr>
         <p:blipFill>
-          <a:blip r:embed="rId2">
+          <a:blip r:embed="rId2" cstate="print">
             <a:extLst>
               <a:ext uri="{28A0092B-C50C-407E-A947-70E740481C1C}">
                 <a14:useLocalDpi xmlns:a14="http://schemas.microsoft.com/office/drawing/2010/main" val="0"/>
@@ -7259,7 +7259,7 @@
           <p:cNvPr id="2" name="CuadroTexto 1">
             <a:extLst>
               <a:ext uri="{FF2B5EF4-FFF2-40B4-BE49-F238E27FC236}">
-                <a16:creationId xmlns:a16="http://schemas.microsoft.com/office/drawing/2014/main" id="{152F9016-3694-47AE-BA78-29496BBB7202}"/>
+                <a16:creationId xmlns:a16="http://schemas.microsoft.com/office/drawing/2014/main" xmlns="" id="{152F9016-3694-47AE-BA78-29496BBB7202}"/>
               </a:ext>
             </a:extLst>
           </p:cNvPr>
@@ -7283,16 +7283,16 @@
           <a:lstStyle/>
           <a:p>
             <a:r>
+              <a:rPr lang="es-ES"/>
+              <a:t>Cosas </a:t>
+            </a:r>
+            <a:r>
+              <a:rPr lang="es-ES" smtClean="0"/>
+              <a:t>llevadas </a:t>
+            </a:r>
+            <a:r>
               <a:rPr lang="es-ES" dirty="0"/>
-              <a:t>Cosas </a:t>
-            </a:r>
-            <a:r>
-              <a:rPr lang="es-ES" dirty="0" err="1"/>
-              <a:t>llevasdas</a:t>
-            </a:r>
-            <a:r>
-              <a:rPr lang="es-ES" dirty="0"/>
-              <a:t> a cabo</a:t>
+              <a:t>a cabo</a:t>
             </a:r>
           </a:p>
         </p:txBody>
@@ -7302,7 +7302,7 @@
           <p:cNvPr id="7" name="CuadroTexto 6">
             <a:extLst>
               <a:ext uri="{FF2B5EF4-FFF2-40B4-BE49-F238E27FC236}">
-                <a16:creationId xmlns:a16="http://schemas.microsoft.com/office/drawing/2014/main" id="{75FF8735-CE65-4F3F-8F8F-DB1CD9917281}"/>
+                <a16:creationId xmlns:a16="http://schemas.microsoft.com/office/drawing/2014/main" xmlns="" id="{75FF8735-CE65-4F3F-8F8F-DB1CD9917281}"/>
               </a:ext>
             </a:extLst>
           </p:cNvPr>
@@ -7337,7 +7337,7 @@
           <p:cNvPr id="8" name="Imagen 7">
             <a:extLst>
               <a:ext uri="{FF2B5EF4-FFF2-40B4-BE49-F238E27FC236}">
-                <a16:creationId xmlns:a16="http://schemas.microsoft.com/office/drawing/2014/main" id="{1D2A861E-3857-4915-A5A4-745D066E9506}"/>
+                <a16:creationId xmlns:a16="http://schemas.microsoft.com/office/drawing/2014/main" xmlns="" id="{1D2A861E-3857-4915-A5A4-745D066E9506}"/>
               </a:ext>
             </a:extLst>
           </p:cNvPr>
@@ -7399,7 +7399,7 @@
           <p:cNvPr id="9" name="Imagen 8" descr="Generador de Códigos QR Codes">
             <a:extLst>
               <a:ext uri="{FF2B5EF4-FFF2-40B4-BE49-F238E27FC236}">
-                <a16:creationId xmlns:a16="http://schemas.microsoft.com/office/drawing/2014/main" id="{F613FBC2-1952-4ECA-8638-29AF57DB9182}"/>
+                <a16:creationId xmlns:a16="http://schemas.microsoft.com/office/drawing/2014/main" xmlns="" id="{F613FBC2-1952-4ECA-8638-29AF57DB9182}"/>
               </a:ext>
             </a:extLst>
           </p:cNvPr>
@@ -7446,7 +7446,7 @@
           <p:cNvPr id="10" name="Rectángulo 9">
             <a:extLst>
               <a:ext uri="{FF2B5EF4-FFF2-40B4-BE49-F238E27FC236}">
-                <a16:creationId xmlns:a16="http://schemas.microsoft.com/office/drawing/2014/main" id="{5C0BB9A6-3B31-41B2-AAD2-79630B71785A}"/>
+                <a16:creationId xmlns:a16="http://schemas.microsoft.com/office/drawing/2014/main" xmlns="" id="{5C0BB9A6-3B31-41B2-AAD2-79630B71785A}"/>
               </a:ext>
             </a:extLst>
           </p:cNvPr>
@@ -7526,7 +7526,7 @@
           <p:cNvPr id="3" name="Rectángulo 2">
             <a:extLst>
               <a:ext uri="{FF2B5EF4-FFF2-40B4-BE49-F238E27FC236}">
-                <a16:creationId xmlns:a16="http://schemas.microsoft.com/office/drawing/2014/main" id="{6E0D290E-7260-41A4-9A28-1630ACB49F55}"/>
+                <a16:creationId xmlns:a16="http://schemas.microsoft.com/office/drawing/2014/main" xmlns="" id="{6E0D290E-7260-41A4-9A28-1630ACB49F55}"/>
               </a:ext>
             </a:extLst>
           </p:cNvPr>
@@ -7593,7 +7593,7 @@
           <p:cNvPr id="5" name="Imagen 8">
             <a:extLst>
               <a:ext uri="{FF2B5EF4-FFF2-40B4-BE49-F238E27FC236}">
-                <a16:creationId xmlns:a16="http://schemas.microsoft.com/office/drawing/2014/main" id="{C65F3711-BB63-4B2A-9796-BBF21FEDAE46}"/>
+                <a16:creationId xmlns:a16="http://schemas.microsoft.com/office/drawing/2014/main" xmlns="" id="{C65F3711-BB63-4B2A-9796-BBF21FEDAE46}"/>
               </a:ext>
             </a:extLst>
           </p:cNvPr>
@@ -7603,7 +7603,7 @@
           <p:nvPr/>
         </p:nvPicPr>
         <p:blipFill>
-          <a:blip r:embed="rId2">
+          <a:blip r:embed="rId2" cstate="print">
             <a:extLst>
               <a:ext uri="{28A0092B-C50C-407E-A947-70E740481C1C}">
                 <a14:useLocalDpi xmlns:a14="http://schemas.microsoft.com/office/drawing/2010/main" val="0"/>
@@ -7640,7 +7640,7 @@
           <p:cNvPr id="8" name="Imagen 7" descr="Generador de Códigos QR Codes">
             <a:extLst>
               <a:ext uri="{FF2B5EF4-FFF2-40B4-BE49-F238E27FC236}">
-                <a16:creationId xmlns:a16="http://schemas.microsoft.com/office/drawing/2014/main" id="{C3C7761D-AA6A-4851-947A-1E23AF5F31A9}"/>
+                <a16:creationId xmlns:a16="http://schemas.microsoft.com/office/drawing/2014/main" xmlns="" id="{C3C7761D-AA6A-4851-947A-1E23AF5F31A9}"/>
               </a:ext>
             </a:extLst>
           </p:cNvPr>
@@ -7717,7 +7717,7 @@
           <p:cNvPr id="4" name="Rectángulo: esquinas redondeadas 3">
             <a:extLst>
               <a:ext uri="{FF2B5EF4-FFF2-40B4-BE49-F238E27FC236}">
-                <a16:creationId xmlns:a16="http://schemas.microsoft.com/office/drawing/2014/main" id="{A811C1A9-B9FC-44A1-8DB3-5AB34C307736}"/>
+                <a16:creationId xmlns:a16="http://schemas.microsoft.com/office/drawing/2014/main" xmlns="" id="{A811C1A9-B9FC-44A1-8DB3-5AB34C307736}"/>
               </a:ext>
             </a:extLst>
           </p:cNvPr>
@@ -7797,7 +7797,7 @@
           <p:cNvPr id="5" name="Rectángulo: esquinas redondeadas 4">
             <a:extLst>
               <a:ext uri="{FF2B5EF4-FFF2-40B4-BE49-F238E27FC236}">
-                <a16:creationId xmlns:a16="http://schemas.microsoft.com/office/drawing/2014/main" id="{FA3B742F-A0F5-4F5A-AD97-5DA85446F0D0}"/>
+                <a16:creationId xmlns:a16="http://schemas.microsoft.com/office/drawing/2014/main" xmlns="" id="{FA3B742F-A0F5-4F5A-AD97-5DA85446F0D0}"/>
               </a:ext>
             </a:extLst>
           </p:cNvPr>
@@ -7878,7 +7878,7 @@
           <p:cNvPr id="6" name="Rectángulo: esquinas redondeadas 5">
             <a:extLst>
               <a:ext uri="{FF2B5EF4-FFF2-40B4-BE49-F238E27FC236}">
-                <a16:creationId xmlns:a16="http://schemas.microsoft.com/office/drawing/2014/main" id="{3C9F6777-7E1F-4AA2-B0EF-B511E2C069B6}"/>
+                <a16:creationId xmlns:a16="http://schemas.microsoft.com/office/drawing/2014/main" xmlns="" id="{3C9F6777-7E1F-4AA2-B0EF-B511E2C069B6}"/>
               </a:ext>
             </a:extLst>
           </p:cNvPr>
@@ -7958,7 +7958,7 @@
           <p:cNvPr id="7" name="Rectángulo: esquinas redondeadas 6">
             <a:extLst>
               <a:ext uri="{FF2B5EF4-FFF2-40B4-BE49-F238E27FC236}">
-                <a16:creationId xmlns:a16="http://schemas.microsoft.com/office/drawing/2014/main" id="{EA31F3F4-0ED2-499A-BC32-C8D2CCB11D73}"/>
+                <a16:creationId xmlns:a16="http://schemas.microsoft.com/office/drawing/2014/main" xmlns="" id="{EA31F3F4-0ED2-499A-BC32-C8D2CCB11D73}"/>
               </a:ext>
             </a:extLst>
           </p:cNvPr>
@@ -8038,7 +8038,7 @@
           <p:cNvPr id="8" name="Flecha: hacia arriba 7">
             <a:extLst>
               <a:ext uri="{FF2B5EF4-FFF2-40B4-BE49-F238E27FC236}">
-                <a16:creationId xmlns:a16="http://schemas.microsoft.com/office/drawing/2014/main" id="{6D0F0E6E-CE4D-4081-9B6B-97C7911CC391}"/>
+                <a16:creationId xmlns:a16="http://schemas.microsoft.com/office/drawing/2014/main" xmlns="" id="{6D0F0E6E-CE4D-4081-9B6B-97C7911CC391}"/>
               </a:ext>
             </a:extLst>
           </p:cNvPr>
@@ -8115,7 +8115,7 @@
           <p:cNvPr id="9" name="Flecha: hacia arriba 8">
             <a:extLst>
               <a:ext uri="{FF2B5EF4-FFF2-40B4-BE49-F238E27FC236}">
-                <a16:creationId xmlns:a16="http://schemas.microsoft.com/office/drawing/2014/main" id="{78A70EBC-AF51-458D-B421-CA13F3826211}"/>
+                <a16:creationId xmlns:a16="http://schemas.microsoft.com/office/drawing/2014/main" xmlns="" id="{78A70EBC-AF51-458D-B421-CA13F3826211}"/>
               </a:ext>
             </a:extLst>
           </p:cNvPr>
@@ -8169,7 +8169,7 @@
           <p:cNvPr id="10" name="Flecha: hacia arriba 9">
             <a:extLst>
               <a:ext uri="{FF2B5EF4-FFF2-40B4-BE49-F238E27FC236}">
-                <a16:creationId xmlns:a16="http://schemas.microsoft.com/office/drawing/2014/main" id="{B54A255D-FAA2-4EEF-B8EB-CBF763569A08}"/>
+                <a16:creationId xmlns:a16="http://schemas.microsoft.com/office/drawing/2014/main" xmlns="" id="{B54A255D-FAA2-4EEF-B8EB-CBF763569A08}"/>
               </a:ext>
             </a:extLst>
           </p:cNvPr>
@@ -8223,7 +8223,7 @@
           <p:cNvPr id="11" name="Flecha: hacia arriba 10">
             <a:extLst>
               <a:ext uri="{FF2B5EF4-FFF2-40B4-BE49-F238E27FC236}">
-                <a16:creationId xmlns:a16="http://schemas.microsoft.com/office/drawing/2014/main" id="{F1DEDD57-C535-431A-A63A-5D98D1599A15}"/>
+                <a16:creationId xmlns:a16="http://schemas.microsoft.com/office/drawing/2014/main" xmlns="" id="{F1DEDD57-C535-431A-A63A-5D98D1599A15}"/>
               </a:ext>
             </a:extLst>
           </p:cNvPr>
@@ -8300,7 +8300,7 @@
           <p:cNvPr id="12" name="Flecha: hacia arriba 11">
             <a:extLst>
               <a:ext uri="{FF2B5EF4-FFF2-40B4-BE49-F238E27FC236}">
-                <a16:creationId xmlns:a16="http://schemas.microsoft.com/office/drawing/2014/main" id="{5FB78881-A87F-47BE-A996-88A06BECA008}"/>
+                <a16:creationId xmlns:a16="http://schemas.microsoft.com/office/drawing/2014/main" xmlns="" id="{5FB78881-A87F-47BE-A996-88A06BECA008}"/>
               </a:ext>
             </a:extLst>
           </p:cNvPr>
@@ -8354,7 +8354,7 @@
           <p:cNvPr id="13" name="Flecha: hacia arriba 12">
             <a:extLst>
               <a:ext uri="{FF2B5EF4-FFF2-40B4-BE49-F238E27FC236}">
-                <a16:creationId xmlns:a16="http://schemas.microsoft.com/office/drawing/2014/main" id="{4F1AFF8B-1497-4A01-8A4A-6C9FC7764767}"/>
+                <a16:creationId xmlns:a16="http://schemas.microsoft.com/office/drawing/2014/main" xmlns="" id="{4F1AFF8B-1497-4A01-8A4A-6C9FC7764767}"/>
               </a:ext>
             </a:extLst>
           </p:cNvPr>
@@ -8408,7 +8408,7 @@
           <p:cNvPr id="14" name="Flecha: hacia arriba 13">
             <a:extLst>
               <a:ext uri="{FF2B5EF4-FFF2-40B4-BE49-F238E27FC236}">
-                <a16:creationId xmlns:a16="http://schemas.microsoft.com/office/drawing/2014/main" id="{F1AC2F41-91D2-4F2E-B9D0-8AE492AD93AD}"/>
+                <a16:creationId xmlns:a16="http://schemas.microsoft.com/office/drawing/2014/main" xmlns="" id="{F1AC2F41-91D2-4F2E-B9D0-8AE492AD93AD}"/>
               </a:ext>
             </a:extLst>
           </p:cNvPr>
@@ -8462,7 +8462,7 @@
           <p:cNvPr id="15" name="Flecha: hacia arriba 14">
             <a:extLst>
               <a:ext uri="{FF2B5EF4-FFF2-40B4-BE49-F238E27FC236}">
-                <a16:creationId xmlns:a16="http://schemas.microsoft.com/office/drawing/2014/main" id="{B19E9EB8-AD0D-43D7-9A8A-BD11B47E78D0}"/>
+                <a16:creationId xmlns:a16="http://schemas.microsoft.com/office/drawing/2014/main" xmlns="" id="{B19E9EB8-AD0D-43D7-9A8A-BD11B47E78D0}"/>
               </a:ext>
             </a:extLst>
           </p:cNvPr>
@@ -8516,7 +8516,7 @@
           <p:cNvPr id="16" name="Flecha: hacia arriba 15">
             <a:extLst>
               <a:ext uri="{FF2B5EF4-FFF2-40B4-BE49-F238E27FC236}">
-                <a16:creationId xmlns:a16="http://schemas.microsoft.com/office/drawing/2014/main" id="{BC589376-D06C-4F75-8A5C-EC76F0F55B96}"/>
+                <a16:creationId xmlns:a16="http://schemas.microsoft.com/office/drawing/2014/main" xmlns="" id="{BC589376-D06C-4F75-8A5C-EC76F0F55B96}"/>
               </a:ext>
             </a:extLst>
           </p:cNvPr>
@@ -8593,7 +8593,7 @@
           <p:cNvPr id="17" name="Flecha: hacia arriba 16">
             <a:extLst>
               <a:ext uri="{FF2B5EF4-FFF2-40B4-BE49-F238E27FC236}">
-                <a16:creationId xmlns:a16="http://schemas.microsoft.com/office/drawing/2014/main" id="{23A44923-8F86-4C10-A432-5B3CBC75F962}"/>
+                <a16:creationId xmlns:a16="http://schemas.microsoft.com/office/drawing/2014/main" xmlns="" id="{23A44923-8F86-4C10-A432-5B3CBC75F962}"/>
               </a:ext>
             </a:extLst>
           </p:cNvPr>
@@ -8647,7 +8647,7 @@
           <p:cNvPr id="18" name="Flecha: hacia arriba 17">
             <a:extLst>
               <a:ext uri="{FF2B5EF4-FFF2-40B4-BE49-F238E27FC236}">
-                <a16:creationId xmlns:a16="http://schemas.microsoft.com/office/drawing/2014/main" id="{BB65E073-0C5F-4EC6-814A-4A1E36C13C05}"/>
+                <a16:creationId xmlns:a16="http://schemas.microsoft.com/office/drawing/2014/main" xmlns="" id="{BB65E073-0C5F-4EC6-814A-4A1E36C13C05}"/>
               </a:ext>
             </a:extLst>
           </p:cNvPr>
@@ -8701,7 +8701,7 @@
           <p:cNvPr id="19" name="Flecha: hacia arriba 18">
             <a:extLst>
               <a:ext uri="{FF2B5EF4-FFF2-40B4-BE49-F238E27FC236}">
-                <a16:creationId xmlns:a16="http://schemas.microsoft.com/office/drawing/2014/main" id="{50004F72-B254-4013-9BFC-495127E17F58}"/>
+                <a16:creationId xmlns:a16="http://schemas.microsoft.com/office/drawing/2014/main" xmlns="" id="{50004F72-B254-4013-9BFC-495127E17F58}"/>
               </a:ext>
             </a:extLst>
           </p:cNvPr>
@@ -8760,6 +8760,14 @@
   <p:clrMapOvr>
     <a:masterClrMapping/>
   </p:clrMapOvr>
+  <mc:AlternateContent xmlns:mc="http://schemas.openxmlformats.org/markup-compatibility/2006">
+    <mc:Choice xmlns:p14="http://schemas.microsoft.com/office/powerpoint/2010/main" Requires="p14">
+      <p:transition spd="slow" p14:dur="2000"/>
+    </mc:Choice>
+    <mc:Fallback>
+      <p:transition spd="slow"/>
+    </mc:Fallback>
+  </mc:AlternateContent>
 </p:sld>
 </file>
 

--- a/presentacion.pptx
+++ b/presentacion.pptx
@@ -7,11 +7,11 @@
   <p:sldIdLst>
     <p:sldId id="256" r:id="rId2"/>
     <p:sldId id="257" r:id="rId3"/>
-    <p:sldId id="258" r:id="rId4"/>
-    <p:sldId id="259" r:id="rId5"/>
-    <p:sldId id="261" r:id="rId6"/>
-    <p:sldId id="262" r:id="rId7"/>
-    <p:sldId id="263" r:id="rId8"/>
+    <p:sldId id="264" r:id="rId4"/>
+    <p:sldId id="258" r:id="rId5"/>
+    <p:sldId id="259" r:id="rId6"/>
+    <p:sldId id="261" r:id="rId7"/>
+    <p:sldId id="262" r:id="rId8"/>
   </p:sldIdLst>
   <p:sldSz cx="12192000" cy="6858000"/>
   <p:notesSz cx="6858000" cy="9144000"/>
@@ -840,7 +840,7 @@
           <a:p>
             <a:fld id="{4E2D384F-5606-4936-B1F5-2B9768DC05C0}" type="datetimeFigureOut">
               <a:rPr lang="es-ES" smtClean="0"/>
-              <a:t>13/05/2021</a:t>
+              <a:t>14/05/2021</a:t>
             </a:fld>
             <a:endParaRPr lang="es-ES"/>
           </a:p>
@@ -1091,7 +1091,7 @@
           <a:p>
             <a:fld id="{4E2D384F-5606-4936-B1F5-2B9768DC05C0}" type="datetimeFigureOut">
               <a:rPr lang="es-ES" smtClean="0"/>
-              <a:t>13/05/2021</a:t>
+              <a:t>14/05/2021</a:t>
             </a:fld>
             <a:endParaRPr lang="es-ES"/>
           </a:p>
@@ -1405,7 +1405,7 @@
           <a:p>
             <a:fld id="{4E2D384F-5606-4936-B1F5-2B9768DC05C0}" type="datetimeFigureOut">
               <a:rPr lang="es-ES" smtClean="0"/>
-              <a:t>13/05/2021</a:t>
+              <a:t>14/05/2021</a:t>
             </a:fld>
             <a:endParaRPr lang="es-ES"/>
           </a:p>
@@ -1746,7 +1746,7 @@
           <a:p>
             <a:fld id="{4E2D384F-5606-4936-B1F5-2B9768DC05C0}" type="datetimeFigureOut">
               <a:rPr lang="es-ES" smtClean="0"/>
-              <a:t>13/05/2021</a:t>
+              <a:t>14/05/2021</a:t>
             </a:fld>
             <a:endParaRPr lang="es-ES"/>
           </a:p>
@@ -2060,7 +2060,7 @@
           <a:p>
             <a:fld id="{4E2D384F-5606-4936-B1F5-2B9768DC05C0}" type="datetimeFigureOut">
               <a:rPr lang="es-ES" smtClean="0"/>
-              <a:t>13/05/2021</a:t>
+              <a:t>14/05/2021</a:t>
             </a:fld>
             <a:endParaRPr lang="es-ES"/>
           </a:p>
@@ -2453,7 +2453,7 @@
           <a:p>
             <a:fld id="{4E2D384F-5606-4936-B1F5-2B9768DC05C0}" type="datetimeFigureOut">
               <a:rPr lang="es-ES" smtClean="0"/>
-              <a:t>13/05/2021</a:t>
+              <a:t>14/05/2021</a:t>
             </a:fld>
             <a:endParaRPr lang="es-ES"/>
           </a:p>
@@ -2623,7 +2623,7 @@
           <a:p>
             <a:fld id="{4E2D384F-5606-4936-B1F5-2B9768DC05C0}" type="datetimeFigureOut">
               <a:rPr lang="es-ES" smtClean="0"/>
-              <a:t>13/05/2021</a:t>
+              <a:t>14/05/2021</a:t>
             </a:fld>
             <a:endParaRPr lang="es-ES"/>
           </a:p>
@@ -2803,7 +2803,7 @@
           <a:p>
             <a:fld id="{4E2D384F-5606-4936-B1F5-2B9768DC05C0}" type="datetimeFigureOut">
               <a:rPr lang="es-ES" smtClean="0"/>
-              <a:t>13/05/2021</a:t>
+              <a:t>14/05/2021</a:t>
             </a:fld>
             <a:endParaRPr lang="es-ES"/>
           </a:p>
@@ -2979,7 +2979,7 @@
           <a:p>
             <a:fld id="{4E2D384F-5606-4936-B1F5-2B9768DC05C0}" type="datetimeFigureOut">
               <a:rPr lang="es-ES" smtClean="0"/>
-              <a:t>13/05/2021</a:t>
+              <a:t>14/05/2021</a:t>
             </a:fld>
             <a:endParaRPr lang="es-ES"/>
           </a:p>
@@ -3226,7 +3226,7 @@
           <a:p>
             <a:fld id="{4E2D384F-5606-4936-B1F5-2B9768DC05C0}" type="datetimeFigureOut">
               <a:rPr lang="es-ES" smtClean="0"/>
-              <a:t>13/05/2021</a:t>
+              <a:t>14/05/2021</a:t>
             </a:fld>
             <a:endParaRPr lang="es-ES"/>
           </a:p>
@@ -3458,7 +3458,7 @@
           <a:p>
             <a:fld id="{4E2D384F-5606-4936-B1F5-2B9768DC05C0}" type="datetimeFigureOut">
               <a:rPr lang="es-ES" smtClean="0"/>
-              <a:t>13/05/2021</a:t>
+              <a:t>14/05/2021</a:t>
             </a:fld>
             <a:endParaRPr lang="es-ES"/>
           </a:p>
@@ -3832,7 +3832,7 @@
           <a:p>
             <a:fld id="{4E2D384F-5606-4936-B1F5-2B9768DC05C0}" type="datetimeFigureOut">
               <a:rPr lang="es-ES" smtClean="0"/>
-              <a:t>13/05/2021</a:t>
+              <a:t>14/05/2021</a:t>
             </a:fld>
             <a:endParaRPr lang="es-ES"/>
           </a:p>
@@ -3955,7 +3955,7 @@
           <a:p>
             <a:fld id="{4E2D384F-5606-4936-B1F5-2B9768DC05C0}" type="datetimeFigureOut">
               <a:rPr lang="es-ES" smtClean="0"/>
-              <a:t>13/05/2021</a:t>
+              <a:t>14/05/2021</a:t>
             </a:fld>
             <a:endParaRPr lang="es-ES"/>
           </a:p>
@@ -4050,7 +4050,7 @@
           <a:p>
             <a:fld id="{4E2D384F-5606-4936-B1F5-2B9768DC05C0}" type="datetimeFigureOut">
               <a:rPr lang="es-ES" smtClean="0"/>
-              <a:t>13/05/2021</a:t>
+              <a:t>14/05/2021</a:t>
             </a:fld>
             <a:endParaRPr lang="es-ES"/>
           </a:p>
@@ -4305,7 +4305,7 @@
           <a:p>
             <a:fld id="{4E2D384F-5606-4936-B1F5-2B9768DC05C0}" type="datetimeFigureOut">
               <a:rPr lang="es-ES" smtClean="0"/>
-              <a:t>13/05/2021</a:t>
+              <a:t>14/05/2021</a:t>
             </a:fld>
             <a:endParaRPr lang="es-ES"/>
           </a:p>
@@ -4568,7 +4568,7 @@
           <a:p>
             <a:fld id="{4E2D384F-5606-4936-B1F5-2B9768DC05C0}" type="datetimeFigureOut">
               <a:rPr lang="es-ES" smtClean="0"/>
-              <a:t>13/05/2021</a:t>
+              <a:t>14/05/2021</a:t>
             </a:fld>
             <a:endParaRPr lang="es-ES"/>
           </a:p>
@@ -5311,7 +5311,7 @@
           <a:p>
             <a:fld id="{4E2D384F-5606-4936-B1F5-2B9768DC05C0}" type="datetimeFigureOut">
               <a:rPr lang="es-ES" smtClean="0"/>
-              <a:t>13/05/2021</a:t>
+              <a:t>14/05/2021</a:t>
             </a:fld>
             <a:endParaRPr lang="es-ES"/>
           </a:p>
@@ -6109,8 +6109,13 @@
             <a:pPr algn="ctr"/>
             <a:r>
               <a:rPr lang="es-ES" sz="2800" dirty="0"/>
-              <a:t>Víctor García Bermejo</a:t>
-            </a:r>
+              <a:t>Víctor </a:t>
+            </a:r>
+            <a:r>
+              <a:rPr lang="es-ES" sz="2800" dirty="0" smtClean="0"/>
+              <a:t>García-Bermejo Mazorra</a:t>
+            </a:r>
+            <a:endParaRPr lang="es-ES" sz="2800" dirty="0"/>
           </a:p>
           <a:p>
             <a:pPr algn="ctr"/>
@@ -6220,8 +6225,8 @@
         </p:nvSpPr>
         <p:spPr>
           <a:xfrm>
-            <a:off x="4595428" y="194330"/>
-            <a:ext cx="3001143" cy="923330"/>
+            <a:off x="5022626" y="194330"/>
+            <a:ext cx="2146743" cy="923330"/>
           </a:xfrm>
           <a:prstGeom prst="rect">
             <a:avLst/>
@@ -6236,7 +6241,7 @@
           <a:p>
             <a:pPr algn="ctr"/>
             <a:r>
-              <a:rPr lang="es-ES" sz="5400" b="1" cap="none" spc="0" dirty="0">
+              <a:rPr lang="es-ES" sz="5400" b="1" dirty="0" smtClean="0">
                 <a:ln w="22225">
                   <a:solidFill>
                     <a:schemeClr val="accent2"/>
@@ -6249,10 +6254,24 @@
                     <a:lumOff val="60000"/>
                   </a:schemeClr>
                 </a:solidFill>
-                <a:effectLst/>
               </a:rPr>
-              <a:t>ANÁLISIS</a:t>
-            </a:r>
+              <a:t>Índice</a:t>
+            </a:r>
+            <a:endParaRPr lang="es-ES" sz="5400" b="1" cap="none" spc="0" dirty="0">
+              <a:ln w="22225">
+                <a:solidFill>
+                  <a:schemeClr val="accent2"/>
+                </a:solidFill>
+                <a:prstDash val="solid"/>
+              </a:ln>
+              <a:solidFill>
+                <a:schemeClr val="accent2">
+                  <a:lumMod val="40000"/>
+                  <a:lumOff val="60000"/>
+                </a:schemeClr>
+              </a:solidFill>
+              <a:effectLst/>
+            </a:endParaRPr>
           </a:p>
         </p:txBody>
       </p:sp>
@@ -6352,20 +6371,20 @@
       </p:pic>
       <p:sp>
         <p:nvSpPr>
-          <p:cNvPr id="2" name="Rectángulo 1">
+          <p:cNvPr id="22" name="CuadroTexto 21">
             <a:extLst>
               <a:ext uri="{FF2B5EF4-FFF2-40B4-BE49-F238E27FC236}">
-                <a16:creationId xmlns:a16="http://schemas.microsoft.com/office/drawing/2014/main" xmlns="" id="{9B74A5B7-AC70-4E16-A467-8B5484A7C7C5}"/>
+                <a16:creationId xmlns:a16="http://schemas.microsoft.com/office/drawing/2014/main" xmlns="" id="{ED935AC2-31A0-477F-AF0A-BF1CDA98A0E9}"/>
               </a:ext>
             </a:extLst>
           </p:cNvPr>
-          <p:cNvSpPr/>
+          <p:cNvSpPr txBox="1"/>
           <p:nvPr/>
         </p:nvSpPr>
         <p:spPr>
           <a:xfrm>
-            <a:off x="1158251" y="3787794"/>
-            <a:ext cx="3169910" cy="584775"/>
+            <a:off x="1064153" y="1673476"/>
+            <a:ext cx="4792949" cy="2585323"/>
           </a:xfrm>
           <a:prstGeom prst="rect">
             <a:avLst/>
@@ -6373,342 +6392,105 @@
           <a:noFill/>
         </p:spPr>
         <p:txBody>
-          <a:bodyPr wrap="square" lIns="91440" tIns="45720" rIns="91440" bIns="45720">
+          <a:bodyPr wrap="square" rtlCol="0">
             <a:spAutoFit/>
-            <a:scene3d>
-              <a:camera prst="orthographicFront"/>
-              <a:lightRig rig="soft" dir="t">
-                <a:rot lat="0" lon="0" rev="15600000"/>
-              </a:lightRig>
-            </a:scene3d>
-            <a:sp3d extrusionH="57150" prstMaterial="softEdge">
-              <a:bevelT w="25400" h="38100"/>
-            </a:sp3d>
           </a:bodyPr>
           <a:lstStyle/>
           <a:p>
-            <a:pPr algn="ctr"/>
-            <a:r>
-              <a:rPr lang="es-ES" sz="3200" b="1" dirty="0">
-                <a:ln/>
-                <a:solidFill>
-                  <a:schemeClr val="accent4"/>
-                </a:solidFill>
-              </a:rPr>
-              <a:t>Sincronización</a:t>
-            </a:r>
-          </a:p>
-        </p:txBody>
-      </p:sp>
-      <p:sp>
-        <p:nvSpPr>
-          <p:cNvPr id="7" name="Rectángulo 6">
-            <a:extLst>
-              <a:ext uri="{FF2B5EF4-FFF2-40B4-BE49-F238E27FC236}">
-                <a16:creationId xmlns:a16="http://schemas.microsoft.com/office/drawing/2014/main" xmlns="" id="{99526CD5-70F5-4AB1-9DC1-92BC18CE70CE}"/>
-              </a:ext>
-            </a:extLst>
-          </p:cNvPr>
-          <p:cNvSpPr/>
-          <p:nvPr/>
-        </p:nvSpPr>
-        <p:spPr>
-          <a:xfrm>
-            <a:off x="697721" y="1771565"/>
-            <a:ext cx="3086502" cy="584775"/>
-          </a:xfrm>
-          <a:prstGeom prst="rect">
-            <a:avLst/>
-          </a:prstGeom>
-          <a:noFill/>
-        </p:spPr>
-        <p:txBody>
-          <a:bodyPr wrap="square" lIns="91440" tIns="45720" rIns="91440" bIns="45720">
-            <a:spAutoFit/>
-            <a:scene3d>
-              <a:camera prst="orthographicFront"/>
-              <a:lightRig rig="soft" dir="t">
-                <a:rot lat="0" lon="0" rev="15600000"/>
-              </a:lightRig>
-            </a:scene3d>
-            <a:sp3d extrusionH="57150" prstMaterial="softEdge">
-              <a:bevelT w="25400" h="38100"/>
-            </a:sp3d>
-          </a:bodyPr>
-          <a:lstStyle/>
-          <a:p>
-            <a:pPr algn="ctr"/>
-            <a:r>
-              <a:rPr lang="es-ES" sz="3200" b="1" dirty="0">
-                <a:ln/>
-                <a:solidFill>
-                  <a:schemeClr val="accent4"/>
-                </a:solidFill>
-              </a:rPr>
-              <a:t>Autenticación</a:t>
-            </a:r>
-          </a:p>
-        </p:txBody>
-      </p:sp>
-      <p:sp>
-        <p:nvSpPr>
-          <p:cNvPr id="8" name="Rectángulo 7">
-            <a:extLst>
-              <a:ext uri="{FF2B5EF4-FFF2-40B4-BE49-F238E27FC236}">
-                <a16:creationId xmlns:a16="http://schemas.microsoft.com/office/drawing/2014/main" xmlns="" id="{2CDA58AD-4A5F-43CA-9083-7F036AC34C57}"/>
-              </a:ext>
-            </a:extLst>
-          </p:cNvPr>
-          <p:cNvSpPr/>
-          <p:nvPr/>
-        </p:nvSpPr>
-        <p:spPr>
-          <a:xfrm>
-            <a:off x="7543477" y="1479178"/>
-            <a:ext cx="2225364" cy="584775"/>
-          </a:xfrm>
-          <a:prstGeom prst="rect">
-            <a:avLst/>
-          </a:prstGeom>
-          <a:noFill/>
-        </p:spPr>
-        <p:txBody>
-          <a:bodyPr wrap="square" lIns="91440" tIns="45720" rIns="91440" bIns="45720">
-            <a:spAutoFit/>
-            <a:scene3d>
-              <a:camera prst="orthographicFront"/>
-              <a:lightRig rig="soft" dir="t">
-                <a:rot lat="0" lon="0" rev="15600000"/>
-              </a:lightRig>
-            </a:scene3d>
-            <a:sp3d extrusionH="57150" prstMaterial="softEdge">
-              <a:bevelT w="25400" h="38100"/>
-            </a:sp3d>
-          </a:bodyPr>
-          <a:lstStyle/>
-          <a:p>
-            <a:pPr algn="ctr"/>
-            <a:r>
-              <a:rPr lang="es-ES" sz="3200" b="1" dirty="0" err="1">
-                <a:ln/>
-                <a:solidFill>
-                  <a:schemeClr val="accent4"/>
-                </a:solidFill>
-              </a:rPr>
-              <a:t>Firebase</a:t>
-            </a:r>
-            <a:endParaRPr lang="es-ES" sz="3200" b="1" dirty="0">
-              <a:ln/>
-              <a:solidFill>
-                <a:schemeClr val="accent4"/>
-              </a:solidFill>
-            </a:endParaRPr>
-          </a:p>
-        </p:txBody>
-      </p:sp>
-      <p:sp>
-        <p:nvSpPr>
-          <p:cNvPr id="9" name="Rectángulo 8">
-            <a:extLst>
-              <a:ext uri="{FF2B5EF4-FFF2-40B4-BE49-F238E27FC236}">
-                <a16:creationId xmlns:a16="http://schemas.microsoft.com/office/drawing/2014/main" xmlns="" id="{A71DF4EE-3A2F-4C7F-B3AF-F59EDCD06D7F}"/>
-              </a:ext>
-            </a:extLst>
-          </p:cNvPr>
-          <p:cNvSpPr/>
-          <p:nvPr/>
-        </p:nvSpPr>
-        <p:spPr>
-          <a:xfrm>
-            <a:off x="5530981" y="2775645"/>
-            <a:ext cx="1464180" cy="584775"/>
-          </a:xfrm>
-          <a:prstGeom prst="rect">
-            <a:avLst/>
-          </a:prstGeom>
-          <a:noFill/>
-        </p:spPr>
-        <p:txBody>
-          <a:bodyPr wrap="square" lIns="91440" tIns="45720" rIns="91440" bIns="45720">
-            <a:spAutoFit/>
-            <a:scene3d>
-              <a:camera prst="orthographicFront"/>
-              <a:lightRig rig="soft" dir="t">
-                <a:rot lat="0" lon="0" rev="15600000"/>
-              </a:lightRig>
-            </a:scene3d>
-            <a:sp3d extrusionH="57150" prstMaterial="softEdge">
-              <a:bevelT w="25400" h="38100"/>
-            </a:sp3d>
-          </a:bodyPr>
-          <a:lstStyle/>
-          <a:p>
-            <a:pPr algn="ctr"/>
-            <a:r>
-              <a:rPr lang="es-ES" sz="3200" b="1" dirty="0" err="1">
-                <a:ln/>
-                <a:solidFill>
-                  <a:schemeClr val="accent4"/>
-                </a:solidFill>
-              </a:rPr>
-              <a:t>Vuex</a:t>
-            </a:r>
-            <a:endParaRPr lang="es-ES" sz="3200" b="1" dirty="0">
-              <a:ln/>
-              <a:solidFill>
-                <a:schemeClr val="accent4"/>
-              </a:solidFill>
-            </a:endParaRPr>
-          </a:p>
-        </p:txBody>
-      </p:sp>
-      <p:sp>
-        <p:nvSpPr>
-          <p:cNvPr id="10" name="Rectángulo 9">
-            <a:extLst>
-              <a:ext uri="{FF2B5EF4-FFF2-40B4-BE49-F238E27FC236}">
-                <a16:creationId xmlns:a16="http://schemas.microsoft.com/office/drawing/2014/main" xmlns="" id="{10506C1D-A8B8-4E19-88F1-DDAE2AA1BF40}"/>
-              </a:ext>
-            </a:extLst>
-          </p:cNvPr>
-          <p:cNvSpPr/>
-          <p:nvPr/>
-        </p:nvSpPr>
-        <p:spPr>
-          <a:xfrm>
-            <a:off x="6826381" y="4501659"/>
-            <a:ext cx="2043300" cy="584775"/>
-          </a:xfrm>
-          <a:prstGeom prst="rect">
-            <a:avLst/>
-          </a:prstGeom>
-          <a:noFill/>
-        </p:spPr>
-        <p:txBody>
-          <a:bodyPr wrap="square" lIns="91440" tIns="45720" rIns="91440" bIns="45720">
-            <a:spAutoFit/>
-            <a:scene3d>
-              <a:camera prst="orthographicFront"/>
-              <a:lightRig rig="soft" dir="t">
-                <a:rot lat="0" lon="0" rev="15600000"/>
-              </a:lightRig>
-            </a:scene3d>
-            <a:sp3d extrusionH="57150" prstMaterial="softEdge">
-              <a:bevelT w="25400" h="38100"/>
-            </a:sp3d>
-          </a:bodyPr>
-          <a:lstStyle/>
-          <a:p>
-            <a:pPr algn="ctr"/>
-            <a:r>
-              <a:rPr lang="es-ES" sz="3200" b="1" dirty="0">
-                <a:ln/>
-                <a:solidFill>
-                  <a:schemeClr val="accent4"/>
-                </a:solidFill>
-              </a:rPr>
-              <a:t>Alquiler</a:t>
-            </a:r>
-          </a:p>
-        </p:txBody>
-      </p:sp>
-      <p:sp>
-        <p:nvSpPr>
-          <p:cNvPr id="15" name="Rectángulo 14">
-            <a:extLst>
-              <a:ext uri="{FF2B5EF4-FFF2-40B4-BE49-F238E27FC236}">
-                <a16:creationId xmlns:a16="http://schemas.microsoft.com/office/drawing/2014/main" xmlns="" id="{44BF521C-2AD2-4C87-8C6B-1228BFA35539}"/>
-              </a:ext>
-            </a:extLst>
-          </p:cNvPr>
-          <p:cNvSpPr/>
-          <p:nvPr/>
-        </p:nvSpPr>
-        <p:spPr>
-          <a:xfrm>
-            <a:off x="3535691" y="5293243"/>
-            <a:ext cx="3169910" cy="584775"/>
-          </a:xfrm>
-          <a:prstGeom prst="rect">
-            <a:avLst/>
-          </a:prstGeom>
-          <a:noFill/>
-        </p:spPr>
-        <p:txBody>
-          <a:bodyPr wrap="square" lIns="91440" tIns="45720" rIns="91440" bIns="45720">
-            <a:spAutoFit/>
-            <a:scene3d>
-              <a:camera prst="orthographicFront"/>
-              <a:lightRig rig="soft" dir="t">
-                <a:rot lat="0" lon="0" rev="15600000"/>
-              </a:lightRig>
-            </a:scene3d>
-            <a:sp3d extrusionH="57150" prstMaterial="softEdge">
-              <a:bevelT w="25400" h="38100"/>
-            </a:sp3d>
-          </a:bodyPr>
-          <a:lstStyle/>
-          <a:p>
-            <a:pPr algn="ctr"/>
-            <a:r>
-              <a:rPr lang="es-ES" sz="3200" b="1" dirty="0">
-                <a:ln/>
-                <a:solidFill>
-                  <a:schemeClr val="accent4"/>
-                </a:solidFill>
-              </a:rPr>
-              <a:t>Hosting</a:t>
-            </a:r>
-          </a:p>
-        </p:txBody>
-      </p:sp>
-      <p:sp>
-        <p:nvSpPr>
-          <p:cNvPr id="16" name="Rectángulo 15">
-            <a:extLst>
-              <a:ext uri="{FF2B5EF4-FFF2-40B4-BE49-F238E27FC236}">
-                <a16:creationId xmlns:a16="http://schemas.microsoft.com/office/drawing/2014/main" xmlns="" id="{7F5E9459-F0D8-4270-B5A6-572198EE6169}"/>
-              </a:ext>
-            </a:extLst>
-          </p:cNvPr>
-          <p:cNvSpPr/>
-          <p:nvPr/>
-        </p:nvSpPr>
-        <p:spPr>
-          <a:xfrm>
-            <a:off x="8084831" y="3205192"/>
-            <a:ext cx="3169910" cy="584775"/>
-          </a:xfrm>
-          <a:prstGeom prst="rect">
-            <a:avLst/>
-          </a:prstGeom>
-          <a:noFill/>
-        </p:spPr>
-        <p:txBody>
-          <a:bodyPr wrap="square" lIns="91440" tIns="45720" rIns="91440" bIns="45720">
-            <a:spAutoFit/>
-            <a:scene3d>
-              <a:camera prst="orthographicFront"/>
-              <a:lightRig rig="soft" dir="t">
-                <a:rot lat="0" lon="0" rev="15600000"/>
-              </a:lightRig>
-            </a:scene3d>
-            <a:sp3d extrusionH="57150" prstMaterial="softEdge">
-              <a:bevelT w="25400" h="38100"/>
-            </a:sp3d>
-          </a:bodyPr>
-          <a:lstStyle/>
-          <a:p>
-            <a:pPr algn="ctr"/>
-            <a:r>
-              <a:rPr lang="es-ES" sz="3200" b="1" dirty="0">
-                <a:ln/>
-                <a:solidFill>
-                  <a:schemeClr val="accent4"/>
-                </a:solidFill>
-              </a:rPr>
-              <a:t>PWA</a:t>
-            </a:r>
+            <a:pPr marL="342900" indent="-342900">
+              <a:buFont typeface="+mj-lt"/>
+              <a:buAutoNum type="arabicPeriod"/>
+            </a:pPr>
+            <a:r>
+              <a:rPr lang="es-ES" dirty="0" smtClean="0"/>
+              <a:t>Análisis</a:t>
+            </a:r>
+          </a:p>
+          <a:p>
+            <a:pPr marL="342900" indent="-342900">
+              <a:buFont typeface="+mj-lt"/>
+              <a:buAutoNum type="arabicPeriod"/>
+            </a:pPr>
+            <a:r>
+              <a:rPr lang="es-ES" dirty="0" smtClean="0"/>
+              <a:t>Diseño</a:t>
+            </a:r>
+          </a:p>
+          <a:p>
+            <a:pPr marL="342900" indent="-342900">
+              <a:buFont typeface="+mj-lt"/>
+              <a:buAutoNum type="arabicPeriod"/>
+            </a:pPr>
+            <a:r>
+              <a:rPr lang="es-ES" dirty="0" smtClean="0"/>
+              <a:t>Demostración</a:t>
+            </a:r>
+          </a:p>
+          <a:p>
+            <a:pPr marL="857250" lvl="1" indent="-400050">
+              <a:buFont typeface="+mj-lt"/>
+              <a:buAutoNum type="romanLcPeriod"/>
+            </a:pPr>
+            <a:r>
+              <a:rPr lang="es-ES" dirty="0"/>
+              <a:t>Iniciar la aplicación</a:t>
+            </a:r>
+          </a:p>
+          <a:p>
+            <a:pPr marL="857250" lvl="1" indent="-400050">
+              <a:buFont typeface="+mj-lt"/>
+              <a:buAutoNum type="romanLcPeriod"/>
+            </a:pPr>
+            <a:r>
+              <a:rPr lang="es-ES" dirty="0" smtClean="0"/>
+              <a:t>Registrarse</a:t>
+            </a:r>
+            <a:endParaRPr lang="es-ES" dirty="0"/>
+          </a:p>
+          <a:p>
+            <a:pPr marL="857250" lvl="1" indent="-400050">
+              <a:buFont typeface="+mj-lt"/>
+              <a:buAutoNum type="romanLcPeriod"/>
+            </a:pPr>
+            <a:r>
+              <a:rPr lang="es-ES" dirty="0"/>
+              <a:t>Añadir una película</a:t>
+            </a:r>
+          </a:p>
+          <a:p>
+            <a:pPr marL="857250" lvl="1" indent="-400050">
+              <a:buFont typeface="+mj-lt"/>
+              <a:buAutoNum type="romanLcPeriod"/>
+            </a:pPr>
+            <a:r>
+              <a:rPr lang="es-ES" dirty="0"/>
+              <a:t>Visualizar las películas</a:t>
+            </a:r>
+          </a:p>
+          <a:p>
+            <a:pPr marL="857250" lvl="1" indent="-400050">
+              <a:buFont typeface="+mj-lt"/>
+              <a:buAutoNum type="romanLcPeriod"/>
+            </a:pPr>
+            <a:r>
+              <a:rPr lang="es-ES" dirty="0"/>
+              <a:t>Valorar </a:t>
+            </a:r>
+            <a:r>
+              <a:rPr lang="es-ES" dirty="0" smtClean="0"/>
+              <a:t>películas</a:t>
+            </a:r>
+          </a:p>
+          <a:p>
+            <a:pPr marL="342900" indent="-342900">
+              <a:buFont typeface="+mj-lt"/>
+              <a:buAutoNum type="arabicPeriod"/>
+            </a:pPr>
+            <a:r>
+              <a:rPr lang="es-ES" dirty="0" smtClean="0"/>
+              <a:t>Conclusiones</a:t>
+            </a:r>
+            <a:endParaRPr lang="es-ES" dirty="0"/>
           </a:p>
         </p:txBody>
       </p:sp>
@@ -6726,6 +6508,564 @@
 </file>
 
 <file path=ppt/slides/slide3.xml><?xml version="1.0" encoding="utf-8"?>
+<p:sld xmlns:a="http://schemas.openxmlformats.org/drawingml/2006/main" xmlns:r="http://schemas.openxmlformats.org/officeDocument/2006/relationships" xmlns:p="http://schemas.openxmlformats.org/presentationml/2006/main">
+  <p:cSld>
+    <p:bg>
+      <p:bgPr>
+        <a:solidFill>
+          <a:schemeClr val="bg1"/>
+        </a:solidFill>
+        <a:effectLst/>
+      </p:bgPr>
+    </p:bg>
+    <p:spTree>
+      <p:nvGrpSpPr>
+        <p:cNvPr id="1" name=""/>
+        <p:cNvGrpSpPr/>
+        <p:nvPr/>
+      </p:nvGrpSpPr>
+      <p:grpSpPr>
+        <a:xfrm>
+          <a:off x="0" y="0"/>
+          <a:ext cx="0" cy="0"/>
+          <a:chOff x="0" y="0"/>
+          <a:chExt cx="0" cy="0"/>
+        </a:xfrm>
+      </p:grpSpPr>
+      <p:sp>
+        <p:nvSpPr>
+          <p:cNvPr id="3" name="Rectángulo 2">
+            <a:extLst>
+              <a:ext uri="{FF2B5EF4-FFF2-40B4-BE49-F238E27FC236}">
+                <a16:creationId xmlns:a16="http://schemas.microsoft.com/office/drawing/2014/main" xmlns="" id="{6E0D290E-7260-41A4-9A28-1630ACB49F55}"/>
+              </a:ext>
+            </a:extLst>
+          </p:cNvPr>
+          <p:cNvSpPr/>
+          <p:nvPr/>
+        </p:nvSpPr>
+        <p:spPr>
+          <a:xfrm>
+            <a:off x="4788589" y="194330"/>
+            <a:ext cx="2614818" cy="923330"/>
+          </a:xfrm>
+          <a:prstGeom prst="rect">
+            <a:avLst/>
+          </a:prstGeom>
+          <a:noFill/>
+        </p:spPr>
+        <p:txBody>
+          <a:bodyPr wrap="none" lIns="91440" tIns="45720" rIns="91440" bIns="45720">
+            <a:spAutoFit/>
+          </a:bodyPr>
+          <a:lstStyle/>
+          <a:p>
+            <a:pPr algn="ctr"/>
+            <a:r>
+              <a:rPr lang="es-ES" sz="5400" b="1" dirty="0" smtClean="0">
+                <a:ln w="22225">
+                  <a:solidFill>
+                    <a:schemeClr val="accent2"/>
+                  </a:solidFill>
+                  <a:prstDash val="solid"/>
+                </a:ln>
+                <a:solidFill>
+                  <a:schemeClr val="accent2">
+                    <a:lumMod val="40000"/>
+                    <a:lumOff val="60000"/>
+                  </a:schemeClr>
+                </a:solidFill>
+              </a:rPr>
+              <a:t>Análisis</a:t>
+            </a:r>
+            <a:endParaRPr lang="es-ES" sz="5400" b="1" cap="none" spc="0" dirty="0">
+              <a:ln w="22225">
+                <a:solidFill>
+                  <a:schemeClr val="accent2"/>
+                </a:solidFill>
+                <a:prstDash val="solid"/>
+              </a:ln>
+              <a:solidFill>
+                <a:schemeClr val="accent2">
+                  <a:lumMod val="40000"/>
+                  <a:lumOff val="60000"/>
+                </a:schemeClr>
+              </a:solidFill>
+              <a:effectLst/>
+            </a:endParaRPr>
+          </a:p>
+        </p:txBody>
+      </p:sp>
+      <p:pic>
+        <p:nvPicPr>
+          <p:cNvPr id="13" name="Imagen 8">
+            <a:extLst>
+              <a:ext uri="{FF2B5EF4-FFF2-40B4-BE49-F238E27FC236}">
+                <a16:creationId xmlns:a16="http://schemas.microsoft.com/office/drawing/2014/main" xmlns="" id="{E473CC3A-4561-4316-88C3-F003D2D6D8E6}"/>
+              </a:ext>
+            </a:extLst>
+          </p:cNvPr>
+          <p:cNvPicPr>
+            <a:picLocks noChangeAspect="1" noChangeArrowheads="1"/>
+          </p:cNvPicPr>
+          <p:nvPr/>
+        </p:nvPicPr>
+        <p:blipFill>
+          <a:blip r:embed="rId2" cstate="print">
+            <a:extLst>
+              <a:ext uri="{28A0092B-C50C-407E-A947-70E740481C1C}">
+                <a14:useLocalDpi xmlns:a14="http://schemas.microsoft.com/office/drawing/2010/main" val="0"/>
+              </a:ext>
+            </a:extLst>
+          </a:blip>
+          <a:srcRect/>
+          <a:stretch>
+            <a:fillRect/>
+          </a:stretch>
+        </p:blipFill>
+        <p:spPr bwMode="auto">
+          <a:xfrm>
+            <a:off x="697721" y="5963256"/>
+            <a:ext cx="732867" cy="732867"/>
+          </a:xfrm>
+          <a:prstGeom prst="rect">
+            <a:avLst/>
+          </a:prstGeom>
+          <a:noFill/>
+          <a:extLst>
+            <a:ext uri="{909E8E84-426E-40DD-AFC4-6F175D3DCCD1}">
+              <a14:hiddenFill xmlns:a14="http://schemas.microsoft.com/office/drawing/2010/main">
+                <a:solidFill>
+                  <a:srgbClr val="FFFFFF"/>
+                </a:solidFill>
+              </a14:hiddenFill>
+            </a:ext>
+          </a:extLst>
+        </p:spPr>
+      </p:pic>
+      <p:pic>
+        <p:nvPicPr>
+          <p:cNvPr id="14" name="Imagen 13" descr="Generador de Códigos QR Codes">
+            <a:extLst>
+              <a:ext uri="{FF2B5EF4-FFF2-40B4-BE49-F238E27FC236}">
+                <a16:creationId xmlns:a16="http://schemas.microsoft.com/office/drawing/2014/main" xmlns="" id="{B0E450BC-3007-4267-99C8-2D1B5D394416}"/>
+              </a:ext>
+            </a:extLst>
+          </p:cNvPr>
+          <p:cNvPicPr/>
+          <p:nvPr/>
+        </p:nvPicPr>
+        <p:blipFill>
+          <a:blip r:embed="rId3">
+            <a:extLst>
+              <a:ext uri="{28A0092B-C50C-407E-A947-70E740481C1C}">
+                <a14:useLocalDpi xmlns:a14="http://schemas.microsoft.com/office/drawing/2010/main" val="0"/>
+              </a:ext>
+            </a:extLst>
+          </a:blip>
+          <a:srcRect/>
+          <a:stretch>
+            <a:fillRect/>
+          </a:stretch>
+        </p:blipFill>
+        <p:spPr bwMode="auto">
+          <a:xfrm>
+            <a:off x="10410825" y="5086434"/>
+            <a:ext cx="1507235" cy="1507235"/>
+          </a:xfrm>
+          <a:prstGeom prst="rect">
+            <a:avLst/>
+          </a:prstGeom>
+          <a:ln w="228600" cap="sq" cmpd="thickThin">
+            <a:solidFill>
+              <a:srgbClr val="000000"/>
+            </a:solidFill>
+            <a:prstDash val="solid"/>
+            <a:miter lim="800000"/>
+          </a:ln>
+          <a:effectLst>
+            <a:innerShdw blurRad="76200">
+              <a:srgbClr val="000000"/>
+            </a:innerShdw>
+          </a:effectLst>
+        </p:spPr>
+      </p:pic>
+      <p:sp>
+        <p:nvSpPr>
+          <p:cNvPr id="2" name="Rectángulo 1">
+            <a:extLst>
+              <a:ext uri="{FF2B5EF4-FFF2-40B4-BE49-F238E27FC236}">
+                <a16:creationId xmlns:a16="http://schemas.microsoft.com/office/drawing/2014/main" xmlns="" id="{9B74A5B7-AC70-4E16-A467-8B5484A7C7C5}"/>
+              </a:ext>
+            </a:extLst>
+          </p:cNvPr>
+          <p:cNvSpPr/>
+          <p:nvPr/>
+        </p:nvSpPr>
+        <p:spPr>
+          <a:xfrm>
+            <a:off x="1158251" y="3787794"/>
+            <a:ext cx="3169910" cy="584775"/>
+          </a:xfrm>
+          <a:prstGeom prst="rect">
+            <a:avLst/>
+          </a:prstGeom>
+          <a:noFill/>
+        </p:spPr>
+        <p:txBody>
+          <a:bodyPr wrap="square" lIns="91440" tIns="45720" rIns="91440" bIns="45720">
+            <a:spAutoFit/>
+            <a:scene3d>
+              <a:camera prst="orthographicFront"/>
+              <a:lightRig rig="soft" dir="t">
+                <a:rot lat="0" lon="0" rev="15600000"/>
+              </a:lightRig>
+            </a:scene3d>
+            <a:sp3d extrusionH="57150" prstMaterial="softEdge">
+              <a:bevelT w="25400" h="38100"/>
+            </a:sp3d>
+          </a:bodyPr>
+          <a:lstStyle/>
+          <a:p>
+            <a:pPr algn="ctr"/>
+            <a:r>
+              <a:rPr lang="es-ES" sz="3200" b="1" dirty="0">
+                <a:ln/>
+                <a:solidFill>
+                  <a:schemeClr val="accent4"/>
+                </a:solidFill>
+              </a:rPr>
+              <a:t>Sincronización</a:t>
+            </a:r>
+          </a:p>
+        </p:txBody>
+      </p:sp>
+      <p:sp>
+        <p:nvSpPr>
+          <p:cNvPr id="7" name="Rectángulo 6">
+            <a:extLst>
+              <a:ext uri="{FF2B5EF4-FFF2-40B4-BE49-F238E27FC236}">
+                <a16:creationId xmlns:a16="http://schemas.microsoft.com/office/drawing/2014/main" xmlns="" id="{99526CD5-70F5-4AB1-9DC1-92BC18CE70CE}"/>
+              </a:ext>
+            </a:extLst>
+          </p:cNvPr>
+          <p:cNvSpPr/>
+          <p:nvPr/>
+        </p:nvSpPr>
+        <p:spPr>
+          <a:xfrm>
+            <a:off x="697721" y="1771565"/>
+            <a:ext cx="3086502" cy="584775"/>
+          </a:xfrm>
+          <a:prstGeom prst="rect">
+            <a:avLst/>
+          </a:prstGeom>
+          <a:noFill/>
+        </p:spPr>
+        <p:txBody>
+          <a:bodyPr wrap="square" lIns="91440" tIns="45720" rIns="91440" bIns="45720">
+            <a:spAutoFit/>
+            <a:scene3d>
+              <a:camera prst="orthographicFront"/>
+              <a:lightRig rig="soft" dir="t">
+                <a:rot lat="0" lon="0" rev="15600000"/>
+              </a:lightRig>
+            </a:scene3d>
+            <a:sp3d extrusionH="57150" prstMaterial="softEdge">
+              <a:bevelT w="25400" h="38100"/>
+            </a:sp3d>
+          </a:bodyPr>
+          <a:lstStyle/>
+          <a:p>
+            <a:pPr algn="ctr"/>
+            <a:r>
+              <a:rPr lang="es-ES" sz="3200" b="1" dirty="0">
+                <a:ln/>
+                <a:solidFill>
+                  <a:schemeClr val="accent4"/>
+                </a:solidFill>
+              </a:rPr>
+              <a:t>Autenticación</a:t>
+            </a:r>
+          </a:p>
+        </p:txBody>
+      </p:sp>
+      <p:sp>
+        <p:nvSpPr>
+          <p:cNvPr id="8" name="Rectángulo 7">
+            <a:extLst>
+              <a:ext uri="{FF2B5EF4-FFF2-40B4-BE49-F238E27FC236}">
+                <a16:creationId xmlns:a16="http://schemas.microsoft.com/office/drawing/2014/main" xmlns="" id="{2CDA58AD-4A5F-43CA-9083-7F036AC34C57}"/>
+              </a:ext>
+            </a:extLst>
+          </p:cNvPr>
+          <p:cNvSpPr/>
+          <p:nvPr/>
+        </p:nvSpPr>
+        <p:spPr>
+          <a:xfrm>
+            <a:off x="7543477" y="1479178"/>
+            <a:ext cx="2225364" cy="584775"/>
+          </a:xfrm>
+          <a:prstGeom prst="rect">
+            <a:avLst/>
+          </a:prstGeom>
+          <a:noFill/>
+        </p:spPr>
+        <p:txBody>
+          <a:bodyPr wrap="square" lIns="91440" tIns="45720" rIns="91440" bIns="45720">
+            <a:spAutoFit/>
+            <a:scene3d>
+              <a:camera prst="orthographicFront"/>
+              <a:lightRig rig="soft" dir="t">
+                <a:rot lat="0" lon="0" rev="15600000"/>
+              </a:lightRig>
+            </a:scene3d>
+            <a:sp3d extrusionH="57150" prstMaterial="softEdge">
+              <a:bevelT w="25400" h="38100"/>
+            </a:sp3d>
+          </a:bodyPr>
+          <a:lstStyle/>
+          <a:p>
+            <a:pPr algn="ctr"/>
+            <a:r>
+              <a:rPr lang="es-ES" sz="3200" b="1" dirty="0" err="1">
+                <a:ln/>
+                <a:solidFill>
+                  <a:schemeClr val="accent4"/>
+                </a:solidFill>
+              </a:rPr>
+              <a:t>Firebase</a:t>
+            </a:r>
+            <a:endParaRPr lang="es-ES" sz="3200" b="1" dirty="0">
+              <a:ln/>
+              <a:solidFill>
+                <a:schemeClr val="accent4"/>
+              </a:solidFill>
+            </a:endParaRPr>
+          </a:p>
+        </p:txBody>
+      </p:sp>
+      <p:sp>
+        <p:nvSpPr>
+          <p:cNvPr id="9" name="Rectángulo 8">
+            <a:extLst>
+              <a:ext uri="{FF2B5EF4-FFF2-40B4-BE49-F238E27FC236}">
+                <a16:creationId xmlns:a16="http://schemas.microsoft.com/office/drawing/2014/main" xmlns="" id="{A71DF4EE-3A2F-4C7F-B3AF-F59EDCD06D7F}"/>
+              </a:ext>
+            </a:extLst>
+          </p:cNvPr>
+          <p:cNvSpPr/>
+          <p:nvPr/>
+        </p:nvSpPr>
+        <p:spPr>
+          <a:xfrm>
+            <a:off x="5530981" y="2775645"/>
+            <a:ext cx="1464180" cy="584775"/>
+          </a:xfrm>
+          <a:prstGeom prst="rect">
+            <a:avLst/>
+          </a:prstGeom>
+          <a:noFill/>
+        </p:spPr>
+        <p:txBody>
+          <a:bodyPr wrap="square" lIns="91440" tIns="45720" rIns="91440" bIns="45720">
+            <a:spAutoFit/>
+            <a:scene3d>
+              <a:camera prst="orthographicFront"/>
+              <a:lightRig rig="soft" dir="t">
+                <a:rot lat="0" lon="0" rev="15600000"/>
+              </a:lightRig>
+            </a:scene3d>
+            <a:sp3d extrusionH="57150" prstMaterial="softEdge">
+              <a:bevelT w="25400" h="38100"/>
+            </a:sp3d>
+          </a:bodyPr>
+          <a:lstStyle/>
+          <a:p>
+            <a:pPr algn="ctr"/>
+            <a:r>
+              <a:rPr lang="es-ES" sz="3200" b="1" dirty="0" err="1">
+                <a:ln/>
+                <a:solidFill>
+                  <a:schemeClr val="accent4"/>
+                </a:solidFill>
+              </a:rPr>
+              <a:t>Vuex</a:t>
+            </a:r>
+            <a:endParaRPr lang="es-ES" sz="3200" b="1" dirty="0">
+              <a:ln/>
+              <a:solidFill>
+                <a:schemeClr val="accent4"/>
+              </a:solidFill>
+            </a:endParaRPr>
+          </a:p>
+        </p:txBody>
+      </p:sp>
+      <p:sp>
+        <p:nvSpPr>
+          <p:cNvPr id="10" name="Rectángulo 9">
+            <a:extLst>
+              <a:ext uri="{FF2B5EF4-FFF2-40B4-BE49-F238E27FC236}">
+                <a16:creationId xmlns:a16="http://schemas.microsoft.com/office/drawing/2014/main" xmlns="" id="{10506C1D-A8B8-4E19-88F1-DDAE2AA1BF40}"/>
+              </a:ext>
+            </a:extLst>
+          </p:cNvPr>
+          <p:cNvSpPr/>
+          <p:nvPr/>
+        </p:nvSpPr>
+        <p:spPr>
+          <a:xfrm>
+            <a:off x="6826381" y="4501659"/>
+            <a:ext cx="2043300" cy="584775"/>
+          </a:xfrm>
+          <a:prstGeom prst="rect">
+            <a:avLst/>
+          </a:prstGeom>
+          <a:noFill/>
+        </p:spPr>
+        <p:txBody>
+          <a:bodyPr wrap="square" lIns="91440" tIns="45720" rIns="91440" bIns="45720">
+            <a:spAutoFit/>
+            <a:scene3d>
+              <a:camera prst="orthographicFront"/>
+              <a:lightRig rig="soft" dir="t">
+                <a:rot lat="0" lon="0" rev="15600000"/>
+              </a:lightRig>
+            </a:scene3d>
+            <a:sp3d extrusionH="57150" prstMaterial="softEdge">
+              <a:bevelT w="25400" h="38100"/>
+            </a:sp3d>
+          </a:bodyPr>
+          <a:lstStyle/>
+          <a:p>
+            <a:pPr algn="ctr"/>
+            <a:r>
+              <a:rPr lang="es-ES" sz="3200" b="1" dirty="0">
+                <a:ln/>
+                <a:solidFill>
+                  <a:schemeClr val="accent4"/>
+                </a:solidFill>
+              </a:rPr>
+              <a:t>Alquiler</a:t>
+            </a:r>
+          </a:p>
+        </p:txBody>
+      </p:sp>
+      <p:sp>
+        <p:nvSpPr>
+          <p:cNvPr id="15" name="Rectángulo 14">
+            <a:extLst>
+              <a:ext uri="{FF2B5EF4-FFF2-40B4-BE49-F238E27FC236}">
+                <a16:creationId xmlns:a16="http://schemas.microsoft.com/office/drawing/2014/main" xmlns="" id="{44BF521C-2AD2-4C87-8C6B-1228BFA35539}"/>
+              </a:ext>
+            </a:extLst>
+          </p:cNvPr>
+          <p:cNvSpPr/>
+          <p:nvPr/>
+        </p:nvSpPr>
+        <p:spPr>
+          <a:xfrm>
+            <a:off x="3535691" y="5293243"/>
+            <a:ext cx="3169910" cy="584775"/>
+          </a:xfrm>
+          <a:prstGeom prst="rect">
+            <a:avLst/>
+          </a:prstGeom>
+          <a:noFill/>
+        </p:spPr>
+        <p:txBody>
+          <a:bodyPr wrap="square" lIns="91440" tIns="45720" rIns="91440" bIns="45720">
+            <a:spAutoFit/>
+            <a:scene3d>
+              <a:camera prst="orthographicFront"/>
+              <a:lightRig rig="soft" dir="t">
+                <a:rot lat="0" lon="0" rev="15600000"/>
+              </a:lightRig>
+            </a:scene3d>
+            <a:sp3d extrusionH="57150" prstMaterial="softEdge">
+              <a:bevelT w="25400" h="38100"/>
+            </a:sp3d>
+          </a:bodyPr>
+          <a:lstStyle/>
+          <a:p>
+            <a:pPr algn="ctr"/>
+            <a:r>
+              <a:rPr lang="es-ES" sz="3200" b="1" dirty="0">
+                <a:ln/>
+                <a:solidFill>
+                  <a:schemeClr val="accent4"/>
+                </a:solidFill>
+              </a:rPr>
+              <a:t>Hosting</a:t>
+            </a:r>
+          </a:p>
+        </p:txBody>
+      </p:sp>
+      <p:sp>
+        <p:nvSpPr>
+          <p:cNvPr id="16" name="Rectángulo 15">
+            <a:extLst>
+              <a:ext uri="{FF2B5EF4-FFF2-40B4-BE49-F238E27FC236}">
+                <a16:creationId xmlns:a16="http://schemas.microsoft.com/office/drawing/2014/main" xmlns="" id="{7F5E9459-F0D8-4270-B5A6-572198EE6169}"/>
+              </a:ext>
+            </a:extLst>
+          </p:cNvPr>
+          <p:cNvSpPr/>
+          <p:nvPr/>
+        </p:nvSpPr>
+        <p:spPr>
+          <a:xfrm>
+            <a:off x="8084831" y="3205192"/>
+            <a:ext cx="3169910" cy="584775"/>
+          </a:xfrm>
+          <a:prstGeom prst="rect">
+            <a:avLst/>
+          </a:prstGeom>
+          <a:noFill/>
+        </p:spPr>
+        <p:txBody>
+          <a:bodyPr wrap="square" lIns="91440" tIns="45720" rIns="91440" bIns="45720">
+            <a:spAutoFit/>
+            <a:scene3d>
+              <a:camera prst="orthographicFront"/>
+              <a:lightRig rig="soft" dir="t">
+                <a:rot lat="0" lon="0" rev="15600000"/>
+              </a:lightRig>
+            </a:scene3d>
+            <a:sp3d extrusionH="57150" prstMaterial="softEdge">
+              <a:bevelT w="25400" h="38100"/>
+            </a:sp3d>
+          </a:bodyPr>
+          <a:lstStyle/>
+          <a:p>
+            <a:pPr algn="ctr"/>
+            <a:r>
+              <a:rPr lang="es-ES" sz="3200" b="1" dirty="0">
+                <a:ln/>
+                <a:solidFill>
+                  <a:schemeClr val="accent4"/>
+                </a:solidFill>
+              </a:rPr>
+              <a:t>PWA</a:t>
+            </a:r>
+          </a:p>
+        </p:txBody>
+      </p:sp>
+    </p:spTree>
+    <p:extLst>
+      <p:ext uri="{BB962C8B-B14F-4D97-AF65-F5344CB8AC3E}">
+        <p14:creationId xmlns:p14="http://schemas.microsoft.com/office/powerpoint/2010/main" val="204379718"/>
+      </p:ext>
+    </p:extLst>
+  </p:cSld>
+  <p:clrMapOvr>
+    <a:masterClrMapping/>
+  </p:clrMapOvr>
+</p:sld>
+</file>
+
+<file path=ppt/slides/slide4.xml><?xml version="1.0" encoding="utf-8"?>
 <p:sld xmlns:a="http://schemas.openxmlformats.org/drawingml/2006/main" xmlns:r="http://schemas.openxmlformats.org/officeDocument/2006/relationships" xmlns:p="http://schemas.openxmlformats.org/presentationml/2006/main">
   <p:cSld>
     <p:spTree>
@@ -6888,13 +7228,7 @@
       </p:pic>
       <p:pic>
         <p:nvPicPr>
-          <p:cNvPr id="4" name="Imagen 3">
-            <a:extLst>
-              <a:ext uri="{FF2B5EF4-FFF2-40B4-BE49-F238E27FC236}">
-                <a16:creationId xmlns:a16="http://schemas.microsoft.com/office/drawing/2014/main" xmlns="" id="{0D7AAB58-13EE-4EBB-A98D-1A2BCDF5EE13}"/>
-              </a:ext>
-            </a:extLst>
-          </p:cNvPr>
+          <p:cNvPr id="2" name="Imagen 1"/>
           <p:cNvPicPr>
             <a:picLocks noChangeAspect="1"/>
           </p:cNvPicPr>
@@ -6908,8 +7242,8 @@
         </p:blipFill>
         <p:spPr>
           <a:xfrm>
-            <a:off x="2545081" y="1608361"/>
-            <a:ext cx="6626822" cy="4198080"/>
+            <a:off x="1988325" y="1210506"/>
+            <a:ext cx="7864762" cy="4977451"/>
           </a:xfrm>
           <a:prstGeom prst="rect">
             <a:avLst/>
@@ -6929,7 +7263,7 @@
 </p:sld>
 </file>
 
-<file path=ppt/slides/slide4.xml><?xml version="1.0" encoding="utf-8"?>
+<file path=ppt/slides/slide5.xml><?xml version="1.0" encoding="utf-8"?>
 <p:sld xmlns:a="http://schemas.openxmlformats.org/drawingml/2006/main" xmlns:r="http://schemas.openxmlformats.org/officeDocument/2006/relationships" xmlns:p="http://schemas.openxmlformats.org/presentationml/2006/main">
   <p:cSld>
     <p:spTree>
@@ -7190,7 +7524,7 @@
 </p:sld>
 </file>
 
-<file path=ppt/slides/slide5.xml><?xml version="1.0" encoding="utf-8"?>
+<file path=ppt/slides/slide6.xml><?xml version="1.0" encoding="utf-8"?>
 <p:sld xmlns:a="http://schemas.openxmlformats.org/drawingml/2006/main" xmlns:r="http://schemas.openxmlformats.org/officeDocument/2006/relationships" xmlns:p="http://schemas.openxmlformats.org/presentationml/2006/main">
   <p:cSld>
     <p:spTree>
@@ -7254,84 +7588,6 @@
           </a:extLst>
         </p:spPr>
       </p:pic>
-      <p:sp>
-        <p:nvSpPr>
-          <p:cNvPr id="2" name="CuadroTexto 1">
-            <a:extLst>
-              <a:ext uri="{FF2B5EF4-FFF2-40B4-BE49-F238E27FC236}">
-                <a16:creationId xmlns:a16="http://schemas.microsoft.com/office/drawing/2014/main" xmlns="" id="{152F9016-3694-47AE-BA78-29496BBB7202}"/>
-              </a:ext>
-            </a:extLst>
-          </p:cNvPr>
-          <p:cNvSpPr txBox="1"/>
-          <p:nvPr/>
-        </p:nvSpPr>
-        <p:spPr>
-          <a:xfrm>
-            <a:off x="116138" y="1915591"/>
-            <a:ext cx="2628900" cy="369332"/>
-          </a:xfrm>
-          <a:prstGeom prst="rect">
-            <a:avLst/>
-          </a:prstGeom>
-          <a:noFill/>
-        </p:spPr>
-        <p:txBody>
-          <a:bodyPr wrap="square" rtlCol="0">
-            <a:spAutoFit/>
-          </a:bodyPr>
-          <a:lstStyle/>
-          <a:p>
-            <a:r>
-              <a:rPr lang="es-ES"/>
-              <a:t>Cosas </a:t>
-            </a:r>
-            <a:r>
-              <a:rPr lang="es-ES" smtClean="0"/>
-              <a:t>llevadas </a:t>
-            </a:r>
-            <a:r>
-              <a:rPr lang="es-ES" dirty="0"/>
-              <a:t>a cabo</a:t>
-            </a:r>
-          </a:p>
-        </p:txBody>
-      </p:sp>
-      <p:sp>
-        <p:nvSpPr>
-          <p:cNvPr id="7" name="CuadroTexto 6">
-            <a:extLst>
-              <a:ext uri="{FF2B5EF4-FFF2-40B4-BE49-F238E27FC236}">
-                <a16:creationId xmlns:a16="http://schemas.microsoft.com/office/drawing/2014/main" xmlns="" id="{75FF8735-CE65-4F3F-8F8F-DB1CD9917281}"/>
-              </a:ext>
-            </a:extLst>
-          </p:cNvPr>
-          <p:cNvSpPr txBox="1"/>
-          <p:nvPr/>
-        </p:nvSpPr>
-        <p:spPr>
-          <a:xfrm>
-            <a:off x="316721" y="4573078"/>
-            <a:ext cx="2628900" cy="369332"/>
-          </a:xfrm>
-          <a:prstGeom prst="rect">
-            <a:avLst/>
-          </a:prstGeom>
-          <a:noFill/>
-        </p:spPr>
-        <p:txBody>
-          <a:bodyPr wrap="square" rtlCol="0">
-            <a:spAutoFit/>
-          </a:bodyPr>
-          <a:lstStyle/>
-          <a:p>
-            <a:r>
-              <a:rPr lang="es-ES" dirty="0"/>
-              <a:t>Cosas por hacer</a:t>
-            </a:r>
-          </a:p>
-        </p:txBody>
-      </p:sp>
       <p:pic>
         <p:nvPicPr>
           <p:cNvPr id="8" name="Imagen 7">
@@ -7357,8 +7613,8 @@
         </p:blipFill>
         <p:spPr bwMode="auto">
           <a:xfrm>
-            <a:off x="2324099" y="1414437"/>
-            <a:ext cx="7748881" cy="4029126"/>
+            <a:off x="4959178" y="1224967"/>
+            <a:ext cx="5270320" cy="4029126"/>
           </a:xfrm>
           <a:prstGeom prst="roundRect">
             <a:avLst>
@@ -7491,6 +7747,192 @@
           </a:p>
         </p:txBody>
       </p:sp>
+      <p:sp>
+        <p:nvSpPr>
+          <p:cNvPr id="11" name="CuadroTexto 10">
+            <a:extLst>
+              <a:ext uri="{FF2B5EF4-FFF2-40B4-BE49-F238E27FC236}">
+                <a16:creationId xmlns:a16="http://schemas.microsoft.com/office/drawing/2014/main" xmlns="" id="{ED935AC2-31A0-477F-AF0A-BF1CDA98A0E9}"/>
+              </a:ext>
+            </a:extLst>
+          </p:cNvPr>
+          <p:cNvSpPr txBox="1"/>
+          <p:nvPr/>
+        </p:nvSpPr>
+        <p:spPr>
+          <a:xfrm>
+            <a:off x="124945" y="1665238"/>
+            <a:ext cx="4998989" cy="3693319"/>
+          </a:xfrm>
+          <a:prstGeom prst="rect">
+            <a:avLst/>
+          </a:prstGeom>
+          <a:noFill/>
+        </p:spPr>
+        <p:txBody>
+          <a:bodyPr wrap="square" rtlCol="0">
+            <a:spAutoFit/>
+          </a:bodyPr>
+          <a:lstStyle/>
+          <a:p>
+            <a:r>
+              <a:rPr lang="es-ES" dirty="0" smtClean="0"/>
+              <a:t>¿Qué hemos hecho?</a:t>
+            </a:r>
+            <a:endParaRPr lang="es-ES" dirty="0" smtClean="0"/>
+          </a:p>
+          <a:p>
+            <a:pPr marL="285750" indent="-285750">
+              <a:buFont typeface="Arial" panose="020B0604020202020204" pitchFamily="34" charset="0"/>
+              <a:buChar char="•"/>
+            </a:pPr>
+            <a:r>
+              <a:rPr lang="es-ES" dirty="0" smtClean="0"/>
+              <a:t>PWA </a:t>
+            </a:r>
+            <a:r>
+              <a:rPr lang="es-ES" dirty="0" smtClean="0"/>
+              <a:t>mediante </a:t>
+            </a:r>
+            <a:r>
+              <a:rPr lang="es-ES" dirty="0" err="1" smtClean="0"/>
+              <a:t>nvm</a:t>
+            </a:r>
+            <a:r>
+              <a:rPr lang="es-ES" dirty="0"/>
+              <a:t> </a:t>
+            </a:r>
+            <a:r>
+              <a:rPr lang="es-ES" dirty="0" smtClean="0"/>
+              <a:t>y </a:t>
+            </a:r>
+            <a:r>
+              <a:rPr lang="es-ES" dirty="0" err="1" smtClean="0"/>
+              <a:t>nuxt</a:t>
+            </a:r>
+            <a:r>
+              <a:rPr lang="es-ES" dirty="0" smtClean="0"/>
+              <a:t>.</a:t>
+            </a:r>
+          </a:p>
+          <a:p>
+            <a:pPr marL="285750" indent="-285750">
+              <a:buFont typeface="Arial" panose="020B0604020202020204" pitchFamily="34" charset="0"/>
+              <a:buChar char="•"/>
+            </a:pPr>
+            <a:r>
+              <a:rPr lang="es-ES" dirty="0" smtClean="0"/>
+              <a:t>Uso de servicios de </a:t>
+            </a:r>
+            <a:r>
+              <a:rPr lang="es-ES" dirty="0" err="1"/>
+              <a:t>F</a:t>
+            </a:r>
+            <a:r>
+              <a:rPr lang="es-ES" dirty="0" err="1" smtClean="0"/>
+              <a:t>irebase</a:t>
+            </a:r>
+            <a:r>
+              <a:rPr lang="es-ES" dirty="0" smtClean="0"/>
+              <a:t> de Google.</a:t>
+            </a:r>
+            <a:endParaRPr lang="es-ES" dirty="0" smtClean="0"/>
+          </a:p>
+          <a:p>
+            <a:pPr marL="285750" indent="-285750">
+              <a:buFont typeface="Arial" panose="020B0604020202020204" pitchFamily="34" charset="0"/>
+              <a:buChar char="•"/>
+            </a:pPr>
+            <a:r>
+              <a:rPr lang="es-ES" dirty="0" smtClean="0"/>
+              <a:t>Implementación con actualización asíncrona en los clientes de una base de datos.</a:t>
+            </a:r>
+          </a:p>
+          <a:p>
+            <a:pPr marL="285750" indent="-285750">
+              <a:buFont typeface="Arial" panose="020B0604020202020204" pitchFamily="34" charset="0"/>
+              <a:buChar char="•"/>
+            </a:pPr>
+            <a:endParaRPr lang="es-ES" dirty="0" smtClean="0"/>
+          </a:p>
+          <a:p>
+            <a:pPr marL="285750" indent="-285750">
+              <a:buFont typeface="Arial" panose="020B0604020202020204" pitchFamily="34" charset="0"/>
+              <a:buChar char="•"/>
+            </a:pPr>
+            <a:endParaRPr lang="es-ES" dirty="0"/>
+          </a:p>
+          <a:p>
+            <a:r>
+              <a:rPr lang="es-ES" dirty="0" smtClean="0"/>
+              <a:t>Trabajo futuro:</a:t>
+            </a:r>
+            <a:endParaRPr lang="es-ES" dirty="0" smtClean="0"/>
+          </a:p>
+          <a:p>
+            <a:pPr marL="285750" indent="-285750">
+              <a:buFont typeface="Arial" panose="020B0604020202020204" pitchFamily="34" charset="0"/>
+              <a:buChar char="•"/>
+            </a:pPr>
+            <a:r>
+              <a:rPr lang="es-ES" dirty="0" smtClean="0"/>
+              <a:t>Sistema de roles </a:t>
+            </a:r>
+            <a:r>
+              <a:rPr lang="es-ES" dirty="0" smtClean="0"/>
+              <a:t>más robusto.</a:t>
+            </a:r>
+          </a:p>
+          <a:p>
+            <a:pPr marL="285750" indent="-285750">
+              <a:buFont typeface="Arial" panose="020B0604020202020204" pitchFamily="34" charset="0"/>
+              <a:buChar char="•"/>
+            </a:pPr>
+            <a:r>
+              <a:rPr lang="es-ES" dirty="0" smtClean="0"/>
+              <a:t>Funcionalidad </a:t>
+            </a:r>
+            <a:r>
+              <a:rPr lang="es-ES" dirty="0" smtClean="0"/>
+              <a:t>de </a:t>
+            </a:r>
+            <a:r>
+              <a:rPr lang="es-ES" dirty="0" smtClean="0"/>
+              <a:t>carrito.</a:t>
+            </a:r>
+          </a:p>
+          <a:p>
+            <a:pPr marL="285750" indent="-285750">
+              <a:buFont typeface="Arial" panose="020B0604020202020204" pitchFamily="34" charset="0"/>
+              <a:buChar char="•"/>
+            </a:pPr>
+            <a:r>
+              <a:rPr lang="es-ES" dirty="0"/>
+              <a:t>I</a:t>
+            </a:r>
+            <a:r>
+              <a:rPr lang="es-ES" dirty="0" smtClean="0"/>
+              <a:t>ncluir </a:t>
+            </a:r>
+            <a:r>
+              <a:rPr lang="es-ES" dirty="0" smtClean="0"/>
+              <a:t>la </a:t>
+            </a:r>
+            <a:r>
+              <a:rPr lang="es-ES" dirty="0" smtClean="0"/>
+              <a:t>seguridad en el sistema.</a:t>
+            </a:r>
+            <a:endParaRPr lang="es-ES" dirty="0" smtClean="0"/>
+          </a:p>
+          <a:p>
+            <a:r>
+              <a:rPr lang="es-ES" dirty="0" smtClean="0"/>
+              <a:t> </a:t>
+            </a:r>
+            <a:endParaRPr lang="es-ES" dirty="0"/>
+          </a:p>
+        </p:txBody>
+      </p:sp>
     </p:spTree>
     <p:extLst>
       <p:ext uri="{BB962C8B-B14F-4D97-AF65-F5344CB8AC3E}">
@@ -7504,7 +7946,7 @@
 </p:sld>
 </file>
 
-<file path=ppt/slides/slide6.xml><?xml version="1.0" encoding="utf-8"?>
+<file path=ppt/slides/slide7.xml><?xml version="1.0" encoding="utf-8"?>
 <p:sld xmlns:a="http://schemas.openxmlformats.org/drawingml/2006/main" xmlns:r="http://schemas.openxmlformats.org/officeDocument/2006/relationships" xmlns:p="http://schemas.openxmlformats.org/presentationml/2006/main">
   <p:cSld>
     <p:spTree>
@@ -7692,1082 +8134,6 @@
   <p:clrMapOvr>
     <a:masterClrMapping/>
   </p:clrMapOvr>
-</p:sld>
-</file>
-
-<file path=ppt/slides/slide7.xml><?xml version="1.0" encoding="utf-8"?>
-<p:sld xmlns:a="http://schemas.openxmlformats.org/drawingml/2006/main" xmlns:r="http://schemas.openxmlformats.org/officeDocument/2006/relationships" xmlns:p="http://schemas.openxmlformats.org/presentationml/2006/main" show="0">
-  <p:cSld>
-    <p:spTree>
-      <p:nvGrpSpPr>
-        <p:cNvPr id="1" name=""/>
-        <p:cNvGrpSpPr/>
-        <p:nvPr/>
-      </p:nvGrpSpPr>
-      <p:grpSpPr>
-        <a:xfrm>
-          <a:off x="0" y="0"/>
-          <a:ext cx="0" cy="0"/>
-          <a:chOff x="0" y="0"/>
-          <a:chExt cx="0" cy="0"/>
-        </a:xfrm>
-      </p:grpSpPr>
-      <p:sp>
-        <p:nvSpPr>
-          <p:cNvPr id="4" name="Rectángulo: esquinas redondeadas 3">
-            <a:extLst>
-              <a:ext uri="{FF2B5EF4-FFF2-40B4-BE49-F238E27FC236}">
-                <a16:creationId xmlns:a16="http://schemas.microsoft.com/office/drawing/2014/main" xmlns="" id="{A811C1A9-B9FC-44A1-8DB3-5AB34C307736}"/>
-              </a:ext>
-            </a:extLst>
-          </p:cNvPr>
-          <p:cNvSpPr/>
-          <p:nvPr/>
-        </p:nvSpPr>
-        <p:spPr>
-          <a:xfrm>
-            <a:off x="4250315" y="354106"/>
-            <a:ext cx="2958353" cy="1748118"/>
-          </a:xfrm>
-          <a:prstGeom prst="roundRect">
-            <a:avLst/>
-          </a:prstGeom>
-          <a:gradFill flip="none" rotWithShape="1">
-            <a:gsLst>
-              <a:gs pos="0">
-                <a:srgbClr val="00B0F0">
-                  <a:shade val="30000"/>
-                  <a:satMod val="115000"/>
-                </a:srgbClr>
-              </a:gs>
-              <a:gs pos="50000">
-                <a:srgbClr val="00B0F0">
-                  <a:shade val="67500"/>
-                  <a:satMod val="115000"/>
-                </a:srgbClr>
-              </a:gs>
-              <a:gs pos="100000">
-                <a:srgbClr val="00B0F0">
-                  <a:shade val="100000"/>
-                  <a:satMod val="115000"/>
-                </a:srgbClr>
-              </a:gs>
-            </a:gsLst>
-            <a:path path="circle">
-              <a:fillToRect l="50000" t="50000" r="50000" b="50000"/>
-            </a:path>
-            <a:tileRect/>
-          </a:gradFill>
-          <a:ln>
-            <a:solidFill>
-              <a:srgbClr val="002060"/>
-            </a:solidFill>
-          </a:ln>
-        </p:spPr>
-        <p:style>
-          <a:lnRef idx="2">
-            <a:schemeClr val="accent1">
-              <a:shade val="50000"/>
-            </a:schemeClr>
-          </a:lnRef>
-          <a:fillRef idx="1">
-            <a:schemeClr val="accent1"/>
-          </a:fillRef>
-          <a:effectRef idx="0">
-            <a:schemeClr val="accent1"/>
-          </a:effectRef>
-          <a:fontRef idx="minor">
-            <a:schemeClr val="lt1"/>
-          </a:fontRef>
-        </p:style>
-        <p:txBody>
-          <a:bodyPr rtlCol="0" anchor="ctr"/>
-          <a:lstStyle/>
-          <a:p>
-            <a:pPr algn="ctr"/>
-            <a:r>
-              <a:rPr lang="es-ES" sz="2800" dirty="0"/>
-              <a:t>Nueva película</a:t>
-            </a:r>
-          </a:p>
-        </p:txBody>
-      </p:sp>
-      <p:sp>
-        <p:nvSpPr>
-          <p:cNvPr id="5" name="Rectángulo: esquinas redondeadas 4">
-            <a:extLst>
-              <a:ext uri="{FF2B5EF4-FFF2-40B4-BE49-F238E27FC236}">
-                <a16:creationId xmlns:a16="http://schemas.microsoft.com/office/drawing/2014/main" xmlns="" id="{FA3B742F-A0F5-4F5A-AD97-5DA85446F0D0}"/>
-              </a:ext>
-            </a:extLst>
-          </p:cNvPr>
-          <p:cNvSpPr/>
-          <p:nvPr/>
-        </p:nvSpPr>
-        <p:spPr>
-          <a:xfrm>
-            <a:off x="780526" y="2661099"/>
-            <a:ext cx="2958353" cy="1748118"/>
-          </a:xfrm>
-          <a:prstGeom prst="roundRect">
-            <a:avLst/>
-          </a:prstGeom>
-          <a:gradFill flip="none" rotWithShape="1">
-            <a:gsLst>
-              <a:gs pos="0">
-                <a:srgbClr val="00B0F0">
-                  <a:shade val="30000"/>
-                  <a:satMod val="115000"/>
-                </a:srgbClr>
-              </a:gs>
-              <a:gs pos="50000">
-                <a:srgbClr val="00B0F0">
-                  <a:shade val="67500"/>
-                  <a:satMod val="115000"/>
-                </a:srgbClr>
-              </a:gs>
-              <a:gs pos="100000">
-                <a:srgbClr val="00B0F0">
-                  <a:shade val="100000"/>
-                  <a:satMod val="115000"/>
-                </a:srgbClr>
-              </a:gs>
-            </a:gsLst>
-            <a:path path="circle">
-              <a:fillToRect l="50000" t="50000" r="50000" b="50000"/>
-            </a:path>
-            <a:tileRect/>
-          </a:gradFill>
-          <a:ln>
-            <a:solidFill>
-              <a:srgbClr val="002060"/>
-            </a:solidFill>
-          </a:ln>
-        </p:spPr>
-        <p:style>
-          <a:lnRef idx="2">
-            <a:schemeClr val="accent1">
-              <a:shade val="50000"/>
-            </a:schemeClr>
-          </a:lnRef>
-          <a:fillRef idx="1">
-            <a:schemeClr val="accent1"/>
-          </a:fillRef>
-          <a:effectRef idx="0">
-            <a:schemeClr val="accent1"/>
-          </a:effectRef>
-          <a:fontRef idx="minor">
-            <a:schemeClr val="lt1"/>
-          </a:fontRef>
-        </p:style>
-        <p:txBody>
-          <a:bodyPr rtlCol="0" anchor="ctr"/>
-          <a:lstStyle/>
-          <a:p>
-            <a:pPr algn="ctr"/>
-            <a:r>
-              <a:rPr lang="es-ES" sz="2800" dirty="0" err="1"/>
-              <a:t>Index</a:t>
-            </a:r>
-            <a:endParaRPr lang="es-ES" sz="2800" dirty="0"/>
-          </a:p>
-        </p:txBody>
-      </p:sp>
-      <p:sp>
-        <p:nvSpPr>
-          <p:cNvPr id="6" name="Rectángulo: esquinas redondeadas 5">
-            <a:extLst>
-              <a:ext uri="{FF2B5EF4-FFF2-40B4-BE49-F238E27FC236}">
-                <a16:creationId xmlns:a16="http://schemas.microsoft.com/office/drawing/2014/main" xmlns="" id="{3C9F6777-7E1F-4AA2-B0EF-B511E2C069B6}"/>
-              </a:ext>
-            </a:extLst>
-          </p:cNvPr>
-          <p:cNvSpPr/>
-          <p:nvPr/>
-        </p:nvSpPr>
-        <p:spPr>
-          <a:xfrm>
-            <a:off x="7664524" y="2661099"/>
-            <a:ext cx="2958353" cy="1748118"/>
-          </a:xfrm>
-          <a:prstGeom prst="roundRect">
-            <a:avLst/>
-          </a:prstGeom>
-          <a:gradFill flip="none" rotWithShape="1">
-            <a:gsLst>
-              <a:gs pos="0">
-                <a:srgbClr val="00B0F0">
-                  <a:shade val="30000"/>
-                  <a:satMod val="115000"/>
-                </a:srgbClr>
-              </a:gs>
-              <a:gs pos="50000">
-                <a:srgbClr val="00B0F0">
-                  <a:shade val="67500"/>
-                  <a:satMod val="115000"/>
-                </a:srgbClr>
-              </a:gs>
-              <a:gs pos="100000">
-                <a:srgbClr val="00B0F0">
-                  <a:shade val="100000"/>
-                  <a:satMod val="115000"/>
-                </a:srgbClr>
-              </a:gs>
-            </a:gsLst>
-            <a:path path="circle">
-              <a:fillToRect l="50000" t="50000" r="50000" b="50000"/>
-            </a:path>
-            <a:tileRect/>
-          </a:gradFill>
-          <a:ln>
-            <a:solidFill>
-              <a:srgbClr val="002060"/>
-            </a:solidFill>
-          </a:ln>
-        </p:spPr>
-        <p:style>
-          <a:lnRef idx="2">
-            <a:schemeClr val="accent1">
-              <a:shade val="50000"/>
-            </a:schemeClr>
-          </a:lnRef>
-          <a:fillRef idx="1">
-            <a:schemeClr val="accent1"/>
-          </a:fillRef>
-          <a:effectRef idx="0">
-            <a:schemeClr val="accent1"/>
-          </a:effectRef>
-          <a:fontRef idx="minor">
-            <a:schemeClr val="lt1"/>
-          </a:fontRef>
-        </p:style>
-        <p:txBody>
-          <a:bodyPr rtlCol="0" anchor="ctr"/>
-          <a:lstStyle/>
-          <a:p>
-            <a:pPr algn="ctr"/>
-            <a:r>
-              <a:rPr lang="es-ES" sz="2800" dirty="0"/>
-              <a:t>Videoclub</a:t>
-            </a:r>
-          </a:p>
-        </p:txBody>
-      </p:sp>
-      <p:sp>
-        <p:nvSpPr>
-          <p:cNvPr id="7" name="Rectángulo: esquinas redondeadas 6">
-            <a:extLst>
-              <a:ext uri="{FF2B5EF4-FFF2-40B4-BE49-F238E27FC236}">
-                <a16:creationId xmlns:a16="http://schemas.microsoft.com/office/drawing/2014/main" xmlns="" id="{EA31F3F4-0ED2-499A-BC32-C8D2CCB11D73}"/>
-              </a:ext>
-            </a:extLst>
-          </p:cNvPr>
-          <p:cNvSpPr/>
-          <p:nvPr/>
-        </p:nvSpPr>
-        <p:spPr>
-          <a:xfrm>
-            <a:off x="4250316" y="4836458"/>
-            <a:ext cx="2958353" cy="1748118"/>
-          </a:xfrm>
-          <a:prstGeom prst="roundRect">
-            <a:avLst/>
-          </a:prstGeom>
-          <a:gradFill flip="none" rotWithShape="1">
-            <a:gsLst>
-              <a:gs pos="0">
-                <a:srgbClr val="00B0F0">
-                  <a:shade val="30000"/>
-                  <a:satMod val="115000"/>
-                </a:srgbClr>
-              </a:gs>
-              <a:gs pos="50000">
-                <a:srgbClr val="00B0F0">
-                  <a:shade val="67500"/>
-                  <a:satMod val="115000"/>
-                </a:srgbClr>
-              </a:gs>
-              <a:gs pos="100000">
-                <a:srgbClr val="00B0F0">
-                  <a:shade val="100000"/>
-                  <a:satMod val="115000"/>
-                </a:srgbClr>
-              </a:gs>
-            </a:gsLst>
-            <a:path path="circle">
-              <a:fillToRect l="50000" t="50000" r="50000" b="50000"/>
-            </a:path>
-            <a:tileRect/>
-          </a:gradFill>
-          <a:ln>
-            <a:solidFill>
-              <a:srgbClr val="002060"/>
-            </a:solidFill>
-          </a:ln>
-        </p:spPr>
-        <p:style>
-          <a:lnRef idx="2">
-            <a:schemeClr val="accent1">
-              <a:shade val="50000"/>
-            </a:schemeClr>
-          </a:lnRef>
-          <a:fillRef idx="1">
-            <a:schemeClr val="accent1"/>
-          </a:fillRef>
-          <a:effectRef idx="0">
-            <a:schemeClr val="accent1"/>
-          </a:effectRef>
-          <a:fontRef idx="minor">
-            <a:schemeClr val="lt1"/>
-          </a:fontRef>
-        </p:style>
-        <p:txBody>
-          <a:bodyPr rtlCol="0" anchor="ctr"/>
-          <a:lstStyle/>
-          <a:p>
-            <a:pPr algn="ctr"/>
-            <a:r>
-              <a:rPr lang="es-ES" sz="2800" dirty="0"/>
-              <a:t>Perfil</a:t>
-            </a:r>
-          </a:p>
-        </p:txBody>
-      </p:sp>
-      <p:sp>
-        <p:nvSpPr>
-          <p:cNvPr id="8" name="Flecha: hacia arriba 7">
-            <a:extLst>
-              <a:ext uri="{FF2B5EF4-FFF2-40B4-BE49-F238E27FC236}">
-                <a16:creationId xmlns:a16="http://schemas.microsoft.com/office/drawing/2014/main" xmlns="" id="{6D0F0E6E-CE4D-4081-9B6B-97C7911CC391}"/>
-              </a:ext>
-            </a:extLst>
-          </p:cNvPr>
-          <p:cNvSpPr/>
-          <p:nvPr/>
-        </p:nvSpPr>
-        <p:spPr>
-          <a:xfrm>
-            <a:off x="4886064" y="2167442"/>
-            <a:ext cx="518160" cy="2603798"/>
-          </a:xfrm>
-          <a:prstGeom prst="upArrow">
-            <a:avLst/>
-          </a:prstGeom>
-          <a:gradFill flip="none" rotWithShape="1">
-            <a:gsLst>
-              <a:gs pos="0">
-                <a:srgbClr val="00B0F0">
-                  <a:shade val="30000"/>
-                  <a:satMod val="115000"/>
-                </a:srgbClr>
-              </a:gs>
-              <a:gs pos="50000">
-                <a:srgbClr val="00B0F0">
-                  <a:shade val="67500"/>
-                  <a:satMod val="115000"/>
-                </a:srgbClr>
-              </a:gs>
-              <a:gs pos="100000">
-                <a:srgbClr val="00B0F0">
-                  <a:shade val="100000"/>
-                  <a:satMod val="115000"/>
-                </a:srgbClr>
-              </a:gs>
-            </a:gsLst>
-            <a:path path="circle">
-              <a:fillToRect l="50000" t="50000" r="50000" b="50000"/>
-            </a:path>
-            <a:tileRect/>
-          </a:gradFill>
-          <a:ln>
-            <a:solidFill>
-              <a:srgbClr val="002060"/>
-            </a:solidFill>
-          </a:ln>
-        </p:spPr>
-        <p:style>
-          <a:lnRef idx="2">
-            <a:schemeClr val="accent1">
-              <a:shade val="50000"/>
-            </a:schemeClr>
-          </a:lnRef>
-          <a:fillRef idx="1">
-            <a:schemeClr val="accent1"/>
-          </a:fillRef>
-          <a:effectRef idx="0">
-            <a:schemeClr val="accent1"/>
-          </a:effectRef>
-          <a:fontRef idx="minor">
-            <a:schemeClr val="lt1"/>
-          </a:fontRef>
-        </p:style>
-        <p:txBody>
-          <a:bodyPr rtlCol="0" anchor="ctr"/>
-          <a:lstStyle/>
-          <a:p>
-            <a:pPr algn="ctr"/>
-            <a:endParaRPr lang="es-ES"/>
-          </a:p>
-        </p:txBody>
-      </p:sp>
-      <p:sp>
-        <p:nvSpPr>
-          <p:cNvPr id="9" name="Flecha: hacia arriba 8">
-            <a:extLst>
-              <a:ext uri="{FF2B5EF4-FFF2-40B4-BE49-F238E27FC236}">
-                <a16:creationId xmlns:a16="http://schemas.microsoft.com/office/drawing/2014/main" xmlns="" id="{78A70EBC-AF51-458D-B421-CA13F3826211}"/>
-              </a:ext>
-            </a:extLst>
-          </p:cNvPr>
-          <p:cNvSpPr/>
-          <p:nvPr/>
-        </p:nvSpPr>
-        <p:spPr>
-          <a:xfrm flipV="1">
-            <a:off x="5840504" y="2167442"/>
-            <a:ext cx="518160" cy="2603798"/>
-          </a:xfrm>
-          <a:prstGeom prst="upArrow">
-            <a:avLst/>
-          </a:prstGeom>
-          <a:solidFill>
-            <a:schemeClr val="tx1"/>
-          </a:solidFill>
-          <a:ln>
-            <a:solidFill>
-              <a:srgbClr val="002060"/>
-            </a:solidFill>
-          </a:ln>
-        </p:spPr>
-        <p:style>
-          <a:lnRef idx="2">
-            <a:schemeClr val="accent1">
-              <a:shade val="50000"/>
-            </a:schemeClr>
-          </a:lnRef>
-          <a:fillRef idx="1">
-            <a:schemeClr val="accent1"/>
-          </a:fillRef>
-          <a:effectRef idx="0">
-            <a:schemeClr val="accent1"/>
-          </a:effectRef>
-          <a:fontRef idx="minor">
-            <a:schemeClr val="lt1"/>
-          </a:fontRef>
-        </p:style>
-        <p:txBody>
-          <a:bodyPr rtlCol="0" anchor="ctr"/>
-          <a:lstStyle/>
-          <a:p>
-            <a:pPr algn="ctr"/>
-            <a:endParaRPr lang="es-ES"/>
-          </a:p>
-        </p:txBody>
-      </p:sp>
-      <p:sp>
-        <p:nvSpPr>
-          <p:cNvPr id="10" name="Flecha: hacia arriba 9">
-            <a:extLst>
-              <a:ext uri="{FF2B5EF4-FFF2-40B4-BE49-F238E27FC236}">
-                <a16:creationId xmlns:a16="http://schemas.microsoft.com/office/drawing/2014/main" xmlns="" id="{B54A255D-FAA2-4EEF-B8EB-CBF763569A08}"/>
-              </a:ext>
-            </a:extLst>
-          </p:cNvPr>
-          <p:cNvSpPr/>
-          <p:nvPr/>
-        </p:nvSpPr>
-        <p:spPr>
-          <a:xfrm rot="13949545" flipV="1">
-            <a:off x="8033129" y="4123438"/>
-            <a:ext cx="440058" cy="2268093"/>
-          </a:xfrm>
-          <a:prstGeom prst="upArrow">
-            <a:avLst/>
-          </a:prstGeom>
-          <a:solidFill>
-            <a:schemeClr val="tx1"/>
-          </a:solidFill>
-          <a:ln>
-            <a:solidFill>
-              <a:srgbClr val="002060"/>
-            </a:solidFill>
-          </a:ln>
-        </p:spPr>
-        <p:style>
-          <a:lnRef idx="2">
-            <a:schemeClr val="accent1">
-              <a:shade val="50000"/>
-            </a:schemeClr>
-          </a:lnRef>
-          <a:fillRef idx="1">
-            <a:schemeClr val="accent1"/>
-          </a:fillRef>
-          <a:effectRef idx="0">
-            <a:schemeClr val="accent1"/>
-          </a:effectRef>
-          <a:fontRef idx="minor">
-            <a:schemeClr val="lt1"/>
-          </a:fontRef>
-        </p:style>
-        <p:txBody>
-          <a:bodyPr rtlCol="0" anchor="ctr"/>
-          <a:lstStyle/>
-          <a:p>
-            <a:pPr algn="ctr"/>
-            <a:endParaRPr lang="es-ES"/>
-          </a:p>
-        </p:txBody>
-      </p:sp>
-      <p:sp>
-        <p:nvSpPr>
-          <p:cNvPr id="11" name="Flecha: hacia arriba 10">
-            <a:extLst>
-              <a:ext uri="{FF2B5EF4-FFF2-40B4-BE49-F238E27FC236}">
-                <a16:creationId xmlns:a16="http://schemas.microsoft.com/office/drawing/2014/main" xmlns="" id="{F1DEDD57-C535-431A-A63A-5D98D1599A15}"/>
-              </a:ext>
-            </a:extLst>
-          </p:cNvPr>
-          <p:cNvSpPr/>
-          <p:nvPr/>
-        </p:nvSpPr>
-        <p:spPr>
-          <a:xfrm rot="3223889" flipV="1">
-            <a:off x="8563261" y="4276325"/>
-            <a:ext cx="440058" cy="2268093"/>
-          </a:xfrm>
-          <a:prstGeom prst="upArrow">
-            <a:avLst/>
-          </a:prstGeom>
-          <a:gradFill flip="none" rotWithShape="1">
-            <a:gsLst>
-              <a:gs pos="0">
-                <a:srgbClr val="00B0F0">
-                  <a:shade val="30000"/>
-                  <a:satMod val="115000"/>
-                </a:srgbClr>
-              </a:gs>
-              <a:gs pos="50000">
-                <a:srgbClr val="00B0F0">
-                  <a:shade val="67500"/>
-                  <a:satMod val="115000"/>
-                </a:srgbClr>
-              </a:gs>
-              <a:gs pos="100000">
-                <a:srgbClr val="00B0F0">
-                  <a:shade val="100000"/>
-                  <a:satMod val="115000"/>
-                </a:srgbClr>
-              </a:gs>
-            </a:gsLst>
-            <a:path path="circle">
-              <a:fillToRect l="50000" t="50000" r="50000" b="50000"/>
-            </a:path>
-            <a:tileRect/>
-          </a:gradFill>
-          <a:ln>
-            <a:solidFill>
-              <a:srgbClr val="002060"/>
-            </a:solidFill>
-          </a:ln>
-        </p:spPr>
-        <p:style>
-          <a:lnRef idx="2">
-            <a:schemeClr val="accent1">
-              <a:shade val="50000"/>
-            </a:schemeClr>
-          </a:lnRef>
-          <a:fillRef idx="1">
-            <a:schemeClr val="accent1"/>
-          </a:fillRef>
-          <a:effectRef idx="0">
-            <a:schemeClr val="accent1"/>
-          </a:effectRef>
-          <a:fontRef idx="minor">
-            <a:schemeClr val="lt1"/>
-          </a:fontRef>
-        </p:style>
-        <p:txBody>
-          <a:bodyPr rtlCol="0" anchor="ctr"/>
-          <a:lstStyle/>
-          <a:p>
-            <a:pPr algn="ctr"/>
-            <a:endParaRPr lang="es-ES"/>
-          </a:p>
-        </p:txBody>
-      </p:sp>
-      <p:sp>
-        <p:nvSpPr>
-          <p:cNvPr id="12" name="Flecha: hacia arriba 11">
-            <a:extLst>
-              <a:ext uri="{FF2B5EF4-FFF2-40B4-BE49-F238E27FC236}">
-                <a16:creationId xmlns:a16="http://schemas.microsoft.com/office/drawing/2014/main" xmlns="" id="{5FB78881-A87F-47BE-A996-88A06BECA008}"/>
-              </a:ext>
-            </a:extLst>
-          </p:cNvPr>
-          <p:cNvSpPr/>
-          <p:nvPr/>
-        </p:nvSpPr>
-        <p:spPr>
-          <a:xfrm rot="3223889" flipV="1">
-            <a:off x="2392195" y="472110"/>
-            <a:ext cx="440058" cy="2268093"/>
-          </a:xfrm>
-          <a:prstGeom prst="upArrow">
-            <a:avLst/>
-          </a:prstGeom>
-          <a:solidFill>
-            <a:schemeClr val="tx1"/>
-          </a:solidFill>
-          <a:ln>
-            <a:solidFill>
-              <a:srgbClr val="002060"/>
-            </a:solidFill>
-          </a:ln>
-        </p:spPr>
-        <p:style>
-          <a:lnRef idx="2">
-            <a:schemeClr val="accent1">
-              <a:shade val="50000"/>
-            </a:schemeClr>
-          </a:lnRef>
-          <a:fillRef idx="1">
-            <a:schemeClr val="accent1"/>
-          </a:fillRef>
-          <a:effectRef idx="0">
-            <a:schemeClr val="accent1"/>
-          </a:effectRef>
-          <a:fontRef idx="minor">
-            <a:schemeClr val="lt1"/>
-          </a:fontRef>
-        </p:style>
-        <p:txBody>
-          <a:bodyPr rtlCol="0" anchor="ctr"/>
-          <a:lstStyle/>
-          <a:p>
-            <a:pPr algn="ctr"/>
-            <a:endParaRPr lang="es-ES"/>
-          </a:p>
-        </p:txBody>
-      </p:sp>
-      <p:sp>
-        <p:nvSpPr>
-          <p:cNvPr id="13" name="Flecha: hacia arriba 12">
-            <a:extLst>
-              <a:ext uri="{FF2B5EF4-FFF2-40B4-BE49-F238E27FC236}">
-                <a16:creationId xmlns:a16="http://schemas.microsoft.com/office/drawing/2014/main" xmlns="" id="{4F1AFF8B-1497-4A01-8A4A-6C9FC7764767}"/>
-              </a:ext>
-            </a:extLst>
-          </p:cNvPr>
-          <p:cNvSpPr/>
-          <p:nvPr/>
-        </p:nvSpPr>
-        <p:spPr>
-          <a:xfrm rot="14063405" flipV="1">
-            <a:off x="2922327" y="624997"/>
-            <a:ext cx="440058" cy="2268093"/>
-          </a:xfrm>
-          <a:prstGeom prst="upArrow">
-            <a:avLst/>
-          </a:prstGeom>
-          <a:solidFill>
-            <a:schemeClr val="tx1"/>
-          </a:solidFill>
-          <a:ln>
-            <a:solidFill>
-              <a:srgbClr val="002060"/>
-            </a:solidFill>
-          </a:ln>
-        </p:spPr>
-        <p:style>
-          <a:lnRef idx="2">
-            <a:schemeClr val="accent1">
-              <a:shade val="50000"/>
-            </a:schemeClr>
-          </a:lnRef>
-          <a:fillRef idx="1">
-            <a:schemeClr val="accent1"/>
-          </a:fillRef>
-          <a:effectRef idx="0">
-            <a:schemeClr val="accent1"/>
-          </a:effectRef>
-          <a:fontRef idx="minor">
-            <a:schemeClr val="lt1"/>
-          </a:fontRef>
-        </p:style>
-        <p:txBody>
-          <a:bodyPr rtlCol="0" anchor="ctr"/>
-          <a:lstStyle/>
-          <a:p>
-            <a:pPr algn="ctr"/>
-            <a:endParaRPr lang="es-ES"/>
-          </a:p>
-        </p:txBody>
-      </p:sp>
-      <p:sp>
-        <p:nvSpPr>
-          <p:cNvPr id="14" name="Flecha: hacia arriba 13">
-            <a:extLst>
-              <a:ext uri="{FF2B5EF4-FFF2-40B4-BE49-F238E27FC236}">
-                <a16:creationId xmlns:a16="http://schemas.microsoft.com/office/drawing/2014/main" xmlns="" id="{F1AC2F41-91D2-4F2E-B9D0-8AE492AD93AD}"/>
-              </a:ext>
-            </a:extLst>
-          </p:cNvPr>
-          <p:cNvSpPr/>
-          <p:nvPr/>
-        </p:nvSpPr>
-        <p:spPr>
-          <a:xfrm rot="7712470" flipV="1">
-            <a:off x="8019636" y="658232"/>
-            <a:ext cx="440058" cy="2268093"/>
-          </a:xfrm>
-          <a:prstGeom prst="upArrow">
-            <a:avLst/>
-          </a:prstGeom>
-          <a:solidFill>
-            <a:schemeClr val="tx1"/>
-          </a:solidFill>
-          <a:ln>
-            <a:solidFill>
-              <a:srgbClr val="002060"/>
-            </a:solidFill>
-          </a:ln>
-        </p:spPr>
-        <p:style>
-          <a:lnRef idx="2">
-            <a:schemeClr val="accent1">
-              <a:shade val="50000"/>
-            </a:schemeClr>
-          </a:lnRef>
-          <a:fillRef idx="1">
-            <a:schemeClr val="accent1"/>
-          </a:fillRef>
-          <a:effectRef idx="0">
-            <a:schemeClr val="accent1"/>
-          </a:effectRef>
-          <a:fontRef idx="minor">
-            <a:schemeClr val="lt1"/>
-          </a:fontRef>
-        </p:style>
-        <p:txBody>
-          <a:bodyPr rtlCol="0" anchor="ctr"/>
-          <a:lstStyle/>
-          <a:p>
-            <a:pPr algn="ctr"/>
-            <a:endParaRPr lang="es-ES"/>
-          </a:p>
-        </p:txBody>
-      </p:sp>
-      <p:sp>
-        <p:nvSpPr>
-          <p:cNvPr id="15" name="Flecha: hacia arriba 14">
-            <a:extLst>
-              <a:ext uri="{FF2B5EF4-FFF2-40B4-BE49-F238E27FC236}">
-                <a16:creationId xmlns:a16="http://schemas.microsoft.com/office/drawing/2014/main" xmlns="" id="{B19E9EB8-AD0D-43D7-9A8A-BD11B47E78D0}"/>
-              </a:ext>
-            </a:extLst>
-          </p:cNvPr>
-          <p:cNvSpPr/>
-          <p:nvPr/>
-        </p:nvSpPr>
-        <p:spPr>
-          <a:xfrm rot="18489522" flipV="1">
-            <a:off x="8629368" y="552779"/>
-            <a:ext cx="440058" cy="2268093"/>
-          </a:xfrm>
-          <a:prstGeom prst="upArrow">
-            <a:avLst/>
-          </a:prstGeom>
-          <a:solidFill>
-            <a:schemeClr val="tx1"/>
-          </a:solidFill>
-          <a:ln>
-            <a:solidFill>
-              <a:srgbClr val="002060"/>
-            </a:solidFill>
-          </a:ln>
-        </p:spPr>
-        <p:style>
-          <a:lnRef idx="2">
-            <a:schemeClr val="accent1">
-              <a:shade val="50000"/>
-            </a:schemeClr>
-          </a:lnRef>
-          <a:fillRef idx="1">
-            <a:schemeClr val="accent1"/>
-          </a:fillRef>
-          <a:effectRef idx="0">
-            <a:schemeClr val="accent1"/>
-          </a:effectRef>
-          <a:fontRef idx="minor">
-            <a:schemeClr val="lt1"/>
-          </a:fontRef>
-        </p:style>
-        <p:txBody>
-          <a:bodyPr rtlCol="0" anchor="ctr"/>
-          <a:lstStyle/>
-          <a:p>
-            <a:pPr algn="ctr"/>
-            <a:endParaRPr lang="es-ES"/>
-          </a:p>
-        </p:txBody>
-      </p:sp>
-      <p:sp>
-        <p:nvSpPr>
-          <p:cNvPr id="16" name="Flecha: hacia arriba 15">
-            <a:extLst>
-              <a:ext uri="{FF2B5EF4-FFF2-40B4-BE49-F238E27FC236}">
-                <a16:creationId xmlns:a16="http://schemas.microsoft.com/office/drawing/2014/main" xmlns="" id="{BC589376-D06C-4F75-8A5C-EC76F0F55B96}"/>
-              </a:ext>
-            </a:extLst>
-          </p:cNvPr>
-          <p:cNvSpPr/>
-          <p:nvPr/>
-        </p:nvSpPr>
-        <p:spPr>
-          <a:xfrm rot="18410537" flipV="1">
-            <a:off x="2298764" y="4087617"/>
-            <a:ext cx="440058" cy="2268093"/>
-          </a:xfrm>
-          <a:prstGeom prst="upArrow">
-            <a:avLst/>
-          </a:prstGeom>
-          <a:gradFill flip="none" rotWithShape="1">
-            <a:gsLst>
-              <a:gs pos="0">
-                <a:srgbClr val="00B0F0">
-                  <a:shade val="30000"/>
-                  <a:satMod val="115000"/>
-                </a:srgbClr>
-              </a:gs>
-              <a:gs pos="50000">
-                <a:srgbClr val="00B0F0">
-                  <a:shade val="67500"/>
-                  <a:satMod val="115000"/>
-                </a:srgbClr>
-              </a:gs>
-              <a:gs pos="100000">
-                <a:srgbClr val="00B0F0">
-                  <a:shade val="100000"/>
-                  <a:satMod val="115000"/>
-                </a:srgbClr>
-              </a:gs>
-            </a:gsLst>
-            <a:path path="circle">
-              <a:fillToRect l="50000" t="50000" r="50000" b="50000"/>
-            </a:path>
-            <a:tileRect/>
-          </a:gradFill>
-          <a:ln>
-            <a:solidFill>
-              <a:srgbClr val="002060"/>
-            </a:solidFill>
-          </a:ln>
-        </p:spPr>
-        <p:style>
-          <a:lnRef idx="2">
-            <a:schemeClr val="accent1">
-              <a:shade val="50000"/>
-            </a:schemeClr>
-          </a:lnRef>
-          <a:fillRef idx="1">
-            <a:schemeClr val="accent1"/>
-          </a:fillRef>
-          <a:effectRef idx="0">
-            <a:schemeClr val="accent1"/>
-          </a:effectRef>
-          <a:fontRef idx="minor">
-            <a:schemeClr val="lt1"/>
-          </a:fontRef>
-        </p:style>
-        <p:txBody>
-          <a:bodyPr rtlCol="0" anchor="ctr"/>
-          <a:lstStyle/>
-          <a:p>
-            <a:pPr algn="ctr"/>
-            <a:endParaRPr lang="es-ES"/>
-          </a:p>
-        </p:txBody>
-      </p:sp>
-      <p:sp>
-        <p:nvSpPr>
-          <p:cNvPr id="17" name="Flecha: hacia arriba 16">
-            <a:extLst>
-              <a:ext uri="{FF2B5EF4-FFF2-40B4-BE49-F238E27FC236}">
-                <a16:creationId xmlns:a16="http://schemas.microsoft.com/office/drawing/2014/main" xmlns="" id="{23A44923-8F86-4C10-A432-5B3CBC75F962}"/>
-              </a:ext>
-            </a:extLst>
-          </p:cNvPr>
-          <p:cNvSpPr/>
-          <p:nvPr/>
-        </p:nvSpPr>
-        <p:spPr>
-          <a:xfrm rot="7561118" flipV="1">
-            <a:off x="3012649" y="4054611"/>
-            <a:ext cx="440058" cy="2268093"/>
-          </a:xfrm>
-          <a:prstGeom prst="upArrow">
-            <a:avLst/>
-          </a:prstGeom>
-          <a:solidFill>
-            <a:schemeClr val="tx1"/>
-          </a:solidFill>
-          <a:ln>
-            <a:solidFill>
-              <a:srgbClr val="002060"/>
-            </a:solidFill>
-          </a:ln>
-        </p:spPr>
-        <p:style>
-          <a:lnRef idx="2">
-            <a:schemeClr val="accent1">
-              <a:shade val="50000"/>
-            </a:schemeClr>
-          </a:lnRef>
-          <a:fillRef idx="1">
-            <a:schemeClr val="accent1"/>
-          </a:fillRef>
-          <a:effectRef idx="0">
-            <a:schemeClr val="accent1"/>
-          </a:effectRef>
-          <a:fontRef idx="minor">
-            <a:schemeClr val="lt1"/>
-          </a:fontRef>
-        </p:style>
-        <p:txBody>
-          <a:bodyPr rtlCol="0" anchor="ctr"/>
-          <a:lstStyle/>
-          <a:p>
-            <a:pPr algn="ctr"/>
-            <a:endParaRPr lang="es-ES"/>
-          </a:p>
-        </p:txBody>
-      </p:sp>
-      <p:sp>
-        <p:nvSpPr>
-          <p:cNvPr id="18" name="Flecha: hacia arriba 17">
-            <a:extLst>
-              <a:ext uri="{FF2B5EF4-FFF2-40B4-BE49-F238E27FC236}">
-                <a16:creationId xmlns:a16="http://schemas.microsoft.com/office/drawing/2014/main" xmlns="" id="{BB65E073-0C5F-4EC6-814A-4A1E36C13C05}"/>
-              </a:ext>
-            </a:extLst>
-          </p:cNvPr>
-          <p:cNvSpPr/>
-          <p:nvPr/>
-        </p:nvSpPr>
-        <p:spPr>
-          <a:xfrm rot="5400000" flipV="1">
-            <a:off x="5450652" y="1441039"/>
-            <a:ext cx="518160" cy="3485255"/>
-          </a:xfrm>
-          <a:prstGeom prst="upArrow">
-            <a:avLst/>
-          </a:prstGeom>
-          <a:solidFill>
-            <a:schemeClr val="tx1"/>
-          </a:solidFill>
-          <a:ln>
-            <a:solidFill>
-              <a:srgbClr val="002060"/>
-            </a:solidFill>
-          </a:ln>
-        </p:spPr>
-        <p:style>
-          <a:lnRef idx="2">
-            <a:schemeClr val="accent1">
-              <a:shade val="50000"/>
-            </a:schemeClr>
-          </a:lnRef>
-          <a:fillRef idx="1">
-            <a:schemeClr val="accent1"/>
-          </a:fillRef>
-          <a:effectRef idx="0">
-            <a:schemeClr val="accent1"/>
-          </a:effectRef>
-          <a:fontRef idx="minor">
-            <a:schemeClr val="lt1"/>
-          </a:fontRef>
-        </p:style>
-        <p:txBody>
-          <a:bodyPr rtlCol="0" anchor="ctr"/>
-          <a:lstStyle/>
-          <a:p>
-            <a:pPr algn="ctr"/>
-            <a:endParaRPr lang="es-ES"/>
-          </a:p>
-        </p:txBody>
-      </p:sp>
-      <p:sp>
-        <p:nvSpPr>
-          <p:cNvPr id="19" name="Flecha: hacia arriba 18">
-            <a:extLst>
-              <a:ext uri="{FF2B5EF4-FFF2-40B4-BE49-F238E27FC236}">
-                <a16:creationId xmlns:a16="http://schemas.microsoft.com/office/drawing/2014/main" xmlns="" id="{50004F72-B254-4013-9BFC-495127E17F58}"/>
-              </a:ext>
-            </a:extLst>
-          </p:cNvPr>
-          <p:cNvSpPr/>
-          <p:nvPr/>
-        </p:nvSpPr>
-        <p:spPr>
-          <a:xfrm rot="16200000" flipH="1" flipV="1">
-            <a:off x="5444458" y="2075072"/>
-            <a:ext cx="518160" cy="3485255"/>
-          </a:xfrm>
-          <a:prstGeom prst="upArrow">
-            <a:avLst/>
-          </a:prstGeom>
-          <a:solidFill>
-            <a:schemeClr val="tx1"/>
-          </a:solidFill>
-          <a:ln>
-            <a:solidFill>
-              <a:srgbClr val="002060"/>
-            </a:solidFill>
-          </a:ln>
-        </p:spPr>
-        <p:style>
-          <a:lnRef idx="2">
-            <a:schemeClr val="accent1">
-              <a:shade val="50000"/>
-            </a:schemeClr>
-          </a:lnRef>
-          <a:fillRef idx="1">
-            <a:schemeClr val="accent1"/>
-          </a:fillRef>
-          <a:effectRef idx="0">
-            <a:schemeClr val="accent1"/>
-          </a:effectRef>
-          <a:fontRef idx="minor">
-            <a:schemeClr val="lt1"/>
-          </a:fontRef>
-        </p:style>
-        <p:txBody>
-          <a:bodyPr rtlCol="0" anchor="ctr"/>
-          <a:lstStyle/>
-          <a:p>
-            <a:pPr algn="ctr"/>
-            <a:endParaRPr lang="es-ES"/>
-          </a:p>
-        </p:txBody>
-      </p:sp>
-    </p:spTree>
-    <p:extLst>
-      <p:ext uri="{BB962C8B-B14F-4D97-AF65-F5344CB8AC3E}">
-        <p14:creationId xmlns:p14="http://schemas.microsoft.com/office/powerpoint/2010/main" val="3490375719"/>
-      </p:ext>
-    </p:extLst>
-  </p:cSld>
-  <p:clrMapOvr>
-    <a:masterClrMapping/>
-  </p:clrMapOvr>
-  <mc:AlternateContent xmlns:mc="http://schemas.openxmlformats.org/markup-compatibility/2006">
-    <mc:Choice xmlns:p14="http://schemas.microsoft.com/office/powerpoint/2010/main" Requires="p14">
-      <p:transition spd="slow" p14:dur="2000"/>
-    </mc:Choice>
-    <mc:Fallback>
-      <p:transition spd="slow"/>
-    </mc:Fallback>
-  </mc:AlternateContent>
 </p:sld>
 </file>
 
